--- a/PozyskiwanieDanych/prezentacja szablon.pptx
+++ b/PozyskiwanieDanych/prezentacja szablon.pptx
@@ -110,6 +110,22 @@
       </a:defRPr>
     </a:lvl9pPr>
   </p:defaultTextStyle>
+  <p:extLst>
+    <p:ext uri="{EFAFB233-063F-42B5-8137-9DF3F51BA10A}">
+      <p15:sldGuideLst xmlns:p15="http://schemas.microsoft.com/office/powerpoint/2012/main">
+        <p15:guide id="1" orient="horz" pos="2160">
+          <p15:clr>
+            <a:srgbClr val="A4A3A4"/>
+          </p15:clr>
+        </p15:guide>
+        <p15:guide id="2" pos="2880">
+          <p15:clr>
+            <a:srgbClr val="A4A3A4"/>
+          </p15:clr>
+        </p15:guide>
+      </p15:sldGuideLst>
+    </p:ext>
+  </p:extLst>
 </p:presentation>
 </file>
 
@@ -294,7 +310,7 @@
           <a:p>
             <a:fld id="{3F1FA79C-4120-4505-8F11-45E07EB53152}" type="datetimeFigureOut">
               <a:rPr lang="pl-PL" smtClean="0"/>
-              <a:t>2016-04-10</a:t>
+              <a:t>10.04.2016</a:t>
             </a:fld>
             <a:endParaRPr lang="pl-PL"/>
           </a:p>
@@ -464,7 +480,7 @@
           <a:p>
             <a:fld id="{3F1FA79C-4120-4505-8F11-45E07EB53152}" type="datetimeFigureOut">
               <a:rPr lang="pl-PL" smtClean="0"/>
-              <a:t>2016-04-10</a:t>
+              <a:t>10.04.2016</a:t>
             </a:fld>
             <a:endParaRPr lang="pl-PL"/>
           </a:p>
@@ -644,7 +660,7 @@
           <a:p>
             <a:fld id="{3F1FA79C-4120-4505-8F11-45E07EB53152}" type="datetimeFigureOut">
               <a:rPr lang="pl-PL" smtClean="0"/>
-              <a:t>2016-04-10</a:t>
+              <a:t>10.04.2016</a:t>
             </a:fld>
             <a:endParaRPr lang="pl-PL"/>
           </a:p>
@@ -814,7 +830,7 @@
           <a:p>
             <a:fld id="{3F1FA79C-4120-4505-8F11-45E07EB53152}" type="datetimeFigureOut">
               <a:rPr lang="pl-PL" smtClean="0"/>
-              <a:t>2016-04-10</a:t>
+              <a:t>10.04.2016</a:t>
             </a:fld>
             <a:endParaRPr lang="pl-PL"/>
           </a:p>
@@ -1060,7 +1076,7 @@
           <a:p>
             <a:fld id="{3F1FA79C-4120-4505-8F11-45E07EB53152}" type="datetimeFigureOut">
               <a:rPr lang="pl-PL" smtClean="0"/>
-              <a:t>2016-04-10</a:t>
+              <a:t>10.04.2016</a:t>
             </a:fld>
             <a:endParaRPr lang="pl-PL"/>
           </a:p>
@@ -1348,7 +1364,7 @@
           <a:p>
             <a:fld id="{3F1FA79C-4120-4505-8F11-45E07EB53152}" type="datetimeFigureOut">
               <a:rPr lang="pl-PL" smtClean="0"/>
-              <a:t>2016-04-10</a:t>
+              <a:t>10.04.2016</a:t>
             </a:fld>
             <a:endParaRPr lang="pl-PL"/>
           </a:p>
@@ -1770,7 +1786,7 @@
           <a:p>
             <a:fld id="{3F1FA79C-4120-4505-8F11-45E07EB53152}" type="datetimeFigureOut">
               <a:rPr lang="pl-PL" smtClean="0"/>
-              <a:t>2016-04-10</a:t>
+              <a:t>10.04.2016</a:t>
             </a:fld>
             <a:endParaRPr lang="pl-PL"/>
           </a:p>
@@ -1888,7 +1904,7 @@
           <a:p>
             <a:fld id="{3F1FA79C-4120-4505-8F11-45E07EB53152}" type="datetimeFigureOut">
               <a:rPr lang="pl-PL" smtClean="0"/>
-              <a:t>2016-04-10</a:t>
+              <a:t>10.04.2016</a:t>
             </a:fld>
             <a:endParaRPr lang="pl-PL"/>
           </a:p>
@@ -1983,7 +1999,7 @@
           <a:p>
             <a:fld id="{3F1FA79C-4120-4505-8F11-45E07EB53152}" type="datetimeFigureOut">
               <a:rPr lang="pl-PL" smtClean="0"/>
-              <a:t>2016-04-10</a:t>
+              <a:t>10.04.2016</a:t>
             </a:fld>
             <a:endParaRPr lang="pl-PL"/>
           </a:p>
@@ -2260,7 +2276,7 @@
           <a:p>
             <a:fld id="{3F1FA79C-4120-4505-8F11-45E07EB53152}" type="datetimeFigureOut">
               <a:rPr lang="pl-PL" smtClean="0"/>
-              <a:t>2016-04-10</a:t>
+              <a:t>10.04.2016</a:t>
             </a:fld>
             <a:endParaRPr lang="pl-PL"/>
           </a:p>
@@ -2513,7 +2529,7 @@
           <a:p>
             <a:fld id="{3F1FA79C-4120-4505-8F11-45E07EB53152}" type="datetimeFigureOut">
               <a:rPr lang="pl-PL" smtClean="0"/>
-              <a:t>2016-04-10</a:t>
+              <a:t>10.04.2016</a:t>
             </a:fld>
             <a:endParaRPr lang="pl-PL"/>
           </a:p>
@@ -2726,7 +2742,7 @@
           <a:p>
             <a:fld id="{3F1FA79C-4120-4505-8F11-45E07EB53152}" type="datetimeFigureOut">
               <a:rPr lang="pl-PL" smtClean="0"/>
-              <a:t>2016-04-10</a:t>
+              <a:t>10.04.2016</a:t>
             </a:fld>
             <a:endParaRPr lang="pl-PL"/>
           </a:p>
@@ -3194,7 +3210,7 @@
           <a:p>
             <a:r>
               <a:rPr lang="pl-PL" dirty="0" smtClean="0"/>
-              <a:t>Dane</a:t>
+              <a:t>Źródła danych</a:t>
             </a:r>
             <a:endParaRPr lang="pl-PL" dirty="0"/>
           </a:p>
@@ -3350,34 +3366,22 @@
           <a:p>
             <a:r>
               <a:rPr lang="pl-PL" dirty="0" smtClean="0"/>
-              <a:t>maszyna wirtualna </a:t>
-            </a:r>
+              <a:t>Maszyna </a:t>
+            </a:r>
+            <a:r>
+              <a:rPr lang="pl-PL" dirty="0" smtClean="0"/>
+              <a:t>wirtualna Hortonworks Sandbox (HDP 2.4) </a:t>
+            </a:r>
+          </a:p>
+          <a:p>
             <a:r>
               <a:rPr lang="pl-PL" dirty="0" err="1" smtClean="0"/>
-              <a:t>Hortonworks</a:t>
+              <a:t>Flume</a:t>
             </a:r>
             <a:r>
               <a:rPr lang="pl-PL" dirty="0" smtClean="0"/>
               <a:t> </a:t>
             </a:r>
-            <a:r>
-              <a:rPr lang="pl-PL" dirty="0" err="1" smtClean="0"/>
-              <a:t>Sandbox</a:t>
-            </a:r>
-            <a:r>
-              <a:rPr lang="pl-PL" dirty="0" smtClean="0"/>
-              <a:t> (HDP 2.4) </a:t>
-            </a:r>
-          </a:p>
-          <a:p>
-            <a:r>
-              <a:rPr lang="pl-PL" dirty="0" err="1" smtClean="0"/>
-              <a:t>Flume</a:t>
-            </a:r>
-            <a:r>
-              <a:rPr lang="pl-PL" dirty="0" smtClean="0"/>
-              <a:t> </a:t>
-            </a:r>
           </a:p>
           <a:p>
             <a:r>
@@ -3390,6 +3394,13 @@
               <a:rPr lang="pl-PL" dirty="0" smtClean="0"/>
               <a:t>HDFS</a:t>
             </a:r>
+          </a:p>
+          <a:p>
+            <a:r>
+              <a:rPr lang="pl-PL" dirty="0" smtClean="0"/>
+              <a:t>Python</a:t>
+            </a:r>
+            <a:endParaRPr lang="pl-PL" dirty="0" smtClean="0"/>
           </a:p>
           <a:p>
             <a:endParaRPr lang="pl-PL" dirty="0"/>
@@ -3635,37 +3646,35 @@
           </a:p>
         </p:txBody>
       </p:sp>
-      <p:sp>
-        <p:nvSpPr>
-          <p:cNvPr id="3" name="Symbol zastępczy zawartości 2"/>
-          <p:cNvSpPr>
-            <a:spLocks noGrp="1"/>
-          </p:cNvSpPr>
+      <p:pic>
+        <p:nvPicPr>
+          <p:cNvPr id="5" name="Content Placeholder 4"/>
+          <p:cNvPicPr>
+            <a:picLocks noGrp="1" noChangeAspect="1"/>
+          </p:cNvPicPr>
           <p:nvPr>
             <p:ph idx="1"/>
           </p:nvPr>
-        </p:nvSpPr>
-        <p:spPr/>
-        <p:txBody>
-          <a:bodyPr/>
-          <a:lstStyle/>
-          <a:p>
-            <a:r>
-              <a:rPr lang="pl-PL" dirty="0" smtClean="0"/>
-              <a:t>Tutaj </a:t>
-            </a:r>
-            <a:r>
-              <a:rPr lang="pl-PL" dirty="0" err="1" smtClean="0"/>
-              <a:t>screen</a:t>
-            </a:r>
-            <a:r>
-              <a:rPr lang="pl-PL" dirty="0" smtClean="0"/>
-              <a:t> z konfiguracją agenta</a:t>
-            </a:r>
-            <a:endParaRPr lang="pl-PL" dirty="0"/>
-          </a:p>
-        </p:txBody>
-      </p:sp>
+        </p:nvPicPr>
+        <p:blipFill>
+          <a:blip r:embed="rId2">
+            <a:extLst>
+              <a:ext uri="{28A0092B-C50C-407E-A947-70E740481C1C}">
+                <a14:useLocalDpi xmlns:a14="http://schemas.microsoft.com/office/drawing/2010/main" val="0"/>
+              </a:ext>
+            </a:extLst>
+          </a:blip>
+          <a:stretch>
+            <a:fillRect/>
+          </a:stretch>
+        </p:blipFill>
+        <p:spPr>
+          <a:xfrm>
+            <a:off x="457200" y="1624444"/>
+            <a:ext cx="8229600" cy="4477475"/>
+          </a:xfrm>
+        </p:spPr>
+      </p:pic>
     </p:spTree>
     <p:extLst>
       <p:ext uri="{BB962C8B-B14F-4D97-AF65-F5344CB8AC3E}">

--- a/PozyskiwanieDanych/prezentacja szablon.pptx
+++ b/PozyskiwanieDanych/prezentacja szablon.pptx
@@ -2,7 +2,7 @@
 <file path=ppt/presentation.xml><?xml version="1.0" encoding="utf-8"?>
 <p:presentation xmlns:a="http://schemas.openxmlformats.org/drawingml/2006/main" xmlns:r="http://schemas.openxmlformats.org/officeDocument/2006/relationships" xmlns:p="http://schemas.openxmlformats.org/presentationml/2006/main" saveSubsetFonts="1">
   <p:sldMasterIdLst>
-    <p:sldMasterId id="2147483648" r:id="rId1"/>
+    <p:sldMasterId id="2147483744" r:id="rId1"/>
   </p:sldMasterIdLst>
   <p:sldIdLst>
     <p:sldId id="256" r:id="rId2"/>
@@ -112,7 +112,7 @@
   </p:defaultTextStyle>
   <p:extLst>
     <p:ext uri="{EFAFB233-063F-42B5-8137-9DF3F51BA10A}">
-      <p15:sldGuideLst xmlns:p15="http://schemas.microsoft.com/office/powerpoint/2012/main">
+      <p15:sldGuideLst xmlns:p15="http://schemas.microsoft.com/office/powerpoint/2012/main" xmlns="">
         <p15:guide id="1" orient="horz" pos="2160">
           <p15:clr>
             <a:srgbClr val="A4A3A4"/>
@@ -130,7 +130,7 @@
 </file>
 
 <file path=ppt/slideLayouts/slideLayout1.xml><?xml version="1.0" encoding="utf-8"?>
-<p:sldLayout xmlns:a="http://schemas.openxmlformats.org/drawingml/2006/main" xmlns:r="http://schemas.openxmlformats.org/officeDocument/2006/relationships" xmlns:p="http://schemas.openxmlformats.org/presentationml/2006/main" type="title" preserve="1">
+<p:sldLayout xmlns:a="http://schemas.openxmlformats.org/drawingml/2006/main" xmlns:r="http://schemas.openxmlformats.org/officeDocument/2006/relationships" xmlns:p="http://schemas.openxmlformats.org/presentationml/2006/main" showMasterSp="0" type="title" preserve="1">
   <p:cSld name="Slajd tytułowy">
     <p:spTree>
       <p:nvGrpSpPr>
@@ -148,35 +148,294 @@
       </p:grpSpPr>
       <p:sp>
         <p:nvSpPr>
-          <p:cNvPr id="2" name="Tytuł 1"/>
-          <p:cNvSpPr>
-            <a:spLocks noGrp="1"/>
-          </p:cNvSpPr>
-          <p:nvPr>
-            <p:ph type="ctrTitle"/>
-          </p:nvPr>
+          <p:cNvPr id="7" name="Right Triangle 6"/>
+          <p:cNvSpPr/>
+          <p:nvPr/>
         </p:nvSpPr>
         <p:spPr>
           <a:xfrm>
-            <a:off x="685800" y="2130425"/>
-            <a:ext cx="7772400" cy="1470025"/>
+            <a:off x="0" y="2647950"/>
+            <a:ext cx="3571875" cy="4210050"/>
+          </a:xfrm>
+          <a:prstGeom prst="rtTriangle">
+            <a:avLst/>
+          </a:prstGeom>
+          <a:solidFill>
+            <a:schemeClr val="accent2"/>
+          </a:solidFill>
+          <a:ln>
+            <a:noFill/>
+          </a:ln>
+        </p:spPr>
+        <p:style>
+          <a:lnRef idx="2">
+            <a:schemeClr val="accent1">
+              <a:shade val="50000"/>
+            </a:schemeClr>
+          </a:lnRef>
+          <a:fillRef idx="1">
+            <a:schemeClr val="accent1"/>
+          </a:fillRef>
+          <a:effectRef idx="0">
+            <a:schemeClr val="accent1"/>
+          </a:effectRef>
+          <a:fontRef idx="minor">
+            <a:schemeClr val="lt1"/>
+          </a:fontRef>
+        </p:style>
+        <p:txBody>
+          <a:bodyPr rtlCol="0" anchor="ctr"/>
+          <a:lstStyle/>
+          <a:p>
+            <a:pPr algn="ctr"/>
+            <a:endParaRPr lang="en-US"/>
+          </a:p>
+        </p:txBody>
+      </p:sp>
+      <p:sp>
+        <p:nvSpPr>
+          <p:cNvPr id="8" name="Freeform 7"/>
+          <p:cNvSpPr/>
+          <p:nvPr/>
+        </p:nvSpPr>
+        <p:spPr>
+          <a:xfrm>
+            <a:off x="-2380" y="-925"/>
+            <a:ext cx="9146380" cy="6858925"/>
+          </a:xfrm>
+          <a:custGeom>
+            <a:avLst/>
+            <a:gdLst>
+              <a:gd name="connsiteX0" fmla="*/ 0 w 3350419"/>
+              <a:gd name="connsiteY0" fmla="*/ 2081213 h 2083594"/>
+              <a:gd name="connsiteX1" fmla="*/ 3031331 w 3350419"/>
+              <a:gd name="connsiteY1" fmla="*/ 0 h 2083594"/>
+              <a:gd name="connsiteX2" fmla="*/ 3350419 w 3350419"/>
+              <a:gd name="connsiteY2" fmla="*/ 80963 h 2083594"/>
+              <a:gd name="connsiteX3" fmla="*/ 3350419 w 3350419"/>
+              <a:gd name="connsiteY3" fmla="*/ 2083594 h 2083594"/>
+              <a:gd name="connsiteX4" fmla="*/ 0 w 3350419"/>
+              <a:gd name="connsiteY4" fmla="*/ 2081213 h 2083594"/>
+              <a:gd name="connsiteX0" fmla="*/ 0 w 3112294"/>
+              <a:gd name="connsiteY0" fmla="*/ 2019301 h 2083594"/>
+              <a:gd name="connsiteX1" fmla="*/ 2793206 w 3112294"/>
+              <a:gd name="connsiteY1" fmla="*/ 0 h 2083594"/>
+              <a:gd name="connsiteX2" fmla="*/ 3112294 w 3112294"/>
+              <a:gd name="connsiteY2" fmla="*/ 80963 h 2083594"/>
+              <a:gd name="connsiteX3" fmla="*/ 3112294 w 3112294"/>
+              <a:gd name="connsiteY3" fmla="*/ 2083594 h 2083594"/>
+              <a:gd name="connsiteX4" fmla="*/ 0 w 3112294"/>
+              <a:gd name="connsiteY4" fmla="*/ 2019301 h 2083594"/>
+              <a:gd name="connsiteX0" fmla="*/ 0 w 3345656"/>
+              <a:gd name="connsiteY0" fmla="*/ 2097882 h 2097882"/>
+              <a:gd name="connsiteX1" fmla="*/ 3026568 w 3345656"/>
+              <a:gd name="connsiteY1" fmla="*/ 0 h 2097882"/>
+              <a:gd name="connsiteX2" fmla="*/ 3345656 w 3345656"/>
+              <a:gd name="connsiteY2" fmla="*/ 80963 h 2097882"/>
+              <a:gd name="connsiteX3" fmla="*/ 3345656 w 3345656"/>
+              <a:gd name="connsiteY3" fmla="*/ 2083594 h 2097882"/>
+              <a:gd name="connsiteX4" fmla="*/ 0 w 3345656"/>
+              <a:gd name="connsiteY4" fmla="*/ 2097882 h 2097882"/>
+              <a:gd name="connsiteX0" fmla="*/ 0 w 2800350"/>
+              <a:gd name="connsiteY0" fmla="*/ 1935957 h 2083594"/>
+              <a:gd name="connsiteX1" fmla="*/ 2481262 w 2800350"/>
+              <a:gd name="connsiteY1" fmla="*/ 0 h 2083594"/>
+              <a:gd name="connsiteX2" fmla="*/ 2800350 w 2800350"/>
+              <a:gd name="connsiteY2" fmla="*/ 80963 h 2083594"/>
+              <a:gd name="connsiteX3" fmla="*/ 2800350 w 2800350"/>
+              <a:gd name="connsiteY3" fmla="*/ 2083594 h 2083594"/>
+              <a:gd name="connsiteX4" fmla="*/ 0 w 2800350"/>
+              <a:gd name="connsiteY4" fmla="*/ 1935957 h 2083594"/>
+              <a:gd name="connsiteX0" fmla="*/ 0 w 3352800"/>
+              <a:gd name="connsiteY0" fmla="*/ 2083594 h 2083594"/>
+              <a:gd name="connsiteX1" fmla="*/ 3033712 w 3352800"/>
+              <a:gd name="connsiteY1" fmla="*/ 0 h 2083594"/>
+              <a:gd name="connsiteX2" fmla="*/ 3352800 w 3352800"/>
+              <a:gd name="connsiteY2" fmla="*/ 80963 h 2083594"/>
+              <a:gd name="connsiteX3" fmla="*/ 3352800 w 3352800"/>
+              <a:gd name="connsiteY3" fmla="*/ 2083594 h 2083594"/>
+              <a:gd name="connsiteX4" fmla="*/ 0 w 3352800"/>
+              <a:gd name="connsiteY4" fmla="*/ 2083594 h 2083594"/>
+              <a:gd name="connsiteX0" fmla="*/ 0 w 3352800"/>
+              <a:gd name="connsiteY0" fmla="*/ 2002631 h 2002631"/>
+              <a:gd name="connsiteX1" fmla="*/ 3033712 w 3352800"/>
+              <a:gd name="connsiteY1" fmla="*/ 157162 h 2002631"/>
+              <a:gd name="connsiteX2" fmla="*/ 3352800 w 3352800"/>
+              <a:gd name="connsiteY2" fmla="*/ 0 h 2002631"/>
+              <a:gd name="connsiteX3" fmla="*/ 3352800 w 3352800"/>
+              <a:gd name="connsiteY3" fmla="*/ 2002631 h 2002631"/>
+              <a:gd name="connsiteX4" fmla="*/ 0 w 3352800"/>
+              <a:gd name="connsiteY4" fmla="*/ 2002631 h 2002631"/>
+              <a:gd name="connsiteX0" fmla="*/ 0 w 3352800"/>
+              <a:gd name="connsiteY0" fmla="*/ 2002631 h 2002631"/>
+              <a:gd name="connsiteX1" fmla="*/ 2988469 w 3352800"/>
+              <a:gd name="connsiteY1" fmla="*/ 59530 h 2002631"/>
+              <a:gd name="connsiteX2" fmla="*/ 3352800 w 3352800"/>
+              <a:gd name="connsiteY2" fmla="*/ 0 h 2002631"/>
+              <a:gd name="connsiteX3" fmla="*/ 3352800 w 3352800"/>
+              <a:gd name="connsiteY3" fmla="*/ 2002631 h 2002631"/>
+              <a:gd name="connsiteX4" fmla="*/ 0 w 3352800"/>
+              <a:gd name="connsiteY4" fmla="*/ 2002631 h 2002631"/>
+              <a:gd name="connsiteX0" fmla="*/ 0 w 3352800"/>
+              <a:gd name="connsiteY0" fmla="*/ 2002631 h 2002631"/>
+              <a:gd name="connsiteX1" fmla="*/ 2833966 w 3352800"/>
+              <a:gd name="connsiteY1" fmla="*/ 425 h 2002631"/>
+              <a:gd name="connsiteX2" fmla="*/ 3352800 w 3352800"/>
+              <a:gd name="connsiteY2" fmla="*/ 0 h 2002631"/>
+              <a:gd name="connsiteX3" fmla="*/ 3352800 w 3352800"/>
+              <a:gd name="connsiteY3" fmla="*/ 2002631 h 2002631"/>
+              <a:gd name="connsiteX4" fmla="*/ 0 w 3352800"/>
+              <a:gd name="connsiteY4" fmla="*/ 2002631 h 2002631"/>
+              <a:gd name="connsiteX0" fmla="*/ 0 w 3352800"/>
+              <a:gd name="connsiteY0" fmla="*/ 2002631 h 2002631"/>
+              <a:gd name="connsiteX1" fmla="*/ 2845314 w 3352800"/>
+              <a:gd name="connsiteY1" fmla="*/ 12246 h 2002631"/>
+              <a:gd name="connsiteX2" fmla="*/ 3352800 w 3352800"/>
+              <a:gd name="connsiteY2" fmla="*/ 0 h 2002631"/>
+              <a:gd name="connsiteX3" fmla="*/ 3352800 w 3352800"/>
+              <a:gd name="connsiteY3" fmla="*/ 2002631 h 2002631"/>
+              <a:gd name="connsiteX4" fmla="*/ 0 w 3352800"/>
+              <a:gd name="connsiteY4" fmla="*/ 2002631 h 2002631"/>
+              <a:gd name="connsiteX0" fmla="*/ 0 w 3352800"/>
+              <a:gd name="connsiteY0" fmla="*/ 2002631 h 2002631"/>
+              <a:gd name="connsiteX1" fmla="*/ 2834839 w 3352800"/>
+              <a:gd name="connsiteY1" fmla="*/ 425 h 2002631"/>
+              <a:gd name="connsiteX2" fmla="*/ 3352800 w 3352800"/>
+              <a:gd name="connsiteY2" fmla="*/ 0 h 2002631"/>
+              <a:gd name="connsiteX3" fmla="*/ 3352800 w 3352800"/>
+              <a:gd name="connsiteY3" fmla="*/ 2002631 h 2002631"/>
+              <a:gd name="connsiteX4" fmla="*/ 0 w 3352800"/>
+              <a:gd name="connsiteY4" fmla="*/ 2002631 h 2002631"/>
+              <a:gd name="connsiteX0" fmla="*/ 0 w 3352800"/>
+              <a:gd name="connsiteY0" fmla="*/ 2002631 h 2002631"/>
+              <a:gd name="connsiteX1" fmla="*/ 2875865 w 3352800"/>
+              <a:gd name="connsiteY1" fmla="*/ 81782 h 2002631"/>
+              <a:gd name="connsiteX2" fmla="*/ 3352800 w 3352800"/>
+              <a:gd name="connsiteY2" fmla="*/ 0 h 2002631"/>
+              <a:gd name="connsiteX3" fmla="*/ 3352800 w 3352800"/>
+              <a:gd name="connsiteY3" fmla="*/ 2002631 h 2002631"/>
+              <a:gd name="connsiteX4" fmla="*/ 0 w 3352800"/>
+              <a:gd name="connsiteY4" fmla="*/ 2002631 h 2002631"/>
+              <a:gd name="connsiteX0" fmla="*/ 0 w 3352800"/>
+              <a:gd name="connsiteY0" fmla="*/ 2002901 h 2002901"/>
+              <a:gd name="connsiteX1" fmla="*/ 2836585 w 3352800"/>
+              <a:gd name="connsiteY1" fmla="*/ 0 h 2002901"/>
+              <a:gd name="connsiteX2" fmla="*/ 3352800 w 3352800"/>
+              <a:gd name="connsiteY2" fmla="*/ 270 h 2002901"/>
+              <a:gd name="connsiteX3" fmla="*/ 3352800 w 3352800"/>
+              <a:gd name="connsiteY3" fmla="*/ 2002901 h 2002901"/>
+              <a:gd name="connsiteX4" fmla="*/ 0 w 3352800"/>
+              <a:gd name="connsiteY4" fmla="*/ 2002901 h 2002901"/>
+            </a:gdLst>
+            <a:ahLst/>
+            <a:cxnLst>
+              <a:cxn ang="0">
+                <a:pos x="connsiteX0" y="connsiteY0"/>
+              </a:cxn>
+              <a:cxn ang="0">
+                <a:pos x="connsiteX1" y="connsiteY1"/>
+              </a:cxn>
+              <a:cxn ang="0">
+                <a:pos x="connsiteX2" y="connsiteY2"/>
+              </a:cxn>
+              <a:cxn ang="0">
+                <a:pos x="connsiteX3" y="connsiteY3"/>
+              </a:cxn>
+              <a:cxn ang="0">
+                <a:pos x="connsiteX4" y="connsiteY4"/>
+              </a:cxn>
+            </a:cxnLst>
+            <a:rect l="l" t="t" r="r" b="b"/>
+            <a:pathLst>
+              <a:path w="3352800" h="2002901">
+                <a:moveTo>
+                  <a:pt x="0" y="2002901"/>
+                </a:moveTo>
+                <a:lnTo>
+                  <a:pt x="2836585" y="0"/>
+                </a:lnTo>
+                <a:lnTo>
+                  <a:pt x="3352800" y="270"/>
+                </a:lnTo>
+                <a:lnTo>
+                  <a:pt x="3352800" y="2002901"/>
+                </a:lnTo>
+                <a:lnTo>
+                  <a:pt x="0" y="2002901"/>
+                </a:lnTo>
+                <a:close/>
+              </a:path>
+            </a:pathLst>
+          </a:custGeom>
+          <a:solidFill>
+            <a:schemeClr val="accent3">
+              <a:alpha val="80000"/>
+            </a:schemeClr>
+          </a:solidFill>
+          <a:ln>
+            <a:noFill/>
+          </a:ln>
+        </p:spPr>
+        <p:style>
+          <a:lnRef idx="2">
+            <a:schemeClr val="accent1">
+              <a:shade val="50000"/>
+            </a:schemeClr>
+          </a:lnRef>
+          <a:fillRef idx="1">
+            <a:schemeClr val="accent1"/>
+          </a:fillRef>
+          <a:effectRef idx="0">
+            <a:schemeClr val="accent1"/>
+          </a:effectRef>
+          <a:fontRef idx="minor">
+            <a:schemeClr val="lt1"/>
+          </a:fontRef>
+        </p:style>
+        <p:txBody>
+          <a:bodyPr rtlCol="0" anchor="ctr"/>
+          <a:lstStyle/>
+          <a:p>
+            <a:pPr algn="ctr"/>
+            <a:endParaRPr lang="en-US"/>
+          </a:p>
+        </p:txBody>
+      </p:sp>
+      <p:sp>
+        <p:nvSpPr>
+          <p:cNvPr id="2" name="Title 1"/>
+          <p:cNvSpPr>
+            <a:spLocks noGrp="1"/>
+          </p:cNvSpPr>
+          <p:nvPr>
+            <p:ph type="ctrTitle"/>
+          </p:nvPr>
+        </p:nvSpPr>
+        <p:spPr>
+          <a:xfrm rot="19140000">
+            <a:off x="817112" y="1730403"/>
+            <a:ext cx="5648623" cy="1204306"/>
           </a:xfrm>
         </p:spPr>
         <p:txBody>
-          <a:bodyPr/>
-          <a:lstStyle/>
+          <a:bodyPr bIns="9144" anchor="b"/>
+          <a:lstStyle>
+            <a:lvl1pPr>
+              <a:defRPr sz="3200"/>
+            </a:lvl1pPr>
+          </a:lstStyle>
           <a:p>
             <a:r>
               <a:rPr lang="pl-PL" smtClean="0"/>
               <a:t>Kliknij, aby edytować styl</a:t>
             </a:r>
-            <a:endParaRPr lang="pl-PL"/>
-          </a:p>
-        </p:txBody>
-      </p:sp>
-      <p:sp>
-        <p:nvSpPr>
-          <p:cNvPr id="3" name="Podtytuł 2"/>
+            <a:endParaRPr lang="en-US" dirty="0"/>
+          </a:p>
+        </p:txBody>
+      </p:sp>
+      <p:sp>
+        <p:nvSpPr>
+          <p:cNvPr id="3" name="Subtitle 2"/>
           <p:cNvSpPr>
             <a:spLocks noGrp="1"/>
           </p:cNvSpPr>
@@ -185,22 +444,31 @@
           </p:nvPr>
         </p:nvSpPr>
         <p:spPr>
-          <a:xfrm>
-            <a:off x="1371600" y="3886200"/>
-            <a:ext cx="6400800" cy="1752600"/>
+          <a:xfrm rot="19140000">
+            <a:off x="1212277" y="2470925"/>
+            <a:ext cx="6511131" cy="329259"/>
           </a:xfrm>
         </p:spPr>
         <p:txBody>
-          <a:bodyPr/>
+          <a:bodyPr tIns="9144">
+            <a:normAutofit/>
+          </a:bodyPr>
           <a:lstStyle>
-            <a:lvl1pPr marL="0" indent="0" algn="ctr">
-              <a:buNone/>
-              <a:defRPr>
+            <a:lvl1pPr marL="0" indent="0" algn="l">
+              <a:buNone/>
+              <a:defRPr kumimoji="0" lang="en-US" sz="1400" b="0" i="0" u="none" strike="noStrike" kern="1200" cap="all" spc="400" normalizeH="0" baseline="0" noProof="0" dirty="0" smtClean="0">
+                <a:ln>
+                  <a:noFill/>
+                </a:ln>
                 <a:solidFill>
-                  <a:schemeClr val="tx1">
-                    <a:tint val="75000"/>
-                  </a:schemeClr>
+                  <a:schemeClr val="tx1"/>
                 </a:solidFill>
+                <a:effectLst/>
+                <a:uLnTx/>
+                <a:uFillTx/>
+                <a:latin typeface="+mn-lt"/>
+                <a:ea typeface="+mj-ea"/>
+                <a:cs typeface="Tunga" pitchFamily="2"/>
               </a:defRPr>
             </a:lvl1pPr>
             <a:lvl2pPr marL="457200" indent="0" algn="ctr">
@@ -285,17 +553,36 @@
             </a:lvl9pPr>
           </a:lstStyle>
           <a:p>
+            <a:pPr marL="0" marR="0" lvl="0" indent="0" algn="l" defTabSz="914400" rtl="0" eaLnBrk="1" fontAlgn="auto" latinLnBrk="0" hangingPunct="1">
+              <a:lnSpc>
+                <a:spcPct val="100000"/>
+              </a:lnSpc>
+              <a:spcBef>
+                <a:spcPts val="0"/>
+              </a:spcBef>
+              <a:spcAft>
+                <a:spcPts val="0"/>
+              </a:spcAft>
+              <a:buClr>
+                <a:schemeClr val="accent1"/>
+              </a:buClr>
+              <a:buSzPct val="100000"/>
+              <a:buFont typeface="Arial" pitchFamily="34" charset="0"/>
+              <a:buNone/>
+              <a:tabLst/>
+              <a:defRPr/>
+            </a:pPr>
             <a:r>
               <a:rPr lang="pl-PL" smtClean="0"/>
               <a:t>Kliknij, aby edytować styl wzorca podtytułu</a:t>
             </a:r>
-            <a:endParaRPr lang="pl-PL"/>
-          </a:p>
-        </p:txBody>
-      </p:sp>
-      <p:sp>
-        <p:nvSpPr>
-          <p:cNvPr id="4" name="Symbol zastępczy daty 3"/>
+            <a:endParaRPr lang="en-US" dirty="0"/>
+          </a:p>
+        </p:txBody>
+      </p:sp>
+      <p:sp>
+        <p:nvSpPr>
+          <p:cNvPr id="4" name="Date Placeholder 3"/>
           <p:cNvSpPr>
             <a:spLocks noGrp="1"/>
           </p:cNvSpPr>
@@ -310,7 +597,7 @@
           <a:p>
             <a:fld id="{3F1FA79C-4120-4505-8F11-45E07EB53152}" type="datetimeFigureOut">
               <a:rPr lang="pl-PL" smtClean="0"/>
-              <a:t>10.04.2016</a:t>
+              <a:t>2016-04-10</a:t>
             </a:fld>
             <a:endParaRPr lang="pl-PL"/>
           </a:p>
@@ -318,7 +605,7 @@
       </p:sp>
       <p:sp>
         <p:nvSpPr>
-          <p:cNvPr id="5" name="Symbol zastępczy stopki 4"/>
+          <p:cNvPr id="5" name="Footer Placeholder 4"/>
           <p:cNvSpPr>
             <a:spLocks noGrp="1"/>
           </p:cNvSpPr>
@@ -337,7 +624,7 @@
       </p:sp>
       <p:sp>
         <p:nvSpPr>
-          <p:cNvPr id="6" name="Symbol zastępczy numeru slajdu 5"/>
+          <p:cNvPr id="6" name="Slide Number Placeholder 5"/>
           <p:cNvSpPr>
             <a:spLocks noGrp="1"/>
           </p:cNvSpPr>
@@ -359,11 +646,6 @@
         </p:txBody>
       </p:sp>
     </p:spTree>
-    <p:extLst>
-      <p:ext uri="{BB962C8B-B14F-4D97-AF65-F5344CB8AC3E}">
-        <p14:creationId xmlns:p14="http://schemas.microsoft.com/office/powerpoint/2010/main" val="3073706831"/>
-      </p:ext>
-    </p:extLst>
   </p:cSld>
   <p:clrMapOvr>
     <a:masterClrMapping/>
@@ -390,7 +672,7 @@
       </p:grpSpPr>
       <p:sp>
         <p:nvSpPr>
-          <p:cNvPr id="2" name="Tytuł 1"/>
+          <p:cNvPr id="2" name="Title 1"/>
           <p:cNvSpPr>
             <a:spLocks noGrp="1"/>
           </p:cNvSpPr>
@@ -407,13 +689,13 @@
               <a:rPr lang="pl-PL" smtClean="0"/>
               <a:t>Kliknij, aby edytować styl</a:t>
             </a:r>
-            <a:endParaRPr lang="pl-PL"/>
-          </a:p>
-        </p:txBody>
-      </p:sp>
-      <p:sp>
-        <p:nvSpPr>
-          <p:cNvPr id="3" name="Symbol zastępczy tytułu pionowego 2"/>
+            <a:endParaRPr lang="en-US"/>
+          </a:p>
+        </p:txBody>
+      </p:sp>
+      <p:sp>
+        <p:nvSpPr>
+          <p:cNvPr id="3" name="Vertical Text Placeholder 2"/>
           <p:cNvSpPr>
             <a:spLocks noGrp="1"/>
           </p:cNvSpPr>
@@ -459,13 +741,13 @@
               <a:rPr lang="pl-PL" smtClean="0"/>
               <a:t>Piąty poziom</a:t>
             </a:r>
-            <a:endParaRPr lang="pl-PL"/>
-          </a:p>
-        </p:txBody>
-      </p:sp>
-      <p:sp>
-        <p:nvSpPr>
-          <p:cNvPr id="4" name="Symbol zastępczy daty 3"/>
+            <a:endParaRPr lang="en-US"/>
+          </a:p>
+        </p:txBody>
+      </p:sp>
+      <p:sp>
+        <p:nvSpPr>
+          <p:cNvPr id="4" name="Date Placeholder 3"/>
           <p:cNvSpPr>
             <a:spLocks noGrp="1"/>
           </p:cNvSpPr>
@@ -480,7 +762,7 @@
           <a:p>
             <a:fld id="{3F1FA79C-4120-4505-8F11-45E07EB53152}" type="datetimeFigureOut">
               <a:rPr lang="pl-PL" smtClean="0"/>
-              <a:t>10.04.2016</a:t>
+              <a:t>2016-04-10</a:t>
             </a:fld>
             <a:endParaRPr lang="pl-PL"/>
           </a:p>
@@ -488,7 +770,7 @@
       </p:sp>
       <p:sp>
         <p:nvSpPr>
-          <p:cNvPr id="5" name="Symbol zastępczy stopki 4"/>
+          <p:cNvPr id="5" name="Footer Placeholder 4"/>
           <p:cNvSpPr>
             <a:spLocks noGrp="1"/>
           </p:cNvSpPr>
@@ -507,7 +789,7 @@
       </p:sp>
       <p:sp>
         <p:nvSpPr>
-          <p:cNvPr id="6" name="Symbol zastępczy numeru slajdu 5"/>
+          <p:cNvPr id="6" name="Slide Number Placeholder 5"/>
           <p:cNvSpPr>
             <a:spLocks noGrp="1"/>
           </p:cNvSpPr>
@@ -529,11 +811,6 @@
         </p:txBody>
       </p:sp>
     </p:spTree>
-    <p:extLst>
-      <p:ext uri="{BB962C8B-B14F-4D97-AF65-F5344CB8AC3E}">
-        <p14:creationId xmlns:p14="http://schemas.microsoft.com/office/powerpoint/2010/main" val="1834416980"/>
-      </p:ext>
-    </p:extLst>
   </p:cSld>
   <p:clrMapOvr>
     <a:masterClrMapping/>
@@ -560,7 +837,7 @@
       </p:grpSpPr>
       <p:sp>
         <p:nvSpPr>
-          <p:cNvPr id="2" name="Tytuł pionowy 1"/>
+          <p:cNvPr id="2" name="Vertical Title 1"/>
           <p:cNvSpPr>
             <a:spLocks noGrp="1"/>
           </p:cNvSpPr>
@@ -570,8 +847,8 @@
         </p:nvSpPr>
         <p:spPr>
           <a:xfrm>
-            <a:off x="6629400" y="274638"/>
-            <a:ext cx="2057400" cy="5851525"/>
+            <a:off x="6629400" y="274639"/>
+            <a:ext cx="2057400" cy="4678362"/>
           </a:xfrm>
         </p:spPr>
         <p:txBody>
@@ -582,13 +859,13 @@
               <a:rPr lang="pl-PL" smtClean="0"/>
               <a:t>Kliknij, aby edytować styl</a:t>
             </a:r>
-            <a:endParaRPr lang="pl-PL"/>
-          </a:p>
-        </p:txBody>
-      </p:sp>
-      <p:sp>
-        <p:nvSpPr>
-          <p:cNvPr id="3" name="Symbol zastępczy tytułu pionowego 2"/>
+            <a:endParaRPr lang="en-US" dirty="0"/>
+          </a:p>
+        </p:txBody>
+      </p:sp>
+      <p:sp>
+        <p:nvSpPr>
+          <p:cNvPr id="3" name="Vertical Text Placeholder 2"/>
           <p:cNvSpPr>
             <a:spLocks noGrp="1"/>
           </p:cNvSpPr>
@@ -598,8 +875,8 @@
         </p:nvSpPr>
         <p:spPr>
           <a:xfrm>
-            <a:off x="457200" y="274638"/>
-            <a:ext cx="6019800" cy="5851525"/>
+            <a:off x="457200" y="274639"/>
+            <a:ext cx="6019800" cy="4678362"/>
           </a:xfrm>
         </p:spPr>
         <p:txBody>
@@ -639,13 +916,13 @@
               <a:rPr lang="pl-PL" smtClean="0"/>
               <a:t>Piąty poziom</a:t>
             </a:r>
-            <a:endParaRPr lang="pl-PL"/>
-          </a:p>
-        </p:txBody>
-      </p:sp>
-      <p:sp>
-        <p:nvSpPr>
-          <p:cNvPr id="4" name="Symbol zastępczy daty 3"/>
+            <a:endParaRPr lang="en-US"/>
+          </a:p>
+        </p:txBody>
+      </p:sp>
+      <p:sp>
+        <p:nvSpPr>
+          <p:cNvPr id="4" name="Date Placeholder 3"/>
           <p:cNvSpPr>
             <a:spLocks noGrp="1"/>
           </p:cNvSpPr>
@@ -660,7 +937,7 @@
           <a:p>
             <a:fld id="{3F1FA79C-4120-4505-8F11-45E07EB53152}" type="datetimeFigureOut">
               <a:rPr lang="pl-PL" smtClean="0"/>
-              <a:t>10.04.2016</a:t>
+              <a:t>2016-04-10</a:t>
             </a:fld>
             <a:endParaRPr lang="pl-PL"/>
           </a:p>
@@ -668,7 +945,7 @@
       </p:sp>
       <p:sp>
         <p:nvSpPr>
-          <p:cNvPr id="5" name="Symbol zastępczy stopki 4"/>
+          <p:cNvPr id="5" name="Footer Placeholder 4"/>
           <p:cNvSpPr>
             <a:spLocks noGrp="1"/>
           </p:cNvSpPr>
@@ -687,7 +964,7 @@
       </p:sp>
       <p:sp>
         <p:nvSpPr>
-          <p:cNvPr id="6" name="Symbol zastępczy numeru slajdu 5"/>
+          <p:cNvPr id="6" name="Slide Number Placeholder 5"/>
           <p:cNvSpPr>
             <a:spLocks noGrp="1"/>
           </p:cNvSpPr>
@@ -709,11 +986,6 @@
         </p:txBody>
       </p:sp>
     </p:spTree>
-    <p:extLst>
-      <p:ext uri="{BB962C8B-B14F-4D97-AF65-F5344CB8AC3E}">
-        <p14:creationId xmlns:p14="http://schemas.microsoft.com/office/powerpoint/2010/main" val="2033321131"/>
-      </p:ext>
-    </p:extLst>
   </p:cSld>
   <p:clrMapOvr>
     <a:masterClrMapping/>
@@ -740,7 +1012,7 @@
       </p:grpSpPr>
       <p:sp>
         <p:nvSpPr>
-          <p:cNvPr id="2" name="Tytuł 1"/>
+          <p:cNvPr id="2" name="Title 1"/>
           <p:cNvSpPr>
             <a:spLocks noGrp="1"/>
           </p:cNvSpPr>
@@ -757,13 +1029,13 @@
               <a:rPr lang="pl-PL" smtClean="0"/>
               <a:t>Kliknij, aby edytować styl</a:t>
             </a:r>
-            <a:endParaRPr lang="pl-PL"/>
-          </a:p>
-        </p:txBody>
-      </p:sp>
-      <p:sp>
-        <p:nvSpPr>
-          <p:cNvPr id="3" name="Symbol zastępczy zawartości 2"/>
+            <a:endParaRPr lang="en-US"/>
+          </a:p>
+        </p:txBody>
+      </p:sp>
+      <p:sp>
+        <p:nvSpPr>
+          <p:cNvPr id="3" name="Content Placeholder 2"/>
           <p:cNvSpPr>
             <a:spLocks noGrp="1"/>
           </p:cNvSpPr>
@@ -809,13 +1081,13 @@
               <a:rPr lang="pl-PL" smtClean="0"/>
               <a:t>Piąty poziom</a:t>
             </a:r>
-            <a:endParaRPr lang="pl-PL"/>
-          </a:p>
-        </p:txBody>
-      </p:sp>
-      <p:sp>
-        <p:nvSpPr>
-          <p:cNvPr id="4" name="Symbol zastępczy daty 3"/>
+            <a:endParaRPr lang="en-US" dirty="0"/>
+          </a:p>
+        </p:txBody>
+      </p:sp>
+      <p:sp>
+        <p:nvSpPr>
+          <p:cNvPr id="4" name="Date Placeholder 3"/>
           <p:cNvSpPr>
             <a:spLocks noGrp="1"/>
           </p:cNvSpPr>
@@ -830,7 +1102,7 @@
           <a:p>
             <a:fld id="{3F1FA79C-4120-4505-8F11-45E07EB53152}" type="datetimeFigureOut">
               <a:rPr lang="pl-PL" smtClean="0"/>
-              <a:t>10.04.2016</a:t>
+              <a:t>2016-04-10</a:t>
             </a:fld>
             <a:endParaRPr lang="pl-PL"/>
           </a:p>
@@ -838,7 +1110,7 @@
       </p:sp>
       <p:sp>
         <p:nvSpPr>
-          <p:cNvPr id="5" name="Symbol zastępczy stopki 4"/>
+          <p:cNvPr id="5" name="Footer Placeholder 4"/>
           <p:cNvSpPr>
             <a:spLocks noGrp="1"/>
           </p:cNvSpPr>
@@ -857,7 +1129,7 @@
       </p:sp>
       <p:sp>
         <p:nvSpPr>
-          <p:cNvPr id="6" name="Symbol zastępczy numeru slajdu 5"/>
+          <p:cNvPr id="6" name="Slide Number Placeholder 5"/>
           <p:cNvSpPr>
             <a:spLocks noGrp="1"/>
           </p:cNvSpPr>
@@ -879,11 +1151,6 @@
         </p:txBody>
       </p:sp>
     </p:spTree>
-    <p:extLst>
-      <p:ext uri="{BB962C8B-B14F-4D97-AF65-F5344CB8AC3E}">
-        <p14:creationId xmlns:p14="http://schemas.microsoft.com/office/powerpoint/2010/main" val="1924710377"/>
-      </p:ext>
-    </p:extLst>
   </p:cSld>
   <p:clrMapOvr>
     <a:masterClrMapping/>
@@ -892,7 +1159,7 @@
 </file>
 
 <file path=ppt/slideLayouts/slideLayout3.xml><?xml version="1.0" encoding="utf-8"?>
-<p:sldLayout xmlns:a="http://schemas.openxmlformats.org/drawingml/2006/main" xmlns:r="http://schemas.openxmlformats.org/officeDocument/2006/relationships" xmlns:p="http://schemas.openxmlformats.org/presentationml/2006/main" type="secHead" preserve="1">
+<p:sldLayout xmlns:a="http://schemas.openxmlformats.org/drawingml/2006/main" xmlns:r="http://schemas.openxmlformats.org/officeDocument/2006/relationships" xmlns:p="http://schemas.openxmlformats.org/presentationml/2006/main" showMasterSp="0" type="secHead" preserve="1">
   <p:cSld name="Nagłówek sekcji">
     <p:spTree>
       <p:nvGrpSpPr>
@@ -910,39 +1177,324 @@
       </p:grpSpPr>
       <p:sp>
         <p:nvSpPr>
-          <p:cNvPr id="2" name="Tytuł 1"/>
-          <p:cNvSpPr>
-            <a:spLocks noGrp="1"/>
-          </p:cNvSpPr>
-          <p:nvPr>
-            <p:ph type="title"/>
-          </p:nvPr>
+          <p:cNvPr id="8" name="Freeform 7"/>
+          <p:cNvSpPr/>
+          <p:nvPr/>
         </p:nvSpPr>
         <p:spPr>
           <a:xfrm>
-            <a:off x="722313" y="4406900"/>
-            <a:ext cx="7772400" cy="1362075"/>
+            <a:off x="-2380" y="-925"/>
+            <a:ext cx="9146380" cy="6858925"/>
+          </a:xfrm>
+          <a:custGeom>
+            <a:avLst/>
+            <a:gdLst>
+              <a:gd name="connsiteX0" fmla="*/ 0 w 3350419"/>
+              <a:gd name="connsiteY0" fmla="*/ 2081213 h 2083594"/>
+              <a:gd name="connsiteX1" fmla="*/ 3031331 w 3350419"/>
+              <a:gd name="connsiteY1" fmla="*/ 0 h 2083594"/>
+              <a:gd name="connsiteX2" fmla="*/ 3350419 w 3350419"/>
+              <a:gd name="connsiteY2" fmla="*/ 80963 h 2083594"/>
+              <a:gd name="connsiteX3" fmla="*/ 3350419 w 3350419"/>
+              <a:gd name="connsiteY3" fmla="*/ 2083594 h 2083594"/>
+              <a:gd name="connsiteX4" fmla="*/ 0 w 3350419"/>
+              <a:gd name="connsiteY4" fmla="*/ 2081213 h 2083594"/>
+              <a:gd name="connsiteX0" fmla="*/ 0 w 3112294"/>
+              <a:gd name="connsiteY0" fmla="*/ 2019301 h 2083594"/>
+              <a:gd name="connsiteX1" fmla="*/ 2793206 w 3112294"/>
+              <a:gd name="connsiteY1" fmla="*/ 0 h 2083594"/>
+              <a:gd name="connsiteX2" fmla="*/ 3112294 w 3112294"/>
+              <a:gd name="connsiteY2" fmla="*/ 80963 h 2083594"/>
+              <a:gd name="connsiteX3" fmla="*/ 3112294 w 3112294"/>
+              <a:gd name="connsiteY3" fmla="*/ 2083594 h 2083594"/>
+              <a:gd name="connsiteX4" fmla="*/ 0 w 3112294"/>
+              <a:gd name="connsiteY4" fmla="*/ 2019301 h 2083594"/>
+              <a:gd name="connsiteX0" fmla="*/ 0 w 3345656"/>
+              <a:gd name="connsiteY0" fmla="*/ 2097882 h 2097882"/>
+              <a:gd name="connsiteX1" fmla="*/ 3026568 w 3345656"/>
+              <a:gd name="connsiteY1" fmla="*/ 0 h 2097882"/>
+              <a:gd name="connsiteX2" fmla="*/ 3345656 w 3345656"/>
+              <a:gd name="connsiteY2" fmla="*/ 80963 h 2097882"/>
+              <a:gd name="connsiteX3" fmla="*/ 3345656 w 3345656"/>
+              <a:gd name="connsiteY3" fmla="*/ 2083594 h 2097882"/>
+              <a:gd name="connsiteX4" fmla="*/ 0 w 3345656"/>
+              <a:gd name="connsiteY4" fmla="*/ 2097882 h 2097882"/>
+              <a:gd name="connsiteX0" fmla="*/ 0 w 2800350"/>
+              <a:gd name="connsiteY0" fmla="*/ 1935957 h 2083594"/>
+              <a:gd name="connsiteX1" fmla="*/ 2481262 w 2800350"/>
+              <a:gd name="connsiteY1" fmla="*/ 0 h 2083594"/>
+              <a:gd name="connsiteX2" fmla="*/ 2800350 w 2800350"/>
+              <a:gd name="connsiteY2" fmla="*/ 80963 h 2083594"/>
+              <a:gd name="connsiteX3" fmla="*/ 2800350 w 2800350"/>
+              <a:gd name="connsiteY3" fmla="*/ 2083594 h 2083594"/>
+              <a:gd name="connsiteX4" fmla="*/ 0 w 2800350"/>
+              <a:gd name="connsiteY4" fmla="*/ 1935957 h 2083594"/>
+              <a:gd name="connsiteX0" fmla="*/ 0 w 3352800"/>
+              <a:gd name="connsiteY0" fmla="*/ 2083594 h 2083594"/>
+              <a:gd name="connsiteX1" fmla="*/ 3033712 w 3352800"/>
+              <a:gd name="connsiteY1" fmla="*/ 0 h 2083594"/>
+              <a:gd name="connsiteX2" fmla="*/ 3352800 w 3352800"/>
+              <a:gd name="connsiteY2" fmla="*/ 80963 h 2083594"/>
+              <a:gd name="connsiteX3" fmla="*/ 3352800 w 3352800"/>
+              <a:gd name="connsiteY3" fmla="*/ 2083594 h 2083594"/>
+              <a:gd name="connsiteX4" fmla="*/ 0 w 3352800"/>
+              <a:gd name="connsiteY4" fmla="*/ 2083594 h 2083594"/>
+              <a:gd name="connsiteX0" fmla="*/ 0 w 3352800"/>
+              <a:gd name="connsiteY0" fmla="*/ 2002631 h 2002631"/>
+              <a:gd name="connsiteX1" fmla="*/ 3033712 w 3352800"/>
+              <a:gd name="connsiteY1" fmla="*/ 157162 h 2002631"/>
+              <a:gd name="connsiteX2" fmla="*/ 3352800 w 3352800"/>
+              <a:gd name="connsiteY2" fmla="*/ 0 h 2002631"/>
+              <a:gd name="connsiteX3" fmla="*/ 3352800 w 3352800"/>
+              <a:gd name="connsiteY3" fmla="*/ 2002631 h 2002631"/>
+              <a:gd name="connsiteX4" fmla="*/ 0 w 3352800"/>
+              <a:gd name="connsiteY4" fmla="*/ 2002631 h 2002631"/>
+              <a:gd name="connsiteX0" fmla="*/ 0 w 3352800"/>
+              <a:gd name="connsiteY0" fmla="*/ 2002631 h 2002631"/>
+              <a:gd name="connsiteX1" fmla="*/ 2988469 w 3352800"/>
+              <a:gd name="connsiteY1" fmla="*/ 59530 h 2002631"/>
+              <a:gd name="connsiteX2" fmla="*/ 3352800 w 3352800"/>
+              <a:gd name="connsiteY2" fmla="*/ 0 h 2002631"/>
+              <a:gd name="connsiteX3" fmla="*/ 3352800 w 3352800"/>
+              <a:gd name="connsiteY3" fmla="*/ 2002631 h 2002631"/>
+              <a:gd name="connsiteX4" fmla="*/ 0 w 3352800"/>
+              <a:gd name="connsiteY4" fmla="*/ 2002631 h 2002631"/>
+              <a:gd name="connsiteX0" fmla="*/ 0 w 3352800"/>
+              <a:gd name="connsiteY0" fmla="*/ 2002631 h 2002631"/>
+              <a:gd name="connsiteX1" fmla="*/ 2833966 w 3352800"/>
+              <a:gd name="connsiteY1" fmla="*/ 425 h 2002631"/>
+              <a:gd name="connsiteX2" fmla="*/ 3352800 w 3352800"/>
+              <a:gd name="connsiteY2" fmla="*/ 0 h 2002631"/>
+              <a:gd name="connsiteX3" fmla="*/ 3352800 w 3352800"/>
+              <a:gd name="connsiteY3" fmla="*/ 2002631 h 2002631"/>
+              <a:gd name="connsiteX4" fmla="*/ 0 w 3352800"/>
+              <a:gd name="connsiteY4" fmla="*/ 2002631 h 2002631"/>
+              <a:gd name="connsiteX0" fmla="*/ 0 w 3352800"/>
+              <a:gd name="connsiteY0" fmla="*/ 2002631 h 2002631"/>
+              <a:gd name="connsiteX1" fmla="*/ 2845314 w 3352800"/>
+              <a:gd name="connsiteY1" fmla="*/ 12246 h 2002631"/>
+              <a:gd name="connsiteX2" fmla="*/ 3352800 w 3352800"/>
+              <a:gd name="connsiteY2" fmla="*/ 0 h 2002631"/>
+              <a:gd name="connsiteX3" fmla="*/ 3352800 w 3352800"/>
+              <a:gd name="connsiteY3" fmla="*/ 2002631 h 2002631"/>
+              <a:gd name="connsiteX4" fmla="*/ 0 w 3352800"/>
+              <a:gd name="connsiteY4" fmla="*/ 2002631 h 2002631"/>
+              <a:gd name="connsiteX0" fmla="*/ 0 w 3352800"/>
+              <a:gd name="connsiteY0" fmla="*/ 2002631 h 2002631"/>
+              <a:gd name="connsiteX1" fmla="*/ 2834839 w 3352800"/>
+              <a:gd name="connsiteY1" fmla="*/ 425 h 2002631"/>
+              <a:gd name="connsiteX2" fmla="*/ 3352800 w 3352800"/>
+              <a:gd name="connsiteY2" fmla="*/ 0 h 2002631"/>
+              <a:gd name="connsiteX3" fmla="*/ 3352800 w 3352800"/>
+              <a:gd name="connsiteY3" fmla="*/ 2002631 h 2002631"/>
+              <a:gd name="connsiteX4" fmla="*/ 0 w 3352800"/>
+              <a:gd name="connsiteY4" fmla="*/ 2002631 h 2002631"/>
+              <a:gd name="connsiteX0" fmla="*/ 0 w 3352800"/>
+              <a:gd name="connsiteY0" fmla="*/ 2002631 h 2002631"/>
+              <a:gd name="connsiteX1" fmla="*/ 2875865 w 3352800"/>
+              <a:gd name="connsiteY1" fmla="*/ 81782 h 2002631"/>
+              <a:gd name="connsiteX2" fmla="*/ 3352800 w 3352800"/>
+              <a:gd name="connsiteY2" fmla="*/ 0 h 2002631"/>
+              <a:gd name="connsiteX3" fmla="*/ 3352800 w 3352800"/>
+              <a:gd name="connsiteY3" fmla="*/ 2002631 h 2002631"/>
+              <a:gd name="connsiteX4" fmla="*/ 0 w 3352800"/>
+              <a:gd name="connsiteY4" fmla="*/ 2002631 h 2002631"/>
+              <a:gd name="connsiteX0" fmla="*/ 0 w 3352800"/>
+              <a:gd name="connsiteY0" fmla="*/ 2002901 h 2002901"/>
+              <a:gd name="connsiteX1" fmla="*/ 2836585 w 3352800"/>
+              <a:gd name="connsiteY1" fmla="*/ 0 h 2002901"/>
+              <a:gd name="connsiteX2" fmla="*/ 3352800 w 3352800"/>
+              <a:gd name="connsiteY2" fmla="*/ 270 h 2002901"/>
+              <a:gd name="connsiteX3" fmla="*/ 3352800 w 3352800"/>
+              <a:gd name="connsiteY3" fmla="*/ 2002901 h 2002901"/>
+              <a:gd name="connsiteX4" fmla="*/ 0 w 3352800"/>
+              <a:gd name="connsiteY4" fmla="*/ 2002901 h 2002901"/>
+            </a:gdLst>
+            <a:ahLst/>
+            <a:cxnLst>
+              <a:cxn ang="0">
+                <a:pos x="connsiteX0" y="connsiteY0"/>
+              </a:cxn>
+              <a:cxn ang="0">
+                <a:pos x="connsiteX1" y="connsiteY1"/>
+              </a:cxn>
+              <a:cxn ang="0">
+                <a:pos x="connsiteX2" y="connsiteY2"/>
+              </a:cxn>
+              <a:cxn ang="0">
+                <a:pos x="connsiteX3" y="connsiteY3"/>
+              </a:cxn>
+              <a:cxn ang="0">
+                <a:pos x="connsiteX4" y="connsiteY4"/>
+              </a:cxn>
+            </a:cxnLst>
+            <a:rect l="l" t="t" r="r" b="b"/>
+            <a:pathLst>
+              <a:path w="3352800" h="2002901">
+                <a:moveTo>
+                  <a:pt x="0" y="2002901"/>
+                </a:moveTo>
+                <a:lnTo>
+                  <a:pt x="2836585" y="0"/>
+                </a:lnTo>
+                <a:lnTo>
+                  <a:pt x="3352800" y="270"/>
+                </a:lnTo>
+                <a:lnTo>
+                  <a:pt x="3352800" y="2002901"/>
+                </a:lnTo>
+                <a:lnTo>
+                  <a:pt x="0" y="2002901"/>
+                </a:lnTo>
+                <a:close/>
+              </a:path>
+            </a:pathLst>
+          </a:custGeom>
+          <a:solidFill>
+            <a:schemeClr val="accent2"/>
+          </a:solidFill>
+          <a:ln>
+            <a:noFill/>
+          </a:ln>
+        </p:spPr>
+        <p:style>
+          <a:lnRef idx="2">
+            <a:schemeClr val="accent1">
+              <a:shade val="50000"/>
+            </a:schemeClr>
+          </a:lnRef>
+          <a:fillRef idx="1">
+            <a:schemeClr val="accent1"/>
+          </a:fillRef>
+          <a:effectRef idx="0">
+            <a:schemeClr val="accent1"/>
+          </a:effectRef>
+          <a:fontRef idx="minor">
+            <a:schemeClr val="lt1"/>
+          </a:fontRef>
+        </p:style>
+        <p:txBody>
+          <a:bodyPr rtlCol="0" anchor="ctr"/>
+          <a:lstStyle/>
+          <a:p>
+            <a:pPr algn="ctr"/>
+            <a:endParaRPr lang="en-US"/>
+          </a:p>
+        </p:txBody>
+      </p:sp>
+      <p:sp>
+        <p:nvSpPr>
+          <p:cNvPr id="7" name="Right Triangle 6"/>
+          <p:cNvSpPr/>
+          <p:nvPr/>
+        </p:nvSpPr>
+        <p:spPr>
+          <a:xfrm>
+            <a:off x="0" y="2647950"/>
+            <a:ext cx="3571875" cy="4210050"/>
+          </a:xfrm>
+          <a:prstGeom prst="rtTriangle">
+            <a:avLst/>
+          </a:prstGeom>
+          <a:solidFill>
+            <a:schemeClr val="accent3">
+              <a:alpha val="80000"/>
+            </a:schemeClr>
+          </a:solidFill>
+          <a:ln>
+            <a:noFill/>
+          </a:ln>
+        </p:spPr>
+        <p:style>
+          <a:lnRef idx="2">
+            <a:schemeClr val="accent1">
+              <a:shade val="50000"/>
+            </a:schemeClr>
+          </a:lnRef>
+          <a:fillRef idx="1">
+            <a:schemeClr val="accent1"/>
+          </a:fillRef>
+          <a:effectRef idx="0">
+            <a:schemeClr val="accent1"/>
+          </a:effectRef>
+          <a:fontRef idx="minor">
+            <a:schemeClr val="lt1"/>
+          </a:fontRef>
+        </p:style>
+        <p:txBody>
+          <a:bodyPr rtlCol="0" anchor="ctr"/>
+          <a:lstStyle/>
+          <a:p>
+            <a:pPr algn="ctr"/>
+            <a:endParaRPr lang="en-US"/>
+          </a:p>
+        </p:txBody>
+      </p:sp>
+      <p:sp>
+        <p:nvSpPr>
+          <p:cNvPr id="2" name="Title 1"/>
+          <p:cNvSpPr>
+            <a:spLocks noGrp="1"/>
+          </p:cNvSpPr>
+          <p:nvPr>
+            <p:ph type="title"/>
+          </p:nvPr>
+        </p:nvSpPr>
+        <p:spPr>
+          <a:xfrm rot="19140000">
+            <a:off x="819399" y="1726737"/>
+            <a:ext cx="5650992" cy="1207509"/>
           </a:xfrm>
         </p:spPr>
         <p:txBody>
-          <a:bodyPr anchor="t"/>
+          <a:bodyPr bIns="9144" anchor="b"/>
           <a:lstStyle>
             <a:lvl1pPr algn="l">
-              <a:defRPr sz="4000" b="1" cap="all"/>
+              <a:defRPr kumimoji="0" lang="en-US" sz="3200" b="0" i="0" u="none" strike="noStrike" kern="1200" cap="all" spc="0" normalizeH="0" baseline="0" noProof="0" dirty="0" smtClean="0">
+                <a:ln>
+                  <a:noFill/>
+                </a:ln>
+                <a:solidFill>
+                  <a:schemeClr val="tx1"/>
+                </a:solidFill>
+                <a:effectLst/>
+                <a:uLnTx/>
+                <a:uFillTx/>
+                <a:latin typeface="+mj-lt"/>
+                <a:ea typeface="+mj-ea"/>
+                <a:cs typeface="+mj-cs"/>
+              </a:defRPr>
             </a:lvl1pPr>
           </a:lstStyle>
           <a:p>
+            <a:pPr marL="0" marR="0" lvl="0" indent="0" algn="l" defTabSz="914400" rtl="0" eaLnBrk="1" fontAlgn="auto" latinLnBrk="0" hangingPunct="1">
+              <a:lnSpc>
+                <a:spcPct val="100000"/>
+              </a:lnSpc>
+              <a:spcBef>
+                <a:spcPct val="0"/>
+              </a:spcBef>
+              <a:spcAft>
+                <a:spcPts val="0"/>
+              </a:spcAft>
+              <a:buClrTx/>
+              <a:buSzTx/>
+              <a:buFontTx/>
+              <a:buNone/>
+              <a:tabLst/>
+              <a:defRPr/>
+            </a:pPr>
             <a:r>
               <a:rPr lang="pl-PL" smtClean="0"/>
               <a:t>Kliknij, aby edytować styl</a:t>
             </a:r>
-            <a:endParaRPr lang="pl-PL"/>
-          </a:p>
-        </p:txBody>
-      </p:sp>
-      <p:sp>
-        <p:nvSpPr>
-          <p:cNvPr id="3" name="Symbol zastępczy tekstu 2"/>
+            <a:endParaRPr lang="en-US" dirty="0"/>
+          </a:p>
+        </p:txBody>
+      </p:sp>
+      <p:sp>
+        <p:nvSpPr>
+          <p:cNvPr id="3" name="Text Placeholder 2"/>
           <p:cNvSpPr>
             <a:spLocks noGrp="1"/>
           </p:cNvSpPr>
@@ -951,22 +1503,31 @@
           </p:nvPr>
         </p:nvSpPr>
         <p:spPr>
-          <a:xfrm>
-            <a:off x="722313" y="2906713"/>
-            <a:ext cx="7772400" cy="1500187"/>
+          <a:xfrm rot="19140000">
+            <a:off x="1216152" y="2468304"/>
+            <a:ext cx="6510528" cy="329184"/>
           </a:xfrm>
         </p:spPr>
         <p:txBody>
-          <a:bodyPr anchor="b"/>
+          <a:bodyPr anchor="t">
+            <a:normAutofit/>
+          </a:bodyPr>
           <a:lstStyle>
             <a:lvl1pPr marL="0" indent="0">
               <a:buNone/>
-              <a:defRPr sz="2000">
+              <a:defRPr kumimoji="0" lang="en-US" sz="1400" b="0" i="0" u="none" strike="noStrike" kern="1200" cap="all" spc="400" normalizeH="0" baseline="0" noProof="0" dirty="0" smtClean="0">
+                <a:ln>
+                  <a:noFill/>
+                </a:ln>
                 <a:solidFill>
-                  <a:schemeClr val="tx1">
-                    <a:tint val="75000"/>
-                  </a:schemeClr>
+                  <a:schemeClr val="tx1"/>
                 </a:solidFill>
+                <a:effectLst/>
+                <a:uLnTx/>
+                <a:uFillTx/>
+                <a:latin typeface="+mn-lt"/>
+                <a:ea typeface="+mj-ea"/>
+                <a:cs typeface="Tunga" pitchFamily="2"/>
               </a:defRPr>
             </a:lvl1pPr>
             <a:lvl2pPr marL="457200" indent="0">
@@ -1051,7 +1612,25 @@
             </a:lvl9pPr>
           </a:lstStyle>
           <a:p>
-            <a:pPr lvl="0"/>
+            <a:pPr marL="0" marR="0" lvl="0" indent="0" algn="l" defTabSz="914400" rtl="0" eaLnBrk="1" fontAlgn="auto" latinLnBrk="0" hangingPunct="1">
+              <a:lnSpc>
+                <a:spcPct val="100000"/>
+              </a:lnSpc>
+              <a:spcBef>
+                <a:spcPts val="0"/>
+              </a:spcBef>
+              <a:spcAft>
+                <a:spcPts val="0"/>
+              </a:spcAft>
+              <a:buClr>
+                <a:schemeClr val="accent1"/>
+              </a:buClr>
+              <a:buSzPct val="100000"/>
+              <a:buFont typeface="Arial" pitchFamily="34" charset="0"/>
+              <a:buNone/>
+              <a:tabLst/>
+              <a:defRPr/>
+            </a:pPr>
             <a:r>
               <a:rPr lang="pl-PL" smtClean="0"/>
               <a:t>Kliknij, aby edytować style wzorca tekstu</a:t>
@@ -1061,7 +1640,7 @@
       </p:sp>
       <p:sp>
         <p:nvSpPr>
-          <p:cNvPr id="4" name="Symbol zastępczy daty 3"/>
+          <p:cNvPr id="4" name="Date Placeholder 3"/>
           <p:cNvSpPr>
             <a:spLocks noGrp="1"/>
           </p:cNvSpPr>
@@ -1076,7 +1655,7 @@
           <a:p>
             <a:fld id="{3F1FA79C-4120-4505-8F11-45E07EB53152}" type="datetimeFigureOut">
               <a:rPr lang="pl-PL" smtClean="0"/>
-              <a:t>10.04.2016</a:t>
+              <a:t>2016-04-10</a:t>
             </a:fld>
             <a:endParaRPr lang="pl-PL"/>
           </a:p>
@@ -1084,7 +1663,7 @@
       </p:sp>
       <p:sp>
         <p:nvSpPr>
-          <p:cNvPr id="5" name="Symbol zastępczy stopki 4"/>
+          <p:cNvPr id="5" name="Footer Placeholder 4"/>
           <p:cNvSpPr>
             <a:spLocks noGrp="1"/>
           </p:cNvSpPr>
@@ -1103,7 +1682,7 @@
       </p:sp>
       <p:sp>
         <p:nvSpPr>
-          <p:cNvPr id="6" name="Symbol zastępczy numeru slajdu 5"/>
+          <p:cNvPr id="6" name="Slide Number Placeholder 5"/>
           <p:cNvSpPr>
             <a:spLocks noGrp="1"/>
           </p:cNvSpPr>
@@ -1125,11 +1704,6 @@
         </p:txBody>
       </p:sp>
     </p:spTree>
-    <p:extLst>
-      <p:ext uri="{BB962C8B-B14F-4D97-AF65-F5344CB8AC3E}">
-        <p14:creationId xmlns:p14="http://schemas.microsoft.com/office/powerpoint/2010/main" val="2046933623"/>
-      </p:ext>
-    </p:extLst>
   </p:cSld>
   <p:clrMapOvr>
     <a:masterClrMapping/>
@@ -1156,30 +1730,7 @@
       </p:grpSpPr>
       <p:sp>
         <p:nvSpPr>
-          <p:cNvPr id="2" name="Tytuł 1"/>
-          <p:cNvSpPr>
-            <a:spLocks noGrp="1"/>
-          </p:cNvSpPr>
-          <p:nvPr>
-            <p:ph type="title"/>
-          </p:nvPr>
-        </p:nvSpPr>
-        <p:spPr/>
-        <p:txBody>
-          <a:bodyPr/>
-          <a:lstStyle/>
-          <a:p>
-            <a:r>
-              <a:rPr lang="pl-PL" smtClean="0"/>
-              <a:t>Kliknij, aby edytować styl</a:t>
-            </a:r>
-            <a:endParaRPr lang="pl-PL"/>
-          </a:p>
-        </p:txBody>
-      </p:sp>
-      <p:sp>
-        <p:nvSpPr>
-          <p:cNvPr id="3" name="Symbol zastępczy zawartości 2"/>
+          <p:cNvPr id="3" name="Content Placeholder 2"/>
           <p:cNvSpPr>
             <a:spLocks noGrp="1"/>
           </p:cNvSpPr>
@@ -1189,8 +1740,8 @@
         </p:nvSpPr>
         <p:spPr>
           <a:xfrm>
-            <a:off x="457200" y="1600200"/>
-            <a:ext cx="4038600" cy="4525963"/>
+            <a:off x="822960" y="1097280"/>
+            <a:ext cx="3200400" cy="3712464"/>
           </a:xfrm>
         </p:spPr>
         <p:txBody>
@@ -1258,13 +1809,13 @@
               <a:rPr lang="pl-PL" smtClean="0"/>
               <a:t>Piąty poziom</a:t>
             </a:r>
-            <a:endParaRPr lang="pl-PL"/>
-          </a:p>
-        </p:txBody>
-      </p:sp>
-      <p:sp>
-        <p:nvSpPr>
-          <p:cNvPr id="4" name="Symbol zastępczy zawartości 3"/>
+            <a:endParaRPr lang="en-US" dirty="0"/>
+          </a:p>
+        </p:txBody>
+      </p:sp>
+      <p:sp>
+        <p:nvSpPr>
+          <p:cNvPr id="4" name="Content Placeholder 3"/>
           <p:cNvSpPr>
             <a:spLocks noGrp="1"/>
           </p:cNvSpPr>
@@ -1274,8 +1825,8 @@
         </p:nvSpPr>
         <p:spPr>
           <a:xfrm>
-            <a:off x="4648200" y="1600200"/>
-            <a:ext cx="4038600" cy="4525963"/>
+            <a:off x="4700016" y="1097280"/>
+            <a:ext cx="3200400" cy="3712464"/>
           </a:xfrm>
         </p:spPr>
         <p:txBody>
@@ -1343,13 +1894,13 @@
               <a:rPr lang="pl-PL" smtClean="0"/>
               <a:t>Piąty poziom</a:t>
             </a:r>
-            <a:endParaRPr lang="pl-PL"/>
-          </a:p>
-        </p:txBody>
-      </p:sp>
-      <p:sp>
-        <p:nvSpPr>
-          <p:cNvPr id="5" name="Symbol zastępczy daty 4"/>
+            <a:endParaRPr lang="en-US" dirty="0"/>
+          </a:p>
+        </p:txBody>
+      </p:sp>
+      <p:sp>
+        <p:nvSpPr>
+          <p:cNvPr id="5" name="Date Placeholder 4"/>
           <p:cNvSpPr>
             <a:spLocks noGrp="1"/>
           </p:cNvSpPr>
@@ -1364,7 +1915,7 @@
           <a:p>
             <a:fld id="{3F1FA79C-4120-4505-8F11-45E07EB53152}" type="datetimeFigureOut">
               <a:rPr lang="pl-PL" smtClean="0"/>
-              <a:t>10.04.2016</a:t>
+              <a:t>2016-04-10</a:t>
             </a:fld>
             <a:endParaRPr lang="pl-PL"/>
           </a:p>
@@ -1372,7 +1923,7 @@
       </p:sp>
       <p:sp>
         <p:nvSpPr>
-          <p:cNvPr id="6" name="Symbol zastępczy stopki 5"/>
+          <p:cNvPr id="6" name="Footer Placeholder 5"/>
           <p:cNvSpPr>
             <a:spLocks noGrp="1"/>
           </p:cNvSpPr>
@@ -1391,7 +1942,7 @@
       </p:sp>
       <p:sp>
         <p:nvSpPr>
-          <p:cNvPr id="7" name="Symbol zastępczy numeru slajdu 6"/>
+          <p:cNvPr id="7" name="Slide Number Placeholder 6"/>
           <p:cNvSpPr>
             <a:spLocks noGrp="1"/>
           </p:cNvSpPr>
@@ -1412,12 +1963,30 @@
           </a:p>
         </p:txBody>
       </p:sp>
+      <p:sp>
+        <p:nvSpPr>
+          <p:cNvPr id="8" name="Title 7"/>
+          <p:cNvSpPr>
+            <a:spLocks noGrp="1"/>
+          </p:cNvSpPr>
+          <p:nvPr>
+            <p:ph type="title"/>
+          </p:nvPr>
+        </p:nvSpPr>
+        <p:spPr/>
+        <p:txBody>
+          <a:bodyPr/>
+          <a:lstStyle/>
+          <a:p>
+            <a:r>
+              <a:rPr lang="pl-PL" smtClean="0"/>
+              <a:t>Kliknij, aby edytować styl</a:t>
+            </a:r>
+            <a:endParaRPr lang="en-US"/>
+          </a:p>
+        </p:txBody>
+      </p:sp>
     </p:spTree>
-    <p:extLst>
-      <p:ext uri="{BB962C8B-B14F-4D97-AF65-F5344CB8AC3E}">
-        <p14:creationId xmlns:p14="http://schemas.microsoft.com/office/powerpoint/2010/main" val="573524317"/>
-      </p:ext>
-    </p:extLst>
   </p:cSld>
   <p:clrMapOvr>
     <a:masterClrMapping/>
@@ -1444,7 +2013,7 @@
       </p:grpSpPr>
       <p:sp>
         <p:nvSpPr>
-          <p:cNvPr id="2" name="Tytuł 1"/>
+          <p:cNvPr id="2" name="Title 1"/>
           <p:cNvSpPr>
             <a:spLocks noGrp="1"/>
           </p:cNvSpPr>
@@ -1465,13 +2034,13 @@
               <a:rPr lang="pl-PL" smtClean="0"/>
               <a:t>Kliknij, aby edytować styl</a:t>
             </a:r>
-            <a:endParaRPr lang="pl-PL"/>
-          </a:p>
-        </p:txBody>
-      </p:sp>
-      <p:sp>
-        <p:nvSpPr>
-          <p:cNvPr id="3" name="Symbol zastępczy tekstu 2"/>
+            <a:endParaRPr lang="en-US"/>
+          </a:p>
+        </p:txBody>
+      </p:sp>
+      <p:sp>
+        <p:nvSpPr>
+          <p:cNvPr id="3" name="Text Placeholder 2"/>
           <p:cNvSpPr>
             <a:spLocks noGrp="1"/>
           </p:cNvSpPr>
@@ -1481,16 +2050,25 @@
         </p:nvSpPr>
         <p:spPr>
           <a:xfrm>
-            <a:off x="457200" y="1535113"/>
-            <a:ext cx="4040188" cy="639762"/>
+            <a:off x="822960" y="1097280"/>
+            <a:ext cx="3200400" cy="548640"/>
           </a:xfrm>
         </p:spPr>
         <p:txBody>
-          <a:bodyPr anchor="b"/>
+          <a:bodyPr anchor="b">
+            <a:normAutofit/>
+          </a:bodyPr>
           <a:lstStyle>
             <a:lvl1pPr marL="0" indent="0">
               <a:buNone/>
-              <a:defRPr sz="2400" b="1"/>
+              <a:defRPr lang="en-US" sz="1400" b="0" kern="1200" cap="all" spc="400" baseline="0" dirty="0" smtClean="0">
+                <a:solidFill>
+                  <a:schemeClr val="tx1"/>
+                </a:solidFill>
+                <a:latin typeface="+mn-lt"/>
+                <a:ea typeface="+mj-ea"/>
+                <a:cs typeface="Tunga" pitchFamily="2"/>
+              </a:defRPr>
             </a:lvl1pPr>
             <a:lvl2pPr marL="457200" indent="0">
               <a:buNone/>
@@ -1526,7 +2104,22 @@
             </a:lvl9pPr>
           </a:lstStyle>
           <a:p>
-            <a:pPr lvl="0"/>
+            <a:pPr marL="0" lvl="0" indent="0" algn="l" defTabSz="914400" rtl="0" eaLnBrk="1" latinLnBrk="0" hangingPunct="1">
+              <a:lnSpc>
+                <a:spcPct val="100000"/>
+              </a:lnSpc>
+              <a:spcBef>
+                <a:spcPts val="0"/>
+              </a:spcBef>
+              <a:spcAft>
+                <a:spcPts val="0"/>
+              </a:spcAft>
+              <a:buClr>
+                <a:schemeClr val="accent1"/>
+              </a:buClr>
+              <a:buFont typeface="Arial" pitchFamily="34" charset="0"/>
+              <a:buNone/>
+            </a:pPr>
             <a:r>
               <a:rPr lang="pl-PL" smtClean="0"/>
               <a:t>Kliknij, aby edytować style wzorca tekstu</a:t>
@@ -1536,7 +2129,7 @@
       </p:sp>
       <p:sp>
         <p:nvSpPr>
-          <p:cNvPr id="4" name="Symbol zastępczy zawartości 3"/>
+          <p:cNvPr id="4" name="Content Placeholder 3"/>
           <p:cNvSpPr>
             <a:spLocks noGrp="1"/>
           </p:cNvSpPr>
@@ -1546,8 +2139,8 @@
         </p:nvSpPr>
         <p:spPr>
           <a:xfrm>
-            <a:off x="457200" y="2174875"/>
-            <a:ext cx="4040188" cy="3951288"/>
+            <a:off x="819150" y="1701848"/>
+            <a:ext cx="3200400" cy="3108960"/>
           </a:xfrm>
         </p:spPr>
         <p:txBody>
@@ -1615,13 +2208,13 @@
               <a:rPr lang="pl-PL" smtClean="0"/>
               <a:t>Piąty poziom</a:t>
             </a:r>
-            <a:endParaRPr lang="pl-PL"/>
-          </a:p>
-        </p:txBody>
-      </p:sp>
-      <p:sp>
-        <p:nvSpPr>
-          <p:cNvPr id="5" name="Symbol zastępczy tekstu 4"/>
+            <a:endParaRPr lang="en-US" dirty="0"/>
+          </a:p>
+        </p:txBody>
+      </p:sp>
+      <p:sp>
+        <p:nvSpPr>
+          <p:cNvPr id="5" name="Text Placeholder 4"/>
           <p:cNvSpPr>
             <a:spLocks noGrp="1"/>
           </p:cNvSpPr>
@@ -1631,16 +2224,25 @@
         </p:nvSpPr>
         <p:spPr>
           <a:xfrm>
-            <a:off x="4645025" y="1535113"/>
-            <a:ext cx="4041775" cy="639762"/>
+            <a:off x="4700016" y="1097280"/>
+            <a:ext cx="3200400" cy="548640"/>
           </a:xfrm>
         </p:spPr>
         <p:txBody>
-          <a:bodyPr anchor="b"/>
+          <a:bodyPr anchor="b">
+            <a:normAutofit/>
+          </a:bodyPr>
           <a:lstStyle>
             <a:lvl1pPr marL="0" indent="0">
               <a:buNone/>
-              <a:defRPr sz="2400" b="1"/>
+              <a:defRPr lang="en-US" sz="1400" b="0" kern="1200" cap="all" spc="400" baseline="0" dirty="0" smtClean="0">
+                <a:solidFill>
+                  <a:schemeClr val="tx1"/>
+                </a:solidFill>
+                <a:latin typeface="+mn-lt"/>
+                <a:ea typeface="+mj-ea"/>
+                <a:cs typeface="Tunga" pitchFamily="2"/>
+              </a:defRPr>
             </a:lvl1pPr>
             <a:lvl2pPr marL="457200" indent="0">
               <a:buNone/>
@@ -1676,7 +2278,22 @@
             </a:lvl9pPr>
           </a:lstStyle>
           <a:p>
-            <a:pPr lvl="0"/>
+            <a:pPr marL="0" lvl="0" indent="0" algn="l" defTabSz="914400" rtl="0" eaLnBrk="1" latinLnBrk="0" hangingPunct="1">
+              <a:lnSpc>
+                <a:spcPct val="100000"/>
+              </a:lnSpc>
+              <a:spcBef>
+                <a:spcPts val="0"/>
+              </a:spcBef>
+              <a:spcAft>
+                <a:spcPts val="0"/>
+              </a:spcAft>
+              <a:buClr>
+                <a:schemeClr val="accent1"/>
+              </a:buClr>
+              <a:buFont typeface="Arial" pitchFamily="34" charset="0"/>
+              <a:buNone/>
+            </a:pPr>
             <a:r>
               <a:rPr lang="pl-PL" smtClean="0"/>
               <a:t>Kliknij, aby edytować style wzorca tekstu</a:t>
@@ -1686,7 +2303,7 @@
       </p:sp>
       <p:sp>
         <p:nvSpPr>
-          <p:cNvPr id="6" name="Symbol zastępczy zawartości 5"/>
+          <p:cNvPr id="6" name="Content Placeholder 5"/>
           <p:cNvSpPr>
             <a:spLocks noGrp="1"/>
           </p:cNvSpPr>
@@ -1696,8 +2313,8 @@
         </p:nvSpPr>
         <p:spPr>
           <a:xfrm>
-            <a:off x="4645025" y="2174875"/>
-            <a:ext cx="4041775" cy="3951288"/>
+            <a:off x="4700016" y="1701848"/>
+            <a:ext cx="3200400" cy="3108960"/>
           </a:xfrm>
         </p:spPr>
         <p:txBody>
@@ -1765,13 +2382,13 @@
               <a:rPr lang="pl-PL" smtClean="0"/>
               <a:t>Piąty poziom</a:t>
             </a:r>
-            <a:endParaRPr lang="pl-PL"/>
-          </a:p>
-        </p:txBody>
-      </p:sp>
-      <p:sp>
-        <p:nvSpPr>
-          <p:cNvPr id="7" name="Symbol zastępczy daty 6"/>
+            <a:endParaRPr lang="en-US" dirty="0"/>
+          </a:p>
+        </p:txBody>
+      </p:sp>
+      <p:sp>
+        <p:nvSpPr>
+          <p:cNvPr id="7" name="Date Placeholder 6"/>
           <p:cNvSpPr>
             <a:spLocks noGrp="1"/>
           </p:cNvSpPr>
@@ -1786,7 +2403,7 @@
           <a:p>
             <a:fld id="{3F1FA79C-4120-4505-8F11-45E07EB53152}" type="datetimeFigureOut">
               <a:rPr lang="pl-PL" smtClean="0"/>
-              <a:t>10.04.2016</a:t>
+              <a:t>2016-04-10</a:t>
             </a:fld>
             <a:endParaRPr lang="pl-PL"/>
           </a:p>
@@ -1794,7 +2411,7 @@
       </p:sp>
       <p:sp>
         <p:nvSpPr>
-          <p:cNvPr id="8" name="Symbol zastępczy stopki 7"/>
+          <p:cNvPr id="8" name="Footer Placeholder 7"/>
           <p:cNvSpPr>
             <a:spLocks noGrp="1"/>
           </p:cNvSpPr>
@@ -1813,7 +2430,7 @@
       </p:sp>
       <p:sp>
         <p:nvSpPr>
-          <p:cNvPr id="9" name="Symbol zastępczy numeru slajdu 8"/>
+          <p:cNvPr id="9" name="Slide Number Placeholder 8"/>
           <p:cNvSpPr>
             <a:spLocks noGrp="1"/>
           </p:cNvSpPr>
@@ -1835,11 +2452,6 @@
         </p:txBody>
       </p:sp>
     </p:spTree>
-    <p:extLst>
-      <p:ext uri="{BB962C8B-B14F-4D97-AF65-F5344CB8AC3E}">
-        <p14:creationId xmlns:p14="http://schemas.microsoft.com/office/powerpoint/2010/main" val="2860702907"/>
-      </p:ext>
-    </p:extLst>
   </p:cSld>
   <p:clrMapOvr>
     <a:masterClrMapping/>
@@ -1866,7 +2478,7 @@
       </p:grpSpPr>
       <p:sp>
         <p:nvSpPr>
-          <p:cNvPr id="2" name="Tytuł 1"/>
+          <p:cNvPr id="2" name="Title 1"/>
           <p:cNvSpPr>
             <a:spLocks noGrp="1"/>
           </p:cNvSpPr>
@@ -1883,13 +2495,13 @@
               <a:rPr lang="pl-PL" smtClean="0"/>
               <a:t>Kliknij, aby edytować styl</a:t>
             </a:r>
-            <a:endParaRPr lang="pl-PL"/>
-          </a:p>
-        </p:txBody>
-      </p:sp>
-      <p:sp>
-        <p:nvSpPr>
-          <p:cNvPr id="3" name="Symbol zastępczy daty 2"/>
+            <a:endParaRPr lang="en-US"/>
+          </a:p>
+        </p:txBody>
+      </p:sp>
+      <p:sp>
+        <p:nvSpPr>
+          <p:cNvPr id="3" name="Date Placeholder 2"/>
           <p:cNvSpPr>
             <a:spLocks noGrp="1"/>
           </p:cNvSpPr>
@@ -1904,7 +2516,7 @@
           <a:p>
             <a:fld id="{3F1FA79C-4120-4505-8F11-45E07EB53152}" type="datetimeFigureOut">
               <a:rPr lang="pl-PL" smtClean="0"/>
-              <a:t>10.04.2016</a:t>
+              <a:t>2016-04-10</a:t>
             </a:fld>
             <a:endParaRPr lang="pl-PL"/>
           </a:p>
@@ -1912,7 +2524,7 @@
       </p:sp>
       <p:sp>
         <p:nvSpPr>
-          <p:cNvPr id="4" name="Symbol zastępczy stopki 3"/>
+          <p:cNvPr id="4" name="Footer Placeholder 3"/>
           <p:cNvSpPr>
             <a:spLocks noGrp="1"/>
           </p:cNvSpPr>
@@ -1931,7 +2543,7 @@
       </p:sp>
       <p:sp>
         <p:nvSpPr>
-          <p:cNvPr id="5" name="Symbol zastępczy numeru slajdu 4"/>
+          <p:cNvPr id="5" name="Slide Number Placeholder 4"/>
           <p:cNvSpPr>
             <a:spLocks noGrp="1"/>
           </p:cNvSpPr>
@@ -1953,11 +2565,6 @@
         </p:txBody>
       </p:sp>
     </p:spTree>
-    <p:extLst>
-      <p:ext uri="{BB962C8B-B14F-4D97-AF65-F5344CB8AC3E}">
-        <p14:creationId xmlns:p14="http://schemas.microsoft.com/office/powerpoint/2010/main" val="2466088166"/>
-      </p:ext>
-    </p:extLst>
   </p:cSld>
   <p:clrMapOvr>
     <a:masterClrMapping/>
@@ -1984,7 +2591,7 @@
       </p:grpSpPr>
       <p:sp>
         <p:nvSpPr>
-          <p:cNvPr id="2" name="Symbol zastępczy daty 1"/>
+          <p:cNvPr id="2" name="Date Placeholder 1"/>
           <p:cNvSpPr>
             <a:spLocks noGrp="1"/>
           </p:cNvSpPr>
@@ -1999,7 +2606,7 @@
           <a:p>
             <a:fld id="{3F1FA79C-4120-4505-8F11-45E07EB53152}" type="datetimeFigureOut">
               <a:rPr lang="pl-PL" smtClean="0"/>
-              <a:t>10.04.2016</a:t>
+              <a:t>2016-04-10</a:t>
             </a:fld>
             <a:endParaRPr lang="pl-PL"/>
           </a:p>
@@ -2007,7 +2614,7 @@
       </p:sp>
       <p:sp>
         <p:nvSpPr>
-          <p:cNvPr id="3" name="Symbol zastępczy stopki 2"/>
+          <p:cNvPr id="3" name="Footer Placeholder 2"/>
           <p:cNvSpPr>
             <a:spLocks noGrp="1"/>
           </p:cNvSpPr>
@@ -2026,7 +2633,7 @@
       </p:sp>
       <p:sp>
         <p:nvSpPr>
-          <p:cNvPr id="4" name="Symbol zastępczy numeru slajdu 3"/>
+          <p:cNvPr id="4" name="Slide Number Placeholder 3"/>
           <p:cNvSpPr>
             <a:spLocks noGrp="1"/>
           </p:cNvSpPr>
@@ -2048,11 +2655,6 @@
         </p:txBody>
       </p:sp>
     </p:spTree>
-    <p:extLst>
-      <p:ext uri="{BB962C8B-B14F-4D97-AF65-F5344CB8AC3E}">
-        <p14:creationId xmlns:p14="http://schemas.microsoft.com/office/powerpoint/2010/main" val="2480754838"/>
-      </p:ext>
-    </p:extLst>
   </p:cSld>
   <p:clrMapOvr>
     <a:masterClrMapping/>
@@ -2061,7 +2663,7 @@
 </file>
 
 <file path=ppt/slideLayouts/slideLayout8.xml><?xml version="1.0" encoding="utf-8"?>
-<p:sldLayout xmlns:a="http://schemas.openxmlformats.org/drawingml/2006/main" xmlns:r="http://schemas.openxmlformats.org/officeDocument/2006/relationships" xmlns:p="http://schemas.openxmlformats.org/presentationml/2006/main" type="objTx" preserve="1">
+<p:sldLayout xmlns:a="http://schemas.openxmlformats.org/drawingml/2006/main" xmlns:r="http://schemas.openxmlformats.org/officeDocument/2006/relationships" xmlns:p="http://schemas.openxmlformats.org/presentationml/2006/main" showMasterSp="0" type="objTx" preserve="1">
   <p:cSld name="Zawartość z podpisem">
     <p:spTree>
       <p:nvGrpSpPr>
@@ -2079,39 +2681,170 @@
       </p:grpSpPr>
       <p:sp>
         <p:nvSpPr>
-          <p:cNvPr id="2" name="Tytuł 1"/>
-          <p:cNvSpPr>
-            <a:spLocks noGrp="1"/>
-          </p:cNvSpPr>
-          <p:nvPr>
-            <p:ph type="title"/>
-          </p:nvPr>
+          <p:cNvPr id="17" name="Right Triangle 16"/>
+          <p:cNvSpPr/>
+          <p:nvPr/>
         </p:nvSpPr>
         <p:spPr>
           <a:xfrm>
-            <a:off x="457200" y="273050"/>
-            <a:ext cx="3008313" cy="1162050"/>
+            <a:off x="0" y="2647950"/>
+            <a:ext cx="3571875" cy="4210050"/>
+          </a:xfrm>
+          <a:prstGeom prst="rtTriangle">
+            <a:avLst/>
+          </a:prstGeom>
+          <a:solidFill>
+            <a:schemeClr val="accent2"/>
+          </a:solidFill>
+          <a:ln>
+            <a:noFill/>
+          </a:ln>
+        </p:spPr>
+        <p:style>
+          <a:lnRef idx="2">
+            <a:schemeClr val="accent1">
+              <a:shade val="50000"/>
+            </a:schemeClr>
+          </a:lnRef>
+          <a:fillRef idx="1">
+            <a:schemeClr val="accent1"/>
+          </a:fillRef>
+          <a:effectRef idx="0">
+            <a:schemeClr val="accent1"/>
+          </a:effectRef>
+          <a:fontRef idx="minor">
+            <a:schemeClr val="lt1"/>
+          </a:fontRef>
+        </p:style>
+        <p:txBody>
+          <a:bodyPr rtlCol="0" anchor="ctr"/>
+          <a:lstStyle/>
+          <a:p>
+            <a:pPr algn="ctr"/>
+            <a:endParaRPr lang="en-US"/>
+          </a:p>
+        </p:txBody>
+      </p:sp>
+      <p:sp>
+        <p:nvSpPr>
+          <p:cNvPr id="18" name="Right Triangle 17"/>
+          <p:cNvSpPr/>
+          <p:nvPr/>
+        </p:nvSpPr>
+        <p:spPr>
+          <a:xfrm rot="5400000">
+            <a:off x="433389" y="-433387"/>
+            <a:ext cx="6858000" cy="7724778"/>
+          </a:xfrm>
+          <a:prstGeom prst="rtTriangle">
+            <a:avLst/>
+          </a:prstGeom>
+          <a:solidFill>
+            <a:schemeClr val="accent3">
+              <a:alpha val="80000"/>
+            </a:schemeClr>
+          </a:solidFill>
+          <a:ln>
+            <a:noFill/>
+          </a:ln>
+        </p:spPr>
+        <p:style>
+          <a:lnRef idx="2">
+            <a:schemeClr val="accent1">
+              <a:shade val="50000"/>
+            </a:schemeClr>
+          </a:lnRef>
+          <a:fillRef idx="1">
+            <a:schemeClr val="accent1"/>
+          </a:fillRef>
+          <a:effectRef idx="0">
+            <a:schemeClr val="accent1"/>
+          </a:effectRef>
+          <a:fontRef idx="minor">
+            <a:schemeClr val="lt1"/>
+          </a:fontRef>
+        </p:style>
+        <p:txBody>
+          <a:bodyPr rtlCol="0" anchor="ctr"/>
+          <a:lstStyle/>
+          <a:p>
+            <a:pPr marL="0" algn="ctr" defTabSz="914400" rtl="0" eaLnBrk="1" latinLnBrk="0" hangingPunct="1"/>
+            <a:endParaRPr lang="en-US" sz="1800" kern="1200">
+              <a:solidFill>
+                <a:schemeClr val="lt1"/>
+              </a:solidFill>
+              <a:latin typeface="+mn-lt"/>
+              <a:ea typeface="+mn-ea"/>
+              <a:cs typeface="+mn-cs"/>
+            </a:endParaRPr>
+          </a:p>
+        </p:txBody>
+      </p:sp>
+      <p:sp>
+        <p:nvSpPr>
+          <p:cNvPr id="2" name="Title 1"/>
+          <p:cNvSpPr>
+            <a:spLocks noGrp="1"/>
+          </p:cNvSpPr>
+          <p:nvPr>
+            <p:ph type="title"/>
+          </p:nvPr>
+        </p:nvSpPr>
+        <p:spPr>
+          <a:xfrm rot="19140000">
+            <a:off x="784930" y="1576103"/>
+            <a:ext cx="5212080" cy="1089427"/>
           </a:xfrm>
         </p:spPr>
         <p:txBody>
-          <a:bodyPr anchor="b"/>
+          <a:bodyPr bIns="0" anchor="b"/>
           <a:lstStyle>
             <a:lvl1pPr algn="l">
-              <a:defRPr sz="2000" b="1"/>
+              <a:defRPr kumimoji="0" lang="en-US" sz="2800" b="0" i="0" u="none" strike="noStrike" kern="1200" cap="all" spc="0" normalizeH="0" baseline="0" noProof="0" dirty="0" smtClean="0">
+                <a:ln>
+                  <a:noFill/>
+                </a:ln>
+                <a:solidFill>
+                  <a:srgbClr val="FFFFFF"/>
+                </a:solidFill>
+                <a:effectLst/>
+                <a:uLnTx/>
+                <a:uFillTx/>
+                <a:latin typeface="+mj-lt"/>
+                <a:ea typeface="+mj-ea"/>
+                <a:cs typeface="+mj-cs"/>
+              </a:defRPr>
             </a:lvl1pPr>
           </a:lstStyle>
           <a:p>
+            <a:pPr marL="0" marR="0" lvl="0" indent="0" algn="l" defTabSz="914400" rtl="0" eaLnBrk="1" fontAlgn="auto" latinLnBrk="0" hangingPunct="1">
+              <a:lnSpc>
+                <a:spcPct val="100000"/>
+              </a:lnSpc>
+              <a:spcBef>
+                <a:spcPct val="0"/>
+              </a:spcBef>
+              <a:spcAft>
+                <a:spcPts val="0"/>
+              </a:spcAft>
+              <a:buClrTx/>
+              <a:buSzTx/>
+              <a:buFontTx/>
+              <a:buNone/>
+              <a:tabLst/>
+              <a:defRPr/>
+            </a:pPr>
             <a:r>
               <a:rPr lang="pl-PL" smtClean="0"/>
               <a:t>Kliknij, aby edytować styl</a:t>
             </a:r>
-            <a:endParaRPr lang="pl-PL"/>
-          </a:p>
-        </p:txBody>
-      </p:sp>
-      <p:sp>
-        <p:nvSpPr>
-          <p:cNvPr id="3" name="Symbol zastępczy zawartości 2"/>
+            <a:endParaRPr lang="en-US" dirty="0"/>
+          </a:p>
+        </p:txBody>
+      </p:sp>
+      <p:sp>
+        <p:nvSpPr>
+          <p:cNvPr id="3" name="Content Placeholder 2"/>
           <p:cNvSpPr>
             <a:spLocks noGrp="1"/>
           </p:cNvSpPr>
@@ -2121,8 +2854,8 @@
         </p:nvSpPr>
         <p:spPr>
           <a:xfrm>
-            <a:off x="3575050" y="273050"/>
-            <a:ext cx="5111750" cy="5853113"/>
+            <a:off x="4749552" y="2618912"/>
+            <a:ext cx="3807779" cy="3324687"/>
           </a:xfrm>
         </p:spPr>
         <p:txBody>
@@ -2190,13 +2923,13 @@
               <a:rPr lang="pl-PL" smtClean="0"/>
               <a:t>Piąty poziom</a:t>
             </a:r>
-            <a:endParaRPr lang="pl-PL"/>
-          </a:p>
-        </p:txBody>
-      </p:sp>
-      <p:sp>
-        <p:nvSpPr>
-          <p:cNvPr id="4" name="Symbol zastępczy tekstu 3"/>
+            <a:endParaRPr lang="en-US" dirty="0"/>
+          </a:p>
+        </p:txBody>
+      </p:sp>
+      <p:sp>
+        <p:nvSpPr>
+          <p:cNvPr id="4" name="Text Placeholder 3"/>
           <p:cNvSpPr>
             <a:spLocks noGrp="1"/>
           </p:cNvSpPr>
@@ -2205,17 +2938,26 @@
           </p:nvPr>
         </p:nvSpPr>
         <p:spPr>
-          <a:xfrm>
-            <a:off x="457200" y="1435100"/>
-            <a:ext cx="3008313" cy="4691063"/>
+          <a:xfrm rot="19140000">
+            <a:off x="1297954" y="2253385"/>
+            <a:ext cx="5794760" cy="623314"/>
           </a:xfrm>
         </p:spPr>
         <p:txBody>
-          <a:bodyPr/>
+          <a:bodyPr>
+            <a:normAutofit/>
+          </a:bodyPr>
           <a:lstStyle>
             <a:lvl1pPr marL="0" indent="0">
               <a:buNone/>
-              <a:defRPr sz="1400"/>
+              <a:defRPr lang="en-US" sz="1400" b="1" kern="1200" dirty="0" smtClean="0">
+                <a:solidFill>
+                  <a:srgbClr val="FFFFFF"/>
+                </a:solidFill>
+                <a:latin typeface="+mn-lt"/>
+                <a:ea typeface="+mn-ea"/>
+                <a:cs typeface="+mn-cs"/>
+              </a:defRPr>
             </a:lvl1pPr>
             <a:lvl2pPr marL="457200" indent="0">
               <a:buNone/>
@@ -2251,7 +2993,25 @@
             </a:lvl9pPr>
           </a:lstStyle>
           <a:p>
-            <a:pPr lvl="0"/>
+            <a:pPr marL="0" marR="0" lvl="0" indent="0" algn="l" defTabSz="914400" rtl="0" eaLnBrk="1" fontAlgn="auto" latinLnBrk="0" hangingPunct="1">
+              <a:lnSpc>
+                <a:spcPct val="100000"/>
+              </a:lnSpc>
+              <a:spcBef>
+                <a:spcPts val="300"/>
+              </a:spcBef>
+              <a:spcAft>
+                <a:spcPts val="0"/>
+              </a:spcAft>
+              <a:buClr>
+                <a:schemeClr val="accent1"/>
+              </a:buClr>
+              <a:buSzPct val="100000"/>
+              <a:buFont typeface="Arial" pitchFamily="34" charset="0"/>
+              <a:buNone/>
+              <a:tabLst/>
+              <a:defRPr/>
+            </a:pPr>
             <a:r>
               <a:rPr lang="pl-PL" smtClean="0"/>
               <a:t>Kliknij, aby edytować style wzorca tekstu</a:t>
@@ -2261,7 +3021,7 @@
       </p:sp>
       <p:sp>
         <p:nvSpPr>
-          <p:cNvPr id="5" name="Symbol zastępczy daty 4"/>
+          <p:cNvPr id="5" name="Date Placeholder 4"/>
           <p:cNvSpPr>
             <a:spLocks noGrp="1"/>
           </p:cNvSpPr>
@@ -2276,7 +3036,7 @@
           <a:p>
             <a:fld id="{3F1FA79C-4120-4505-8F11-45E07EB53152}" type="datetimeFigureOut">
               <a:rPr lang="pl-PL" smtClean="0"/>
-              <a:t>10.04.2016</a:t>
+              <a:t>2016-04-10</a:t>
             </a:fld>
             <a:endParaRPr lang="pl-PL"/>
           </a:p>
@@ -2284,7 +3044,7 @@
       </p:sp>
       <p:sp>
         <p:nvSpPr>
-          <p:cNvPr id="6" name="Symbol zastępczy stopki 5"/>
+          <p:cNvPr id="6" name="Footer Placeholder 5"/>
           <p:cNvSpPr>
             <a:spLocks noGrp="1"/>
           </p:cNvSpPr>
@@ -2295,7 +3055,15 @@
         <p:spPr/>
         <p:txBody>
           <a:bodyPr/>
-          <a:lstStyle/>
+          <a:lstStyle>
+            <a:lvl1pPr>
+              <a:defRPr>
+                <a:solidFill>
+                  <a:schemeClr val="tx2"/>
+                </a:solidFill>
+              </a:defRPr>
+            </a:lvl1pPr>
+          </a:lstStyle>
           <a:p>
             <a:endParaRPr lang="pl-PL"/>
           </a:p>
@@ -2303,7 +3071,7 @@
       </p:sp>
       <p:sp>
         <p:nvSpPr>
-          <p:cNvPr id="7" name="Symbol zastępczy numeru slajdu 6"/>
+          <p:cNvPr id="7" name="Slide Number Placeholder 6"/>
           <p:cNvSpPr>
             <a:spLocks noGrp="1"/>
           </p:cNvSpPr>
@@ -2311,10 +3079,24 @@
             <p:ph type="sldNum" sz="quarter" idx="12"/>
           </p:nvPr>
         </p:nvSpPr>
-        <p:spPr/>
+        <p:spPr>
+          <a:ln>
+            <a:solidFill>
+              <a:schemeClr val="tx2"/>
+            </a:solidFill>
+          </a:ln>
+        </p:spPr>
         <p:txBody>
           <a:bodyPr/>
-          <a:lstStyle/>
+          <a:lstStyle>
+            <a:lvl1pPr>
+              <a:defRPr>
+                <a:solidFill>
+                  <a:schemeClr val="tx2"/>
+                </a:solidFill>
+              </a:defRPr>
+            </a:lvl1pPr>
+          </a:lstStyle>
           <a:p>
             <a:fld id="{3B0CA337-05BF-4F5D-B02A-4A0138165CBA}" type="slidenum">
               <a:rPr lang="pl-PL" smtClean="0"/>
@@ -2325,11 +3107,6 @@
         </p:txBody>
       </p:sp>
     </p:spTree>
-    <p:extLst>
-      <p:ext uri="{BB962C8B-B14F-4D97-AF65-F5344CB8AC3E}">
-        <p14:creationId xmlns:p14="http://schemas.microsoft.com/office/powerpoint/2010/main" val="1756731254"/>
-      </p:ext>
-    </p:extLst>
   </p:cSld>
   <p:clrMapOvr>
     <a:masterClrMapping/>
@@ -2338,7 +3115,7 @@
 </file>
 
 <file path=ppt/slideLayouts/slideLayout9.xml><?xml version="1.0" encoding="utf-8"?>
-<p:sldLayout xmlns:a="http://schemas.openxmlformats.org/drawingml/2006/main" xmlns:r="http://schemas.openxmlformats.org/officeDocument/2006/relationships" xmlns:p="http://schemas.openxmlformats.org/presentationml/2006/main" type="picTx" preserve="1">
+<p:sldLayout xmlns:a="http://schemas.openxmlformats.org/drawingml/2006/main" xmlns:r="http://schemas.openxmlformats.org/officeDocument/2006/relationships" xmlns:p="http://schemas.openxmlformats.org/presentationml/2006/main" showMasterSp="0" type="picTx" preserve="1">
   <p:cSld name="Obraz z podpisem">
     <p:spTree>
       <p:nvGrpSpPr>
@@ -2356,25 +3133,345 @@
       </p:grpSpPr>
       <p:sp>
         <p:nvSpPr>
-          <p:cNvPr id="2" name="Tytuł 1"/>
-          <p:cNvSpPr>
-            <a:spLocks noGrp="1"/>
-          </p:cNvSpPr>
-          <p:nvPr>
-            <p:ph type="title"/>
+          <p:cNvPr id="11" name="Picture Placeholder 10"/>
+          <p:cNvSpPr>
+            <a:spLocks noGrp="1"/>
+          </p:cNvSpPr>
+          <p:nvPr>
+            <p:ph type="pic" sz="quarter" idx="14"/>
           </p:nvPr>
         </p:nvSpPr>
         <p:spPr>
           <a:xfrm>
-            <a:off x="1792288" y="4800600"/>
-            <a:ext cx="5486400" cy="566738"/>
+            <a:off x="2028825" y="0"/>
+            <a:ext cx="7115175" cy="6858000"/>
+          </a:xfrm>
+          <a:custGeom>
+            <a:avLst/>
+            <a:gdLst>
+              <a:gd name="connsiteX0" fmla="*/ 0 w 7104888"/>
+              <a:gd name="connsiteY0" fmla="*/ 0 h 6858000"/>
+              <a:gd name="connsiteX1" fmla="*/ 7104888 w 7104888"/>
+              <a:gd name="connsiteY1" fmla="*/ 0 h 6858000"/>
+              <a:gd name="connsiteX2" fmla="*/ 7104888 w 7104888"/>
+              <a:gd name="connsiteY2" fmla="*/ 6858000 h 6858000"/>
+              <a:gd name="connsiteX3" fmla="*/ 0 w 7104888"/>
+              <a:gd name="connsiteY3" fmla="*/ 6858000 h 6858000"/>
+              <a:gd name="connsiteX4" fmla="*/ 0 w 7104888"/>
+              <a:gd name="connsiteY4" fmla="*/ 0 h 6858000"/>
+              <a:gd name="connsiteX0" fmla="*/ 0 w 7104888"/>
+              <a:gd name="connsiteY0" fmla="*/ 0 h 6858000"/>
+              <a:gd name="connsiteX1" fmla="*/ 5695188 w 7104888"/>
+              <a:gd name="connsiteY1" fmla="*/ 0 h 6858000"/>
+              <a:gd name="connsiteX2" fmla="*/ 7104888 w 7104888"/>
+              <a:gd name="connsiteY2" fmla="*/ 0 h 6858000"/>
+              <a:gd name="connsiteX3" fmla="*/ 7104888 w 7104888"/>
+              <a:gd name="connsiteY3" fmla="*/ 6858000 h 6858000"/>
+              <a:gd name="connsiteX4" fmla="*/ 0 w 7104888"/>
+              <a:gd name="connsiteY4" fmla="*/ 6858000 h 6858000"/>
+              <a:gd name="connsiteX5" fmla="*/ 0 w 7104888"/>
+              <a:gd name="connsiteY5" fmla="*/ 0 h 6858000"/>
+              <a:gd name="connsiteX0" fmla="*/ 10287 w 7115175"/>
+              <a:gd name="connsiteY0" fmla="*/ 0 h 6858000"/>
+              <a:gd name="connsiteX1" fmla="*/ 5705475 w 7115175"/>
+              <a:gd name="connsiteY1" fmla="*/ 0 h 6858000"/>
+              <a:gd name="connsiteX2" fmla="*/ 7115175 w 7115175"/>
+              <a:gd name="connsiteY2" fmla="*/ 0 h 6858000"/>
+              <a:gd name="connsiteX3" fmla="*/ 7115175 w 7115175"/>
+              <a:gd name="connsiteY3" fmla="*/ 6858000 h 6858000"/>
+              <a:gd name="connsiteX4" fmla="*/ 10287 w 7115175"/>
+              <a:gd name="connsiteY4" fmla="*/ 6858000 h 6858000"/>
+              <a:gd name="connsiteX5" fmla="*/ 0 w 7115175"/>
+              <a:gd name="connsiteY5" fmla="*/ 5048250 h 6858000"/>
+              <a:gd name="connsiteX6" fmla="*/ 10287 w 7115175"/>
+              <a:gd name="connsiteY6" fmla="*/ 0 h 6858000"/>
+              <a:gd name="connsiteX0" fmla="*/ 10287 w 7115175"/>
+              <a:gd name="connsiteY0" fmla="*/ 0 h 6858000"/>
+              <a:gd name="connsiteX1" fmla="*/ 5705475 w 7115175"/>
+              <a:gd name="connsiteY1" fmla="*/ 0 h 6858000"/>
+              <a:gd name="connsiteX2" fmla="*/ 7115175 w 7115175"/>
+              <a:gd name="connsiteY2" fmla="*/ 0 h 6858000"/>
+              <a:gd name="connsiteX3" fmla="*/ 7115175 w 7115175"/>
+              <a:gd name="connsiteY3" fmla="*/ 6858000 h 6858000"/>
+              <a:gd name="connsiteX4" fmla="*/ 1533526 w 7115175"/>
+              <a:gd name="connsiteY4" fmla="*/ 6848475 h 6858000"/>
+              <a:gd name="connsiteX5" fmla="*/ 10287 w 7115175"/>
+              <a:gd name="connsiteY5" fmla="*/ 6858000 h 6858000"/>
+              <a:gd name="connsiteX6" fmla="*/ 0 w 7115175"/>
+              <a:gd name="connsiteY6" fmla="*/ 5048250 h 6858000"/>
+              <a:gd name="connsiteX7" fmla="*/ 10287 w 7115175"/>
+              <a:gd name="connsiteY7" fmla="*/ 0 h 6858000"/>
+              <a:gd name="connsiteX0" fmla="*/ 10287 w 7115175"/>
+              <a:gd name="connsiteY0" fmla="*/ 0 h 6858000"/>
+              <a:gd name="connsiteX1" fmla="*/ 5705475 w 7115175"/>
+              <a:gd name="connsiteY1" fmla="*/ 0 h 6858000"/>
+              <a:gd name="connsiteX2" fmla="*/ 7115175 w 7115175"/>
+              <a:gd name="connsiteY2" fmla="*/ 0 h 6858000"/>
+              <a:gd name="connsiteX3" fmla="*/ 7115175 w 7115175"/>
+              <a:gd name="connsiteY3" fmla="*/ 6858000 h 6858000"/>
+              <a:gd name="connsiteX4" fmla="*/ 1533526 w 7115175"/>
+              <a:gd name="connsiteY4" fmla="*/ 6848475 h 6858000"/>
+              <a:gd name="connsiteX5" fmla="*/ 0 w 7115175"/>
+              <a:gd name="connsiteY5" fmla="*/ 5048250 h 6858000"/>
+              <a:gd name="connsiteX6" fmla="*/ 10287 w 7115175"/>
+              <a:gd name="connsiteY6" fmla="*/ 0 h 6858000"/>
+              <a:gd name="connsiteX0" fmla="*/ 0 w 7115175"/>
+              <a:gd name="connsiteY0" fmla="*/ 5048250 h 6858000"/>
+              <a:gd name="connsiteX1" fmla="*/ 5705475 w 7115175"/>
+              <a:gd name="connsiteY1" fmla="*/ 0 h 6858000"/>
+              <a:gd name="connsiteX2" fmla="*/ 7115175 w 7115175"/>
+              <a:gd name="connsiteY2" fmla="*/ 0 h 6858000"/>
+              <a:gd name="connsiteX3" fmla="*/ 7115175 w 7115175"/>
+              <a:gd name="connsiteY3" fmla="*/ 6858000 h 6858000"/>
+              <a:gd name="connsiteX4" fmla="*/ 1533526 w 7115175"/>
+              <a:gd name="connsiteY4" fmla="*/ 6848475 h 6858000"/>
+              <a:gd name="connsiteX5" fmla="*/ 0 w 7115175"/>
+              <a:gd name="connsiteY5" fmla="*/ 5048250 h 6858000"/>
+            </a:gdLst>
+            <a:ahLst/>
+            <a:cxnLst>
+              <a:cxn ang="0">
+                <a:pos x="connsiteX0" y="connsiteY0"/>
+              </a:cxn>
+              <a:cxn ang="0">
+                <a:pos x="connsiteX1" y="connsiteY1"/>
+              </a:cxn>
+              <a:cxn ang="0">
+                <a:pos x="connsiteX2" y="connsiteY2"/>
+              </a:cxn>
+              <a:cxn ang="0">
+                <a:pos x="connsiteX3" y="connsiteY3"/>
+              </a:cxn>
+              <a:cxn ang="0">
+                <a:pos x="connsiteX4" y="connsiteY4"/>
+              </a:cxn>
+              <a:cxn ang="0">
+                <a:pos x="connsiteX5" y="connsiteY5"/>
+              </a:cxn>
+            </a:cxnLst>
+            <a:rect l="l" t="t" r="r" b="b"/>
+            <a:pathLst>
+              <a:path w="7115175" h="6858000">
+                <a:moveTo>
+                  <a:pt x="0" y="5048250"/>
+                </a:moveTo>
+                <a:lnTo>
+                  <a:pt x="5705475" y="0"/>
+                </a:lnTo>
+                <a:lnTo>
+                  <a:pt x="7115175" y="0"/>
+                </a:lnTo>
+                <a:lnTo>
+                  <a:pt x="7115175" y="6858000"/>
+                </a:lnTo>
+                <a:lnTo>
+                  <a:pt x="1533526" y="6848475"/>
+                </a:lnTo>
+                <a:lnTo>
+                  <a:pt x="0" y="5048250"/>
+                </a:lnTo>
+                <a:close/>
+              </a:path>
+            </a:pathLst>
+          </a:custGeom>
+          <a:solidFill>
+            <a:schemeClr val="accent3">
+              <a:alpha val="80000"/>
+            </a:schemeClr>
+          </a:solidFill>
+        </p:spPr>
+        <p:txBody>
+          <a:bodyPr rIns="182880" anchor="ctr"/>
+          <a:lstStyle>
+            <a:lvl1pPr algn="r">
+              <a:defRPr/>
+            </a:lvl1pPr>
+          </a:lstStyle>
+          <a:p>
+            <a:r>
+              <a:rPr lang="pl-PL" smtClean="0"/>
+              <a:t>Kliknij ikonę, aby dodać obraz</a:t>
+            </a:r>
+            <a:endParaRPr lang="en-US" dirty="0"/>
+          </a:p>
+        </p:txBody>
+      </p:sp>
+      <p:sp>
+        <p:nvSpPr>
+          <p:cNvPr id="9" name="Right Triangle 8"/>
+          <p:cNvSpPr/>
+          <p:nvPr/>
+        </p:nvSpPr>
+        <p:spPr>
+          <a:xfrm>
+            <a:off x="0" y="2647950"/>
+            <a:ext cx="3571875" cy="4210050"/>
+          </a:xfrm>
+          <a:prstGeom prst="rtTriangle">
+            <a:avLst/>
+          </a:prstGeom>
+          <a:solidFill>
+            <a:schemeClr val="accent2"/>
+          </a:solidFill>
+          <a:ln>
+            <a:noFill/>
+          </a:ln>
+        </p:spPr>
+        <p:style>
+          <a:lnRef idx="2">
+            <a:schemeClr val="accent1">
+              <a:shade val="50000"/>
+            </a:schemeClr>
+          </a:lnRef>
+          <a:fillRef idx="1">
+            <a:schemeClr val="accent1"/>
+          </a:fillRef>
+          <a:effectRef idx="0">
+            <a:schemeClr val="accent1"/>
+          </a:effectRef>
+          <a:fontRef idx="minor">
+            <a:schemeClr val="lt1"/>
+          </a:fontRef>
+        </p:style>
+        <p:txBody>
+          <a:bodyPr rtlCol="0" anchor="ctr"/>
+          <a:lstStyle/>
+          <a:p>
+            <a:pPr algn="ctr"/>
+            <a:endParaRPr lang="en-US"/>
+          </a:p>
+        </p:txBody>
+      </p:sp>
+      <p:sp>
+        <p:nvSpPr>
+          <p:cNvPr id="10" name="Freeform 9"/>
+          <p:cNvSpPr/>
+          <p:nvPr/>
+        </p:nvSpPr>
+        <p:spPr>
+          <a:xfrm>
+            <a:off x="0" y="5048250"/>
+            <a:ext cx="3571875" cy="1809750"/>
+          </a:xfrm>
+          <a:custGeom>
+            <a:avLst/>
+            <a:gdLst>
+              <a:gd name="connsiteX0" fmla="*/ 0 w 3571875"/>
+              <a:gd name="connsiteY0" fmla="*/ 4210050 h 4210050"/>
+              <a:gd name="connsiteX1" fmla="*/ 0 w 3571875"/>
+              <a:gd name="connsiteY1" fmla="*/ 0 h 4210050"/>
+              <a:gd name="connsiteX2" fmla="*/ 3571875 w 3571875"/>
+              <a:gd name="connsiteY2" fmla="*/ 4210050 h 4210050"/>
+              <a:gd name="connsiteX3" fmla="*/ 0 w 3571875"/>
+              <a:gd name="connsiteY3" fmla="*/ 4210050 h 4210050"/>
+              <a:gd name="connsiteX0" fmla="*/ 0 w 3571875"/>
+              <a:gd name="connsiteY0" fmla="*/ 1809750 h 1809750"/>
+              <a:gd name="connsiteX1" fmla="*/ 1895475 w 3571875"/>
+              <a:gd name="connsiteY1" fmla="*/ 0 h 1809750"/>
+              <a:gd name="connsiteX2" fmla="*/ 3571875 w 3571875"/>
+              <a:gd name="connsiteY2" fmla="*/ 1809750 h 1809750"/>
+              <a:gd name="connsiteX3" fmla="*/ 0 w 3571875"/>
+              <a:gd name="connsiteY3" fmla="*/ 1809750 h 1809750"/>
+              <a:gd name="connsiteX0" fmla="*/ 0 w 3571875"/>
+              <a:gd name="connsiteY0" fmla="*/ 1809750 h 1809750"/>
+              <a:gd name="connsiteX1" fmla="*/ 2038350 w 3571875"/>
+              <a:gd name="connsiteY1" fmla="*/ 0 h 1809750"/>
+              <a:gd name="connsiteX2" fmla="*/ 3571875 w 3571875"/>
+              <a:gd name="connsiteY2" fmla="*/ 1809750 h 1809750"/>
+              <a:gd name="connsiteX3" fmla="*/ 0 w 3571875"/>
+              <a:gd name="connsiteY3" fmla="*/ 1809750 h 1809750"/>
+            </a:gdLst>
+            <a:ahLst/>
+            <a:cxnLst>
+              <a:cxn ang="0">
+                <a:pos x="connsiteX0" y="connsiteY0"/>
+              </a:cxn>
+              <a:cxn ang="0">
+                <a:pos x="connsiteX1" y="connsiteY1"/>
+              </a:cxn>
+              <a:cxn ang="0">
+                <a:pos x="connsiteX2" y="connsiteY2"/>
+              </a:cxn>
+              <a:cxn ang="0">
+                <a:pos x="connsiteX3" y="connsiteY3"/>
+              </a:cxn>
+            </a:cxnLst>
+            <a:rect l="l" t="t" r="r" b="b"/>
+            <a:pathLst>
+              <a:path w="3571875" h="1809750">
+                <a:moveTo>
+                  <a:pt x="0" y="1809750"/>
+                </a:moveTo>
+                <a:lnTo>
+                  <a:pt x="2038350" y="0"/>
+                </a:lnTo>
+                <a:lnTo>
+                  <a:pt x="3571875" y="1809750"/>
+                </a:lnTo>
+                <a:lnTo>
+                  <a:pt x="0" y="1809750"/>
+                </a:lnTo>
+                <a:close/>
+              </a:path>
+            </a:pathLst>
+          </a:custGeom>
+          <a:solidFill>
+            <a:schemeClr val="accent3">
+              <a:alpha val="80000"/>
+            </a:schemeClr>
+          </a:solidFill>
+          <a:ln>
+            <a:noFill/>
+          </a:ln>
+        </p:spPr>
+        <p:style>
+          <a:lnRef idx="2">
+            <a:schemeClr val="accent1">
+              <a:shade val="50000"/>
+            </a:schemeClr>
+          </a:lnRef>
+          <a:fillRef idx="1">
+            <a:schemeClr val="accent1"/>
+          </a:fillRef>
+          <a:effectRef idx="0">
+            <a:schemeClr val="accent1"/>
+          </a:effectRef>
+          <a:fontRef idx="minor">
+            <a:schemeClr val="lt1"/>
+          </a:fontRef>
+        </p:style>
+        <p:txBody>
+          <a:bodyPr rtlCol="0" anchor="ctr"/>
+          <a:lstStyle/>
+          <a:p>
+            <a:pPr algn="ctr"/>
+            <a:endParaRPr lang="en-US"/>
+          </a:p>
+        </p:txBody>
+      </p:sp>
+      <p:sp>
+        <p:nvSpPr>
+          <p:cNvPr id="2" name="Title 1"/>
+          <p:cNvSpPr>
+            <a:spLocks noGrp="1"/>
+          </p:cNvSpPr>
+          <p:nvPr>
+            <p:ph type="title"/>
+          </p:nvPr>
+        </p:nvSpPr>
+        <p:spPr>
+          <a:xfrm rot="19140000">
+            <a:off x="671197" y="1717501"/>
+            <a:ext cx="5486400" cy="867444"/>
           </a:xfrm>
         </p:spPr>
         <p:txBody>
           <a:bodyPr anchor="b"/>
           <a:lstStyle>
             <a:lvl1pPr algn="l">
-              <a:defRPr sz="2000" b="1"/>
+              <a:defRPr sz="2800" b="0">
+                <a:latin typeface="+mj-lt"/>
+              </a:defRPr>
             </a:lvl1pPr>
           </a:lstStyle>
           <a:p>
@@ -2382,24 +3479,24 @@
               <a:rPr lang="pl-PL" smtClean="0"/>
               <a:t>Kliknij, aby edytować styl</a:t>
             </a:r>
-            <a:endParaRPr lang="pl-PL"/>
-          </a:p>
-        </p:txBody>
-      </p:sp>
-      <p:sp>
-        <p:nvSpPr>
-          <p:cNvPr id="3" name="Symbol zastępczy obrazu 2"/>
-          <p:cNvSpPr>
-            <a:spLocks noGrp="1"/>
-          </p:cNvSpPr>
-          <p:nvPr>
-            <p:ph type="pic" idx="1"/>
+            <a:endParaRPr lang="en-US" dirty="0"/>
+          </a:p>
+        </p:txBody>
+      </p:sp>
+      <p:sp>
+        <p:nvSpPr>
+          <p:cNvPr id="4" name="Text Placeholder 3"/>
+          <p:cNvSpPr>
+            <a:spLocks noGrp="1"/>
+          </p:cNvSpPr>
+          <p:nvPr>
+            <p:ph type="body" sz="half" idx="2"/>
           </p:nvPr>
         </p:nvSpPr>
         <p:spPr>
-          <a:xfrm>
-            <a:off x="1792288" y="612775"/>
-            <a:ext cx="5486400" cy="4114800"/>
+          <a:xfrm rot="19140000">
+            <a:off x="1143479" y="2180529"/>
+            <a:ext cx="6096545" cy="740664"/>
           </a:xfrm>
         </p:spPr>
         <p:txBody>
@@ -2407,68 +3504,11 @@
           <a:lstStyle>
             <a:lvl1pPr marL="0" indent="0">
               <a:buNone/>
-              <a:defRPr sz="3200"/>
-            </a:lvl1pPr>
-            <a:lvl2pPr marL="457200" indent="0">
-              <a:buNone/>
-              <a:defRPr sz="2800"/>
-            </a:lvl2pPr>
-            <a:lvl3pPr marL="914400" indent="0">
-              <a:buNone/>
-              <a:defRPr sz="2400"/>
-            </a:lvl3pPr>
-            <a:lvl4pPr marL="1371600" indent="0">
-              <a:buNone/>
-              <a:defRPr sz="2000"/>
-            </a:lvl4pPr>
-            <a:lvl5pPr marL="1828800" indent="0">
-              <a:buNone/>
-              <a:defRPr sz="2000"/>
-            </a:lvl5pPr>
-            <a:lvl6pPr marL="2286000" indent="0">
-              <a:buNone/>
-              <a:defRPr sz="2000"/>
-            </a:lvl6pPr>
-            <a:lvl7pPr marL="2743200" indent="0">
-              <a:buNone/>
-              <a:defRPr sz="2000"/>
-            </a:lvl7pPr>
-            <a:lvl8pPr marL="3200400" indent="0">
-              <a:buNone/>
-              <a:defRPr sz="2000"/>
-            </a:lvl8pPr>
-            <a:lvl9pPr marL="3657600" indent="0">
-              <a:buNone/>
-              <a:defRPr sz="2000"/>
-            </a:lvl9pPr>
-          </a:lstStyle>
-          <a:p>
-            <a:endParaRPr lang="pl-PL"/>
-          </a:p>
-        </p:txBody>
-      </p:sp>
-      <p:sp>
-        <p:nvSpPr>
-          <p:cNvPr id="4" name="Symbol zastępczy tekstu 3"/>
-          <p:cNvSpPr>
-            <a:spLocks noGrp="1"/>
-          </p:cNvSpPr>
-          <p:nvPr>
-            <p:ph type="body" sz="half" idx="2"/>
-          </p:nvPr>
-        </p:nvSpPr>
-        <p:spPr>
-          <a:xfrm>
-            <a:off x="1792288" y="5367338"/>
-            <a:ext cx="5486400" cy="804862"/>
-          </a:xfrm>
-        </p:spPr>
-        <p:txBody>
-          <a:bodyPr/>
-          <a:lstStyle>
-            <a:lvl1pPr marL="0" indent="0">
-              <a:buNone/>
-              <a:defRPr sz="1400"/>
+              <a:defRPr sz="1400">
+                <a:solidFill>
+                  <a:schemeClr val="tx2"/>
+                </a:solidFill>
+              </a:defRPr>
             </a:lvl1pPr>
             <a:lvl2pPr marL="457200" indent="0">
               <a:buNone/>
@@ -2514,7 +3554,7 @@
       </p:sp>
       <p:sp>
         <p:nvSpPr>
-          <p:cNvPr id="5" name="Symbol zastępczy daty 4"/>
+          <p:cNvPr id="5" name="Date Placeholder 4"/>
           <p:cNvSpPr>
             <a:spLocks noGrp="1"/>
           </p:cNvSpPr>
@@ -2529,7 +3569,7 @@
           <a:p>
             <a:fld id="{3F1FA79C-4120-4505-8F11-45E07EB53152}" type="datetimeFigureOut">
               <a:rPr lang="pl-PL" smtClean="0"/>
-              <a:t>10.04.2016</a:t>
+              <a:t>2016-04-10</a:t>
             </a:fld>
             <a:endParaRPr lang="pl-PL"/>
           </a:p>
@@ -2537,7 +3577,7 @@
       </p:sp>
       <p:sp>
         <p:nvSpPr>
-          <p:cNvPr id="6" name="Symbol zastępczy stopki 5"/>
+          <p:cNvPr id="6" name="Footer Placeholder 5"/>
           <p:cNvSpPr>
             <a:spLocks noGrp="1"/>
           </p:cNvSpPr>
@@ -2556,7 +3596,7 @@
       </p:sp>
       <p:sp>
         <p:nvSpPr>
-          <p:cNvPr id="7" name="Symbol zastępczy numeru slajdu 6"/>
+          <p:cNvPr id="7" name="Slide Number Placeholder 6"/>
           <p:cNvSpPr>
             <a:spLocks noGrp="1"/>
           </p:cNvSpPr>
@@ -2578,11 +3618,6 @@
         </p:txBody>
       </p:sp>
     </p:spTree>
-    <p:extLst>
-      <p:ext uri="{BB962C8B-B14F-4D97-AF65-F5344CB8AC3E}">
-        <p14:creationId xmlns:p14="http://schemas.microsoft.com/office/powerpoint/2010/main" val="3773683648"/>
-      </p:ext>
-    </p:extLst>
   </p:cSld>
   <p:clrMapOvr>
     <a:masterClrMapping/>
@@ -2614,18 +3649,652 @@
       </p:grpSpPr>
       <p:sp>
         <p:nvSpPr>
-          <p:cNvPr id="2" name="Symbol zastępczy tytułu 1"/>
-          <p:cNvSpPr>
-            <a:spLocks noGrp="1"/>
-          </p:cNvSpPr>
-          <p:nvPr>
-            <p:ph type="title"/>
-          </p:nvPr>
+          <p:cNvPr id="7" name="Freeform 6"/>
+          <p:cNvSpPr/>
+          <p:nvPr/>
         </p:nvSpPr>
         <p:spPr>
           <a:xfrm>
-            <a:off x="457200" y="274638"/>
-            <a:ext cx="8229600" cy="1143000"/>
+            <a:off x="-2382" y="5050633"/>
+            <a:ext cx="3574257" cy="1807368"/>
+          </a:xfrm>
+          <a:custGeom>
+            <a:avLst/>
+            <a:gdLst>
+              <a:gd name="connsiteX0" fmla="*/ 0 w 3571875"/>
+              <a:gd name="connsiteY0" fmla="*/ 4210050 h 4210050"/>
+              <a:gd name="connsiteX1" fmla="*/ 0 w 3571875"/>
+              <a:gd name="connsiteY1" fmla="*/ 0 h 4210050"/>
+              <a:gd name="connsiteX2" fmla="*/ 3571875 w 3571875"/>
+              <a:gd name="connsiteY2" fmla="*/ 4210050 h 4210050"/>
+              <a:gd name="connsiteX3" fmla="*/ 0 w 3571875"/>
+              <a:gd name="connsiteY3" fmla="*/ 4210050 h 4210050"/>
+              <a:gd name="connsiteX0" fmla="*/ 0 w 3571875"/>
+              <a:gd name="connsiteY0" fmla="*/ 4210050 h 4210050"/>
+              <a:gd name="connsiteX1" fmla="*/ 0 w 3571875"/>
+              <a:gd name="connsiteY1" fmla="*/ 0 h 4210050"/>
+              <a:gd name="connsiteX2" fmla="*/ 2028825 w 3571875"/>
+              <a:gd name="connsiteY2" fmla="*/ 2388394 h 4210050"/>
+              <a:gd name="connsiteX3" fmla="*/ 3571875 w 3571875"/>
+              <a:gd name="connsiteY3" fmla="*/ 4210050 h 4210050"/>
+              <a:gd name="connsiteX4" fmla="*/ 0 w 3571875"/>
+              <a:gd name="connsiteY4" fmla="*/ 4210050 h 4210050"/>
+              <a:gd name="connsiteX0" fmla="*/ 0 w 3571875"/>
+              <a:gd name="connsiteY0" fmla="*/ 4210050 h 4210050"/>
+              <a:gd name="connsiteX1" fmla="*/ 0 w 3571875"/>
+              <a:gd name="connsiteY1" fmla="*/ 0 h 4210050"/>
+              <a:gd name="connsiteX2" fmla="*/ 2028825 w 3571875"/>
+              <a:gd name="connsiteY2" fmla="*/ 2205038 h 4210050"/>
+              <a:gd name="connsiteX3" fmla="*/ 3571875 w 3571875"/>
+              <a:gd name="connsiteY3" fmla="*/ 4210050 h 4210050"/>
+              <a:gd name="connsiteX4" fmla="*/ 0 w 3571875"/>
+              <a:gd name="connsiteY4" fmla="*/ 4210050 h 4210050"/>
+              <a:gd name="connsiteX0" fmla="*/ 0 w 3571875"/>
+              <a:gd name="connsiteY0" fmla="*/ 4210050 h 4210050"/>
+              <a:gd name="connsiteX1" fmla="*/ 0 w 3571875"/>
+              <a:gd name="connsiteY1" fmla="*/ 0 h 4210050"/>
+              <a:gd name="connsiteX2" fmla="*/ 2028825 w 3571875"/>
+              <a:gd name="connsiteY2" fmla="*/ 2393157 h 4210050"/>
+              <a:gd name="connsiteX3" fmla="*/ 3571875 w 3571875"/>
+              <a:gd name="connsiteY3" fmla="*/ 4210050 h 4210050"/>
+              <a:gd name="connsiteX4" fmla="*/ 0 w 3571875"/>
+              <a:gd name="connsiteY4" fmla="*/ 4210050 h 4210050"/>
+              <a:gd name="connsiteX0" fmla="*/ 0 w 3571875"/>
+              <a:gd name="connsiteY0" fmla="*/ 4210050 h 4210050"/>
+              <a:gd name="connsiteX1" fmla="*/ 0 w 3571875"/>
+              <a:gd name="connsiteY1" fmla="*/ 0 h 4210050"/>
+              <a:gd name="connsiteX2" fmla="*/ 2028825 w 3571875"/>
+              <a:gd name="connsiteY2" fmla="*/ 2393157 h 4210050"/>
+              <a:gd name="connsiteX3" fmla="*/ 3571875 w 3571875"/>
+              <a:gd name="connsiteY3" fmla="*/ 4210050 h 4210050"/>
+              <a:gd name="connsiteX4" fmla="*/ 0 w 3571875"/>
+              <a:gd name="connsiteY4" fmla="*/ 4210050 h 4210050"/>
+              <a:gd name="connsiteX0" fmla="*/ 0 w 3571875"/>
+              <a:gd name="connsiteY0" fmla="*/ 4210050 h 4210050"/>
+              <a:gd name="connsiteX1" fmla="*/ 0 w 3571875"/>
+              <a:gd name="connsiteY1" fmla="*/ 0 h 4210050"/>
+              <a:gd name="connsiteX2" fmla="*/ 2028825 w 3571875"/>
+              <a:gd name="connsiteY2" fmla="*/ 2281238 h 4210050"/>
+              <a:gd name="connsiteX3" fmla="*/ 3571875 w 3571875"/>
+              <a:gd name="connsiteY3" fmla="*/ 4210050 h 4210050"/>
+              <a:gd name="connsiteX4" fmla="*/ 0 w 3571875"/>
+              <a:gd name="connsiteY4" fmla="*/ 4210050 h 4210050"/>
+              <a:gd name="connsiteX0" fmla="*/ 0 w 3571875"/>
+              <a:gd name="connsiteY0" fmla="*/ 4210050 h 4210050"/>
+              <a:gd name="connsiteX1" fmla="*/ 0 w 3571875"/>
+              <a:gd name="connsiteY1" fmla="*/ 0 h 4210050"/>
+              <a:gd name="connsiteX2" fmla="*/ 2028825 w 3571875"/>
+              <a:gd name="connsiteY2" fmla="*/ 2393157 h 4210050"/>
+              <a:gd name="connsiteX3" fmla="*/ 3571875 w 3571875"/>
+              <a:gd name="connsiteY3" fmla="*/ 4210050 h 4210050"/>
+              <a:gd name="connsiteX4" fmla="*/ 0 w 3571875"/>
+              <a:gd name="connsiteY4" fmla="*/ 4210050 h 4210050"/>
+              <a:gd name="connsiteX0" fmla="*/ 0 w 3571875"/>
+              <a:gd name="connsiteY0" fmla="*/ 4210050 h 4210050"/>
+              <a:gd name="connsiteX1" fmla="*/ 0 w 3571875"/>
+              <a:gd name="connsiteY1" fmla="*/ 0 h 4210050"/>
+              <a:gd name="connsiteX2" fmla="*/ 2028825 w 3571875"/>
+              <a:gd name="connsiteY2" fmla="*/ 2393157 h 4210050"/>
+              <a:gd name="connsiteX3" fmla="*/ 3571875 w 3571875"/>
+              <a:gd name="connsiteY3" fmla="*/ 4210050 h 4210050"/>
+              <a:gd name="connsiteX4" fmla="*/ 0 w 3571875"/>
+              <a:gd name="connsiteY4" fmla="*/ 4210050 h 4210050"/>
+              <a:gd name="connsiteX0" fmla="*/ 0 w 3571875"/>
+              <a:gd name="connsiteY0" fmla="*/ 4210050 h 4210050"/>
+              <a:gd name="connsiteX1" fmla="*/ 0 w 3571875"/>
+              <a:gd name="connsiteY1" fmla="*/ 0 h 4210050"/>
+              <a:gd name="connsiteX2" fmla="*/ 2076450 w 3571875"/>
+              <a:gd name="connsiteY2" fmla="*/ 2274094 h 4210050"/>
+              <a:gd name="connsiteX3" fmla="*/ 3571875 w 3571875"/>
+              <a:gd name="connsiteY3" fmla="*/ 4210050 h 4210050"/>
+              <a:gd name="connsiteX4" fmla="*/ 0 w 3571875"/>
+              <a:gd name="connsiteY4" fmla="*/ 4210050 h 4210050"/>
+              <a:gd name="connsiteX0" fmla="*/ 0 w 3571875"/>
+              <a:gd name="connsiteY0" fmla="*/ 4210050 h 4210050"/>
+              <a:gd name="connsiteX1" fmla="*/ 0 w 3571875"/>
+              <a:gd name="connsiteY1" fmla="*/ 0 h 4210050"/>
+              <a:gd name="connsiteX2" fmla="*/ 2245519 w 3571875"/>
+              <a:gd name="connsiteY2" fmla="*/ 2405063 h 4210050"/>
+              <a:gd name="connsiteX3" fmla="*/ 3571875 w 3571875"/>
+              <a:gd name="connsiteY3" fmla="*/ 4210050 h 4210050"/>
+              <a:gd name="connsiteX4" fmla="*/ 0 w 3571875"/>
+              <a:gd name="connsiteY4" fmla="*/ 4210050 h 4210050"/>
+              <a:gd name="connsiteX0" fmla="*/ 0 w 3571875"/>
+              <a:gd name="connsiteY0" fmla="*/ 4210050 h 4210050"/>
+              <a:gd name="connsiteX1" fmla="*/ 0 w 3571875"/>
+              <a:gd name="connsiteY1" fmla="*/ 0 h 4210050"/>
+              <a:gd name="connsiteX2" fmla="*/ 2038350 w 3571875"/>
+              <a:gd name="connsiteY2" fmla="*/ 2405063 h 4210050"/>
+              <a:gd name="connsiteX3" fmla="*/ 3571875 w 3571875"/>
+              <a:gd name="connsiteY3" fmla="*/ 4210050 h 4210050"/>
+              <a:gd name="connsiteX4" fmla="*/ 0 w 3571875"/>
+              <a:gd name="connsiteY4" fmla="*/ 4210050 h 4210050"/>
+              <a:gd name="connsiteX0" fmla="*/ 0 w 3571875"/>
+              <a:gd name="connsiteY0" fmla="*/ 2433637 h 2433637"/>
+              <a:gd name="connsiteX1" fmla="*/ 257175 w 3571875"/>
+              <a:gd name="connsiteY1" fmla="*/ 0 h 2433637"/>
+              <a:gd name="connsiteX2" fmla="*/ 2038350 w 3571875"/>
+              <a:gd name="connsiteY2" fmla="*/ 628650 h 2433637"/>
+              <a:gd name="connsiteX3" fmla="*/ 3571875 w 3571875"/>
+              <a:gd name="connsiteY3" fmla="*/ 2433637 h 2433637"/>
+              <a:gd name="connsiteX4" fmla="*/ 0 w 3571875"/>
+              <a:gd name="connsiteY4" fmla="*/ 2433637 h 2433637"/>
+              <a:gd name="connsiteX0" fmla="*/ 2382 w 3574257"/>
+              <a:gd name="connsiteY0" fmla="*/ 1807368 h 1807368"/>
+              <a:gd name="connsiteX1" fmla="*/ 0 w 3574257"/>
+              <a:gd name="connsiteY1" fmla="*/ 0 h 1807368"/>
+              <a:gd name="connsiteX2" fmla="*/ 2040732 w 3574257"/>
+              <a:gd name="connsiteY2" fmla="*/ 2381 h 1807368"/>
+              <a:gd name="connsiteX3" fmla="*/ 3574257 w 3574257"/>
+              <a:gd name="connsiteY3" fmla="*/ 1807368 h 1807368"/>
+              <a:gd name="connsiteX4" fmla="*/ 2382 w 3574257"/>
+              <a:gd name="connsiteY4" fmla="*/ 1807368 h 1807368"/>
+              <a:gd name="connsiteX0" fmla="*/ 2382 w 3574257"/>
+              <a:gd name="connsiteY0" fmla="*/ 1807368 h 1807368"/>
+              <a:gd name="connsiteX1" fmla="*/ 0 w 3574257"/>
+              <a:gd name="connsiteY1" fmla="*/ 0 h 1807368"/>
+              <a:gd name="connsiteX2" fmla="*/ 1924051 w 3574257"/>
+              <a:gd name="connsiteY2" fmla="*/ 307181 h 1807368"/>
+              <a:gd name="connsiteX3" fmla="*/ 3574257 w 3574257"/>
+              <a:gd name="connsiteY3" fmla="*/ 1807368 h 1807368"/>
+              <a:gd name="connsiteX4" fmla="*/ 2382 w 3574257"/>
+              <a:gd name="connsiteY4" fmla="*/ 1807368 h 1807368"/>
+              <a:gd name="connsiteX0" fmla="*/ 2382 w 3574257"/>
+              <a:gd name="connsiteY0" fmla="*/ 1809749 h 1809749"/>
+              <a:gd name="connsiteX1" fmla="*/ 0 w 3574257"/>
+              <a:gd name="connsiteY1" fmla="*/ 2381 h 1809749"/>
+              <a:gd name="connsiteX2" fmla="*/ 2038351 w 3574257"/>
+              <a:gd name="connsiteY2" fmla="*/ 0 h 1809749"/>
+              <a:gd name="connsiteX3" fmla="*/ 3574257 w 3574257"/>
+              <a:gd name="connsiteY3" fmla="*/ 1809749 h 1809749"/>
+              <a:gd name="connsiteX4" fmla="*/ 2382 w 3574257"/>
+              <a:gd name="connsiteY4" fmla="*/ 1809749 h 1809749"/>
+              <a:gd name="connsiteX0" fmla="*/ 2382 w 3574257"/>
+              <a:gd name="connsiteY0" fmla="*/ 1807368 h 1807368"/>
+              <a:gd name="connsiteX1" fmla="*/ 0 w 3574257"/>
+              <a:gd name="connsiteY1" fmla="*/ 0 h 1807368"/>
+              <a:gd name="connsiteX2" fmla="*/ 1640682 w 3574257"/>
+              <a:gd name="connsiteY2" fmla="*/ 450057 h 1807368"/>
+              <a:gd name="connsiteX3" fmla="*/ 3574257 w 3574257"/>
+              <a:gd name="connsiteY3" fmla="*/ 1807368 h 1807368"/>
+              <a:gd name="connsiteX4" fmla="*/ 2382 w 3574257"/>
+              <a:gd name="connsiteY4" fmla="*/ 1807368 h 1807368"/>
+              <a:gd name="connsiteX0" fmla="*/ 2382 w 3574257"/>
+              <a:gd name="connsiteY0" fmla="*/ 1809749 h 1809749"/>
+              <a:gd name="connsiteX1" fmla="*/ 0 w 3574257"/>
+              <a:gd name="connsiteY1" fmla="*/ 2381 h 1809749"/>
+              <a:gd name="connsiteX2" fmla="*/ 2038351 w 3574257"/>
+              <a:gd name="connsiteY2" fmla="*/ 0 h 1809749"/>
+              <a:gd name="connsiteX3" fmla="*/ 3574257 w 3574257"/>
+              <a:gd name="connsiteY3" fmla="*/ 1809749 h 1809749"/>
+              <a:gd name="connsiteX4" fmla="*/ 2382 w 3574257"/>
+              <a:gd name="connsiteY4" fmla="*/ 1809749 h 1809749"/>
+              <a:gd name="connsiteX0" fmla="*/ 2382 w 3574257"/>
+              <a:gd name="connsiteY0" fmla="*/ 1807368 h 1807368"/>
+              <a:gd name="connsiteX1" fmla="*/ 0 w 3574257"/>
+              <a:gd name="connsiteY1" fmla="*/ 0 h 1807368"/>
+              <a:gd name="connsiteX2" fmla="*/ 1657351 w 3574257"/>
+              <a:gd name="connsiteY2" fmla="*/ 230982 h 1807368"/>
+              <a:gd name="connsiteX3" fmla="*/ 3574257 w 3574257"/>
+              <a:gd name="connsiteY3" fmla="*/ 1807368 h 1807368"/>
+              <a:gd name="connsiteX4" fmla="*/ 2382 w 3574257"/>
+              <a:gd name="connsiteY4" fmla="*/ 1807368 h 1807368"/>
+              <a:gd name="connsiteX0" fmla="*/ 2382 w 3574257"/>
+              <a:gd name="connsiteY0" fmla="*/ 1807368 h 1807368"/>
+              <a:gd name="connsiteX1" fmla="*/ 0 w 3574257"/>
+              <a:gd name="connsiteY1" fmla="*/ 0 h 1807368"/>
+              <a:gd name="connsiteX2" fmla="*/ 2040732 w 3574257"/>
+              <a:gd name="connsiteY2" fmla="*/ 2382 h 1807368"/>
+              <a:gd name="connsiteX3" fmla="*/ 3574257 w 3574257"/>
+              <a:gd name="connsiteY3" fmla="*/ 1807368 h 1807368"/>
+              <a:gd name="connsiteX4" fmla="*/ 2382 w 3574257"/>
+              <a:gd name="connsiteY4" fmla="*/ 1807368 h 1807368"/>
+              <a:gd name="connsiteX0" fmla="*/ 2382 w 3574257"/>
+              <a:gd name="connsiteY0" fmla="*/ 1807368 h 1807368"/>
+              <a:gd name="connsiteX1" fmla="*/ 0 w 3574257"/>
+              <a:gd name="connsiteY1" fmla="*/ 0 h 1807368"/>
+              <a:gd name="connsiteX2" fmla="*/ 1774032 w 3574257"/>
+              <a:gd name="connsiteY2" fmla="*/ 161925 h 1807368"/>
+              <a:gd name="connsiteX3" fmla="*/ 3574257 w 3574257"/>
+              <a:gd name="connsiteY3" fmla="*/ 1807368 h 1807368"/>
+              <a:gd name="connsiteX4" fmla="*/ 2382 w 3574257"/>
+              <a:gd name="connsiteY4" fmla="*/ 1807368 h 1807368"/>
+              <a:gd name="connsiteX0" fmla="*/ 2382 w 3574257"/>
+              <a:gd name="connsiteY0" fmla="*/ 1807368 h 1807368"/>
+              <a:gd name="connsiteX1" fmla="*/ 0 w 3574257"/>
+              <a:gd name="connsiteY1" fmla="*/ 0 h 1807368"/>
+              <a:gd name="connsiteX2" fmla="*/ 1969294 w 3574257"/>
+              <a:gd name="connsiteY2" fmla="*/ 21432 h 1807368"/>
+              <a:gd name="connsiteX3" fmla="*/ 3574257 w 3574257"/>
+              <a:gd name="connsiteY3" fmla="*/ 1807368 h 1807368"/>
+              <a:gd name="connsiteX4" fmla="*/ 2382 w 3574257"/>
+              <a:gd name="connsiteY4" fmla="*/ 1807368 h 1807368"/>
+              <a:gd name="connsiteX0" fmla="*/ 2382 w 3574257"/>
+              <a:gd name="connsiteY0" fmla="*/ 1807368 h 1807368"/>
+              <a:gd name="connsiteX1" fmla="*/ 0 w 3574257"/>
+              <a:gd name="connsiteY1" fmla="*/ 0 h 1807368"/>
+              <a:gd name="connsiteX2" fmla="*/ 1819275 w 3574257"/>
+              <a:gd name="connsiteY2" fmla="*/ 200026 h 1807368"/>
+              <a:gd name="connsiteX3" fmla="*/ 3574257 w 3574257"/>
+              <a:gd name="connsiteY3" fmla="*/ 1807368 h 1807368"/>
+              <a:gd name="connsiteX4" fmla="*/ 2382 w 3574257"/>
+              <a:gd name="connsiteY4" fmla="*/ 1807368 h 1807368"/>
+              <a:gd name="connsiteX0" fmla="*/ 2382 w 3574257"/>
+              <a:gd name="connsiteY0" fmla="*/ 1807368 h 1807368"/>
+              <a:gd name="connsiteX1" fmla="*/ 0 w 3574257"/>
+              <a:gd name="connsiteY1" fmla="*/ 0 h 1807368"/>
+              <a:gd name="connsiteX2" fmla="*/ 2045494 w 3574257"/>
+              <a:gd name="connsiteY2" fmla="*/ 1 h 1807368"/>
+              <a:gd name="connsiteX3" fmla="*/ 3574257 w 3574257"/>
+              <a:gd name="connsiteY3" fmla="*/ 1807368 h 1807368"/>
+              <a:gd name="connsiteX4" fmla="*/ 2382 w 3574257"/>
+              <a:gd name="connsiteY4" fmla="*/ 1807368 h 1807368"/>
+            </a:gdLst>
+            <a:ahLst/>
+            <a:cxnLst>
+              <a:cxn ang="0">
+                <a:pos x="connsiteX0" y="connsiteY0"/>
+              </a:cxn>
+              <a:cxn ang="0">
+                <a:pos x="connsiteX1" y="connsiteY1"/>
+              </a:cxn>
+              <a:cxn ang="0">
+                <a:pos x="connsiteX2" y="connsiteY2"/>
+              </a:cxn>
+              <a:cxn ang="0">
+                <a:pos x="connsiteX3" y="connsiteY3"/>
+              </a:cxn>
+              <a:cxn ang="0">
+                <a:pos x="connsiteX4" y="connsiteY4"/>
+              </a:cxn>
+            </a:cxnLst>
+            <a:rect l="l" t="t" r="r" b="b"/>
+            <a:pathLst>
+              <a:path w="3574257" h="1807368">
+                <a:moveTo>
+                  <a:pt x="2382" y="1807368"/>
+                </a:moveTo>
+                <a:lnTo>
+                  <a:pt x="0" y="0"/>
+                </a:lnTo>
+                <a:lnTo>
+                  <a:pt x="2045494" y="1"/>
+                </a:lnTo>
+                <a:lnTo>
+                  <a:pt x="3574257" y="1807368"/>
+                </a:lnTo>
+                <a:lnTo>
+                  <a:pt x="2382" y="1807368"/>
+                </a:lnTo>
+                <a:close/>
+              </a:path>
+            </a:pathLst>
+          </a:custGeom>
+          <a:solidFill>
+            <a:schemeClr val="accent2"/>
+          </a:solidFill>
+          <a:ln>
+            <a:noFill/>
+          </a:ln>
+        </p:spPr>
+        <p:style>
+          <a:lnRef idx="2">
+            <a:schemeClr val="accent1">
+              <a:shade val="50000"/>
+            </a:schemeClr>
+          </a:lnRef>
+          <a:fillRef idx="1">
+            <a:schemeClr val="accent1"/>
+          </a:fillRef>
+          <a:effectRef idx="0">
+            <a:schemeClr val="accent1"/>
+          </a:effectRef>
+          <a:fontRef idx="minor">
+            <a:schemeClr val="lt1"/>
+          </a:fontRef>
+        </p:style>
+        <p:txBody>
+          <a:bodyPr rtlCol="0" anchor="ctr"/>
+          <a:lstStyle/>
+          <a:p>
+            <a:pPr algn="ctr"/>
+            <a:endParaRPr lang="en-US"/>
+          </a:p>
+        </p:txBody>
+      </p:sp>
+      <p:sp>
+        <p:nvSpPr>
+          <p:cNvPr id="8" name="Freeform 7"/>
+          <p:cNvSpPr/>
+          <p:nvPr/>
+        </p:nvSpPr>
+        <p:spPr>
+          <a:xfrm>
+            <a:off x="-2380" y="5051292"/>
+            <a:ext cx="9146380" cy="1806709"/>
+          </a:xfrm>
+          <a:custGeom>
+            <a:avLst/>
+            <a:gdLst>
+              <a:gd name="connsiteX0" fmla="*/ 0 w 3350419"/>
+              <a:gd name="connsiteY0" fmla="*/ 2081213 h 2083594"/>
+              <a:gd name="connsiteX1" fmla="*/ 3031331 w 3350419"/>
+              <a:gd name="connsiteY1" fmla="*/ 0 h 2083594"/>
+              <a:gd name="connsiteX2" fmla="*/ 3350419 w 3350419"/>
+              <a:gd name="connsiteY2" fmla="*/ 80963 h 2083594"/>
+              <a:gd name="connsiteX3" fmla="*/ 3350419 w 3350419"/>
+              <a:gd name="connsiteY3" fmla="*/ 2083594 h 2083594"/>
+              <a:gd name="connsiteX4" fmla="*/ 0 w 3350419"/>
+              <a:gd name="connsiteY4" fmla="*/ 2081213 h 2083594"/>
+              <a:gd name="connsiteX0" fmla="*/ 0 w 3112294"/>
+              <a:gd name="connsiteY0" fmla="*/ 2019301 h 2083594"/>
+              <a:gd name="connsiteX1" fmla="*/ 2793206 w 3112294"/>
+              <a:gd name="connsiteY1" fmla="*/ 0 h 2083594"/>
+              <a:gd name="connsiteX2" fmla="*/ 3112294 w 3112294"/>
+              <a:gd name="connsiteY2" fmla="*/ 80963 h 2083594"/>
+              <a:gd name="connsiteX3" fmla="*/ 3112294 w 3112294"/>
+              <a:gd name="connsiteY3" fmla="*/ 2083594 h 2083594"/>
+              <a:gd name="connsiteX4" fmla="*/ 0 w 3112294"/>
+              <a:gd name="connsiteY4" fmla="*/ 2019301 h 2083594"/>
+              <a:gd name="connsiteX0" fmla="*/ 0 w 3345656"/>
+              <a:gd name="connsiteY0" fmla="*/ 2097882 h 2097882"/>
+              <a:gd name="connsiteX1" fmla="*/ 3026568 w 3345656"/>
+              <a:gd name="connsiteY1" fmla="*/ 0 h 2097882"/>
+              <a:gd name="connsiteX2" fmla="*/ 3345656 w 3345656"/>
+              <a:gd name="connsiteY2" fmla="*/ 80963 h 2097882"/>
+              <a:gd name="connsiteX3" fmla="*/ 3345656 w 3345656"/>
+              <a:gd name="connsiteY3" fmla="*/ 2083594 h 2097882"/>
+              <a:gd name="connsiteX4" fmla="*/ 0 w 3345656"/>
+              <a:gd name="connsiteY4" fmla="*/ 2097882 h 2097882"/>
+              <a:gd name="connsiteX0" fmla="*/ 0 w 2800350"/>
+              <a:gd name="connsiteY0" fmla="*/ 1935957 h 2083594"/>
+              <a:gd name="connsiteX1" fmla="*/ 2481262 w 2800350"/>
+              <a:gd name="connsiteY1" fmla="*/ 0 h 2083594"/>
+              <a:gd name="connsiteX2" fmla="*/ 2800350 w 2800350"/>
+              <a:gd name="connsiteY2" fmla="*/ 80963 h 2083594"/>
+              <a:gd name="connsiteX3" fmla="*/ 2800350 w 2800350"/>
+              <a:gd name="connsiteY3" fmla="*/ 2083594 h 2083594"/>
+              <a:gd name="connsiteX4" fmla="*/ 0 w 2800350"/>
+              <a:gd name="connsiteY4" fmla="*/ 1935957 h 2083594"/>
+              <a:gd name="connsiteX0" fmla="*/ 0 w 3352800"/>
+              <a:gd name="connsiteY0" fmla="*/ 2083594 h 2083594"/>
+              <a:gd name="connsiteX1" fmla="*/ 3033712 w 3352800"/>
+              <a:gd name="connsiteY1" fmla="*/ 0 h 2083594"/>
+              <a:gd name="connsiteX2" fmla="*/ 3352800 w 3352800"/>
+              <a:gd name="connsiteY2" fmla="*/ 80963 h 2083594"/>
+              <a:gd name="connsiteX3" fmla="*/ 3352800 w 3352800"/>
+              <a:gd name="connsiteY3" fmla="*/ 2083594 h 2083594"/>
+              <a:gd name="connsiteX4" fmla="*/ 0 w 3352800"/>
+              <a:gd name="connsiteY4" fmla="*/ 2083594 h 2083594"/>
+              <a:gd name="connsiteX0" fmla="*/ 0 w 3352800"/>
+              <a:gd name="connsiteY0" fmla="*/ 2002631 h 2002631"/>
+              <a:gd name="connsiteX1" fmla="*/ 3033712 w 3352800"/>
+              <a:gd name="connsiteY1" fmla="*/ 157162 h 2002631"/>
+              <a:gd name="connsiteX2" fmla="*/ 3352800 w 3352800"/>
+              <a:gd name="connsiteY2" fmla="*/ 0 h 2002631"/>
+              <a:gd name="connsiteX3" fmla="*/ 3352800 w 3352800"/>
+              <a:gd name="connsiteY3" fmla="*/ 2002631 h 2002631"/>
+              <a:gd name="connsiteX4" fmla="*/ 0 w 3352800"/>
+              <a:gd name="connsiteY4" fmla="*/ 2002631 h 2002631"/>
+              <a:gd name="connsiteX0" fmla="*/ 0 w 3352800"/>
+              <a:gd name="connsiteY0" fmla="*/ 2002631 h 2002631"/>
+              <a:gd name="connsiteX1" fmla="*/ 2988469 w 3352800"/>
+              <a:gd name="connsiteY1" fmla="*/ 59530 h 2002631"/>
+              <a:gd name="connsiteX2" fmla="*/ 3352800 w 3352800"/>
+              <a:gd name="connsiteY2" fmla="*/ 0 h 2002631"/>
+              <a:gd name="connsiteX3" fmla="*/ 3352800 w 3352800"/>
+              <a:gd name="connsiteY3" fmla="*/ 2002631 h 2002631"/>
+              <a:gd name="connsiteX4" fmla="*/ 0 w 3352800"/>
+              <a:gd name="connsiteY4" fmla="*/ 2002631 h 2002631"/>
+              <a:gd name="connsiteX0" fmla="*/ 0 w 3352800"/>
+              <a:gd name="connsiteY0" fmla="*/ 2002631 h 2002631"/>
+              <a:gd name="connsiteX1" fmla="*/ 2833966 w 3352800"/>
+              <a:gd name="connsiteY1" fmla="*/ 425 h 2002631"/>
+              <a:gd name="connsiteX2" fmla="*/ 3352800 w 3352800"/>
+              <a:gd name="connsiteY2" fmla="*/ 0 h 2002631"/>
+              <a:gd name="connsiteX3" fmla="*/ 3352800 w 3352800"/>
+              <a:gd name="connsiteY3" fmla="*/ 2002631 h 2002631"/>
+              <a:gd name="connsiteX4" fmla="*/ 0 w 3352800"/>
+              <a:gd name="connsiteY4" fmla="*/ 2002631 h 2002631"/>
+              <a:gd name="connsiteX0" fmla="*/ 0 w 3352800"/>
+              <a:gd name="connsiteY0" fmla="*/ 2002631 h 2002631"/>
+              <a:gd name="connsiteX1" fmla="*/ 2845314 w 3352800"/>
+              <a:gd name="connsiteY1" fmla="*/ 12246 h 2002631"/>
+              <a:gd name="connsiteX2" fmla="*/ 3352800 w 3352800"/>
+              <a:gd name="connsiteY2" fmla="*/ 0 h 2002631"/>
+              <a:gd name="connsiteX3" fmla="*/ 3352800 w 3352800"/>
+              <a:gd name="connsiteY3" fmla="*/ 2002631 h 2002631"/>
+              <a:gd name="connsiteX4" fmla="*/ 0 w 3352800"/>
+              <a:gd name="connsiteY4" fmla="*/ 2002631 h 2002631"/>
+              <a:gd name="connsiteX0" fmla="*/ 0 w 3352800"/>
+              <a:gd name="connsiteY0" fmla="*/ 2002631 h 2002631"/>
+              <a:gd name="connsiteX1" fmla="*/ 2834839 w 3352800"/>
+              <a:gd name="connsiteY1" fmla="*/ 425 h 2002631"/>
+              <a:gd name="connsiteX2" fmla="*/ 3352800 w 3352800"/>
+              <a:gd name="connsiteY2" fmla="*/ 0 h 2002631"/>
+              <a:gd name="connsiteX3" fmla="*/ 3352800 w 3352800"/>
+              <a:gd name="connsiteY3" fmla="*/ 2002631 h 2002631"/>
+              <a:gd name="connsiteX4" fmla="*/ 0 w 3352800"/>
+              <a:gd name="connsiteY4" fmla="*/ 2002631 h 2002631"/>
+              <a:gd name="connsiteX0" fmla="*/ 0 w 3352800"/>
+              <a:gd name="connsiteY0" fmla="*/ 2002631 h 2002631"/>
+              <a:gd name="connsiteX1" fmla="*/ 2875865 w 3352800"/>
+              <a:gd name="connsiteY1" fmla="*/ 81782 h 2002631"/>
+              <a:gd name="connsiteX2" fmla="*/ 3352800 w 3352800"/>
+              <a:gd name="connsiteY2" fmla="*/ 0 h 2002631"/>
+              <a:gd name="connsiteX3" fmla="*/ 3352800 w 3352800"/>
+              <a:gd name="connsiteY3" fmla="*/ 2002631 h 2002631"/>
+              <a:gd name="connsiteX4" fmla="*/ 0 w 3352800"/>
+              <a:gd name="connsiteY4" fmla="*/ 2002631 h 2002631"/>
+              <a:gd name="connsiteX0" fmla="*/ 0 w 3352800"/>
+              <a:gd name="connsiteY0" fmla="*/ 2002901 h 2002901"/>
+              <a:gd name="connsiteX1" fmla="*/ 2836585 w 3352800"/>
+              <a:gd name="connsiteY1" fmla="*/ 0 h 2002901"/>
+              <a:gd name="connsiteX2" fmla="*/ 3352800 w 3352800"/>
+              <a:gd name="connsiteY2" fmla="*/ 270 h 2002901"/>
+              <a:gd name="connsiteX3" fmla="*/ 3352800 w 3352800"/>
+              <a:gd name="connsiteY3" fmla="*/ 2002901 h 2002901"/>
+              <a:gd name="connsiteX4" fmla="*/ 0 w 3352800"/>
+              <a:gd name="connsiteY4" fmla="*/ 2002901 h 2002901"/>
+              <a:gd name="connsiteX0" fmla="*/ 0 w 3352800"/>
+              <a:gd name="connsiteY0" fmla="*/ 2002631 h 2002631"/>
+              <a:gd name="connsiteX1" fmla="*/ 754045 w 3352800"/>
+              <a:gd name="connsiteY1" fmla="*/ 1468326 h 2002631"/>
+              <a:gd name="connsiteX2" fmla="*/ 3352800 w 3352800"/>
+              <a:gd name="connsiteY2" fmla="*/ 0 h 2002631"/>
+              <a:gd name="connsiteX3" fmla="*/ 3352800 w 3352800"/>
+              <a:gd name="connsiteY3" fmla="*/ 2002631 h 2002631"/>
+              <a:gd name="connsiteX4" fmla="*/ 0 w 3352800"/>
+              <a:gd name="connsiteY4" fmla="*/ 2002631 h 2002631"/>
+              <a:gd name="connsiteX0" fmla="*/ 0 w 3352800"/>
+              <a:gd name="connsiteY0" fmla="*/ 534305 h 534305"/>
+              <a:gd name="connsiteX1" fmla="*/ 754045 w 3352800"/>
+              <a:gd name="connsiteY1" fmla="*/ 0 h 534305"/>
+              <a:gd name="connsiteX2" fmla="*/ 3352800 w 3352800"/>
+              <a:gd name="connsiteY2" fmla="*/ 7687 h 534305"/>
+              <a:gd name="connsiteX3" fmla="*/ 3352800 w 3352800"/>
+              <a:gd name="connsiteY3" fmla="*/ 534305 h 534305"/>
+              <a:gd name="connsiteX4" fmla="*/ 0 w 3352800"/>
+              <a:gd name="connsiteY4" fmla="*/ 534305 h 534305"/>
+              <a:gd name="connsiteX0" fmla="*/ 0 w 3352800"/>
+              <a:gd name="connsiteY0" fmla="*/ 534305 h 534305"/>
+              <a:gd name="connsiteX1" fmla="*/ 754045 w 3352800"/>
+              <a:gd name="connsiteY1" fmla="*/ 0 h 534305"/>
+              <a:gd name="connsiteX2" fmla="*/ 3352800 w 3352800"/>
+              <a:gd name="connsiteY2" fmla="*/ 7687 h 534305"/>
+              <a:gd name="connsiteX3" fmla="*/ 3352800 w 3352800"/>
+              <a:gd name="connsiteY3" fmla="*/ 534305 h 534305"/>
+              <a:gd name="connsiteX4" fmla="*/ 0 w 3352800"/>
+              <a:gd name="connsiteY4" fmla="*/ 534305 h 534305"/>
+              <a:gd name="connsiteX0" fmla="*/ 0 w 3352800"/>
+              <a:gd name="connsiteY0" fmla="*/ 526618 h 526618"/>
+              <a:gd name="connsiteX1" fmla="*/ 980611 w 3352800"/>
+              <a:gd name="connsiteY1" fmla="*/ 93681 h 526618"/>
+              <a:gd name="connsiteX2" fmla="*/ 3352800 w 3352800"/>
+              <a:gd name="connsiteY2" fmla="*/ 0 h 526618"/>
+              <a:gd name="connsiteX3" fmla="*/ 3352800 w 3352800"/>
+              <a:gd name="connsiteY3" fmla="*/ 526618 h 526618"/>
+              <a:gd name="connsiteX4" fmla="*/ 0 w 3352800"/>
+              <a:gd name="connsiteY4" fmla="*/ 526618 h 526618"/>
+              <a:gd name="connsiteX0" fmla="*/ 0 w 3352800"/>
+              <a:gd name="connsiteY0" fmla="*/ 526888 h 526888"/>
+              <a:gd name="connsiteX1" fmla="*/ 744735 w 3352800"/>
+              <a:gd name="connsiteY1" fmla="*/ 0 h 526888"/>
+              <a:gd name="connsiteX2" fmla="*/ 3352800 w 3352800"/>
+              <a:gd name="connsiteY2" fmla="*/ 270 h 526888"/>
+              <a:gd name="connsiteX3" fmla="*/ 3352800 w 3352800"/>
+              <a:gd name="connsiteY3" fmla="*/ 526888 h 526888"/>
+              <a:gd name="connsiteX4" fmla="*/ 0 w 3352800"/>
+              <a:gd name="connsiteY4" fmla="*/ 526888 h 526888"/>
+              <a:gd name="connsiteX0" fmla="*/ 0 w 3352800"/>
+              <a:gd name="connsiteY0" fmla="*/ 526618 h 526618"/>
+              <a:gd name="connsiteX1" fmla="*/ 811948 w 3352800"/>
+              <a:gd name="connsiteY1" fmla="*/ 60921 h 526618"/>
+              <a:gd name="connsiteX2" fmla="*/ 3352800 w 3352800"/>
+              <a:gd name="connsiteY2" fmla="*/ 0 h 526618"/>
+              <a:gd name="connsiteX3" fmla="*/ 3352800 w 3352800"/>
+              <a:gd name="connsiteY3" fmla="*/ 526618 h 526618"/>
+              <a:gd name="connsiteX4" fmla="*/ 0 w 3352800"/>
+              <a:gd name="connsiteY4" fmla="*/ 526618 h 526618"/>
+              <a:gd name="connsiteX0" fmla="*/ 0 w 3352800"/>
+              <a:gd name="connsiteY0" fmla="*/ 527584 h 527584"/>
+              <a:gd name="connsiteX1" fmla="*/ 751718 w 3352800"/>
+              <a:gd name="connsiteY1" fmla="*/ 0 h 527584"/>
+              <a:gd name="connsiteX2" fmla="*/ 3352800 w 3352800"/>
+              <a:gd name="connsiteY2" fmla="*/ 966 h 527584"/>
+              <a:gd name="connsiteX3" fmla="*/ 3352800 w 3352800"/>
+              <a:gd name="connsiteY3" fmla="*/ 527584 h 527584"/>
+              <a:gd name="connsiteX4" fmla="*/ 0 w 3352800"/>
+              <a:gd name="connsiteY4" fmla="*/ 527584 h 527584"/>
+              <a:gd name="connsiteX0" fmla="*/ 0 w 3352800"/>
+              <a:gd name="connsiteY0" fmla="*/ 527584 h 527584"/>
+              <a:gd name="connsiteX1" fmla="*/ 751718 w 3352800"/>
+              <a:gd name="connsiteY1" fmla="*/ 0 h 527584"/>
+              <a:gd name="connsiteX2" fmla="*/ 3241069 w 3352800"/>
+              <a:gd name="connsiteY2" fmla="*/ 94144 h 527584"/>
+              <a:gd name="connsiteX3" fmla="*/ 3352800 w 3352800"/>
+              <a:gd name="connsiteY3" fmla="*/ 527584 h 527584"/>
+              <a:gd name="connsiteX4" fmla="*/ 0 w 3352800"/>
+              <a:gd name="connsiteY4" fmla="*/ 527584 h 527584"/>
+              <a:gd name="connsiteX0" fmla="*/ 0 w 3352800"/>
+              <a:gd name="connsiteY0" fmla="*/ 527584 h 527584"/>
+              <a:gd name="connsiteX1" fmla="*/ 751718 w 3352800"/>
+              <a:gd name="connsiteY1" fmla="*/ 0 h 527584"/>
+              <a:gd name="connsiteX2" fmla="*/ 3352800 w 3352800"/>
+              <a:gd name="connsiteY2" fmla="*/ 271 h 527584"/>
+              <a:gd name="connsiteX3" fmla="*/ 3352800 w 3352800"/>
+              <a:gd name="connsiteY3" fmla="*/ 527584 h 527584"/>
+              <a:gd name="connsiteX4" fmla="*/ 0 w 3352800"/>
+              <a:gd name="connsiteY4" fmla="*/ 527584 h 527584"/>
+              <a:gd name="connsiteX0" fmla="*/ 0 w 3352800"/>
+              <a:gd name="connsiteY0" fmla="*/ 527313 h 527313"/>
+              <a:gd name="connsiteX1" fmla="*/ 900984 w 3352800"/>
+              <a:gd name="connsiteY1" fmla="*/ 97774 h 527313"/>
+              <a:gd name="connsiteX2" fmla="*/ 3352800 w 3352800"/>
+              <a:gd name="connsiteY2" fmla="*/ 0 h 527313"/>
+              <a:gd name="connsiteX3" fmla="*/ 3352800 w 3352800"/>
+              <a:gd name="connsiteY3" fmla="*/ 527313 h 527313"/>
+              <a:gd name="connsiteX4" fmla="*/ 0 w 3352800"/>
+              <a:gd name="connsiteY4" fmla="*/ 527313 h 527313"/>
+              <a:gd name="connsiteX0" fmla="*/ 0 w 3352800"/>
+              <a:gd name="connsiteY0" fmla="*/ 527584 h 527584"/>
+              <a:gd name="connsiteX1" fmla="*/ 748227 w 3352800"/>
+              <a:gd name="connsiteY1" fmla="*/ 0 h 527584"/>
+              <a:gd name="connsiteX2" fmla="*/ 3352800 w 3352800"/>
+              <a:gd name="connsiteY2" fmla="*/ 271 h 527584"/>
+              <a:gd name="connsiteX3" fmla="*/ 3352800 w 3352800"/>
+              <a:gd name="connsiteY3" fmla="*/ 527584 h 527584"/>
+              <a:gd name="connsiteX4" fmla="*/ 0 w 3352800"/>
+              <a:gd name="connsiteY4" fmla="*/ 527584 h 527584"/>
+            </a:gdLst>
+            <a:ahLst/>
+            <a:cxnLst>
+              <a:cxn ang="0">
+                <a:pos x="connsiteX0" y="connsiteY0"/>
+              </a:cxn>
+              <a:cxn ang="0">
+                <a:pos x="connsiteX1" y="connsiteY1"/>
+              </a:cxn>
+              <a:cxn ang="0">
+                <a:pos x="connsiteX2" y="connsiteY2"/>
+              </a:cxn>
+              <a:cxn ang="0">
+                <a:pos x="connsiteX3" y="connsiteY3"/>
+              </a:cxn>
+              <a:cxn ang="0">
+                <a:pos x="connsiteX4" y="connsiteY4"/>
+              </a:cxn>
+            </a:cxnLst>
+            <a:rect l="l" t="t" r="r" b="b"/>
+            <a:pathLst>
+              <a:path w="3352800" h="527584">
+                <a:moveTo>
+                  <a:pt x="0" y="527584"/>
+                </a:moveTo>
+                <a:lnTo>
+                  <a:pt x="748227" y="0"/>
+                </a:lnTo>
+                <a:lnTo>
+                  <a:pt x="3352800" y="271"/>
+                </a:lnTo>
+                <a:lnTo>
+                  <a:pt x="3352800" y="527584"/>
+                </a:lnTo>
+                <a:lnTo>
+                  <a:pt x="0" y="527584"/>
+                </a:lnTo>
+                <a:close/>
+              </a:path>
+            </a:pathLst>
+          </a:custGeom>
+          <a:solidFill>
+            <a:schemeClr val="accent3">
+              <a:alpha val="80000"/>
+            </a:schemeClr>
+          </a:solidFill>
+          <a:ln>
+            <a:noFill/>
+          </a:ln>
+        </p:spPr>
+        <p:style>
+          <a:lnRef idx="2">
+            <a:schemeClr val="accent1">
+              <a:shade val="50000"/>
+            </a:schemeClr>
+          </a:lnRef>
+          <a:fillRef idx="1">
+            <a:schemeClr val="accent1"/>
+          </a:fillRef>
+          <a:effectRef idx="0">
+            <a:schemeClr val="accent1"/>
+          </a:effectRef>
+          <a:fontRef idx="minor">
+            <a:schemeClr val="lt1"/>
+          </a:fontRef>
+        </p:style>
+        <p:txBody>
+          <a:bodyPr rtlCol="0" anchor="ctr"/>
+          <a:lstStyle/>
+          <a:p>
+            <a:pPr algn="ctr"/>
+            <a:endParaRPr lang="en-US"/>
+          </a:p>
+        </p:txBody>
+      </p:sp>
+      <p:sp>
+        <p:nvSpPr>
+          <p:cNvPr id="2" name="Title Placeholder 1"/>
+          <p:cNvSpPr>
+            <a:spLocks noGrp="1"/>
+          </p:cNvSpPr>
+          <p:nvPr>
+            <p:ph type="title"/>
+          </p:nvPr>
+        </p:nvSpPr>
+        <p:spPr>
+          <a:xfrm>
+            <a:off x="822960" y="365760"/>
+            <a:ext cx="7520940" cy="548640"/>
           </a:xfrm>
           <a:prstGeom prst="rect">
             <a:avLst/>
@@ -2633,7 +4302,7 @@
         </p:spPr>
         <p:txBody>
           <a:bodyPr vert="horz" lIns="91440" tIns="45720" rIns="91440" bIns="45720" rtlCol="0" anchor="ctr">
-            <a:normAutofit/>
+            <a:noAutofit/>
           </a:bodyPr>
           <a:lstStyle/>
           <a:p>
@@ -2641,13 +4310,13 @@
               <a:rPr lang="pl-PL" smtClean="0"/>
               <a:t>Kliknij, aby edytować styl</a:t>
             </a:r>
-            <a:endParaRPr lang="pl-PL"/>
-          </a:p>
-        </p:txBody>
-      </p:sp>
-      <p:sp>
-        <p:nvSpPr>
-          <p:cNvPr id="3" name="Symbol zastępczy tekstu 2"/>
+            <a:endParaRPr lang="en-US" dirty="0"/>
+          </a:p>
+        </p:txBody>
+      </p:sp>
+      <p:sp>
+        <p:nvSpPr>
+          <p:cNvPr id="3" name="Text Placeholder 2"/>
           <p:cNvSpPr>
             <a:spLocks noGrp="1"/>
           </p:cNvSpPr>
@@ -2657,8 +4326,8 @@
         </p:nvSpPr>
         <p:spPr>
           <a:xfrm>
-            <a:off x="457200" y="1600200"/>
-            <a:ext cx="8229600" cy="4525963"/>
+            <a:off x="822960" y="1100628"/>
+            <a:ext cx="7520940" cy="3579849"/>
           </a:xfrm>
           <a:prstGeom prst="rect">
             <a:avLst/>
@@ -2703,13 +4372,13 @@
               <a:rPr lang="pl-PL" smtClean="0"/>
               <a:t>Piąty poziom</a:t>
             </a:r>
-            <a:endParaRPr lang="pl-PL"/>
-          </a:p>
-        </p:txBody>
-      </p:sp>
-      <p:sp>
-        <p:nvSpPr>
-          <p:cNvPr id="4" name="Symbol zastępczy daty 3"/>
+            <a:endParaRPr lang="en-US" dirty="0"/>
+          </a:p>
+        </p:txBody>
+      </p:sp>
+      <p:sp>
+        <p:nvSpPr>
+          <p:cNvPr id="4" name="Date Placeholder 3"/>
           <p:cNvSpPr>
             <a:spLocks noGrp="1"/>
           </p:cNvSpPr>
@@ -2718,9 +4387,9 @@
           </p:nvPr>
         </p:nvSpPr>
         <p:spPr>
-          <a:xfrm>
-            <a:off x="457200" y="6356350"/>
-            <a:ext cx="2133600" cy="365125"/>
+          <a:xfrm rot="19140000">
+            <a:off x="201168" y="5870448"/>
+            <a:ext cx="2176272" cy="201168"/>
           </a:xfrm>
           <a:prstGeom prst="rect">
             <a:avLst/>
@@ -2732,9 +4401,7 @@
             <a:lvl1pPr algn="l">
               <a:defRPr sz="1200">
                 <a:solidFill>
-                  <a:schemeClr val="tx1">
-                    <a:tint val="75000"/>
-                  </a:schemeClr>
+                  <a:srgbClr val="FFFFFF"/>
                 </a:solidFill>
               </a:defRPr>
             </a:lvl1pPr>
@@ -2742,7 +4409,7 @@
           <a:p>
             <a:fld id="{3F1FA79C-4120-4505-8F11-45E07EB53152}" type="datetimeFigureOut">
               <a:rPr lang="pl-PL" smtClean="0"/>
-              <a:t>10.04.2016</a:t>
+              <a:t>2016-04-10</a:t>
             </a:fld>
             <a:endParaRPr lang="pl-PL"/>
           </a:p>
@@ -2750,7 +4417,7 @@
       </p:sp>
       <p:sp>
         <p:nvSpPr>
-          <p:cNvPr id="5" name="Symbol zastępczy stopki 4"/>
+          <p:cNvPr id="5" name="Footer Placeholder 4"/>
           <p:cNvSpPr>
             <a:spLocks noGrp="1"/>
           </p:cNvSpPr>
@@ -2760,8 +4427,8 @@
         </p:nvSpPr>
         <p:spPr>
           <a:xfrm>
-            <a:off x="3124200" y="6356350"/>
-            <a:ext cx="2895600" cy="365125"/>
+            <a:off x="3517514" y="6285122"/>
+            <a:ext cx="4724400" cy="274320"/>
           </a:xfrm>
           <a:prstGeom prst="rect">
             <a:avLst/>
@@ -2770,12 +4437,10 @@
         <p:txBody>
           <a:bodyPr vert="horz" lIns="91440" tIns="45720" rIns="91440" bIns="45720" rtlCol="0" anchor="ctr"/>
           <a:lstStyle>
-            <a:lvl1pPr algn="ctr">
-              <a:defRPr sz="1200">
+            <a:lvl1pPr algn="r">
+              <a:defRPr sz="1000" cap="all" spc="200" baseline="0">
                 <a:solidFill>
-                  <a:schemeClr val="tx1">
-                    <a:tint val="75000"/>
-                  </a:schemeClr>
+                  <a:srgbClr val="FFFFFF"/>
                 </a:solidFill>
               </a:defRPr>
             </a:lvl1pPr>
@@ -2787,7 +4452,7 @@
       </p:sp>
       <p:sp>
         <p:nvSpPr>
-          <p:cNvPr id="6" name="Symbol zastępczy numeru slajdu 5"/>
+          <p:cNvPr id="6" name="Slide Number Placeholder 5"/>
           <p:cNvSpPr>
             <a:spLocks noGrp="1"/>
           </p:cNvSpPr>
@@ -2797,22 +4462,27 @@
         </p:nvSpPr>
         <p:spPr>
           <a:xfrm>
-            <a:off x="6553200" y="6356350"/>
-            <a:ext cx="2133600" cy="365125"/>
+            <a:off x="8401038" y="6170822"/>
+            <a:ext cx="502920" cy="502920"/>
           </a:xfrm>
-          <a:prstGeom prst="rect">
+          <a:prstGeom prst="ellipse">
             <a:avLst/>
           </a:prstGeom>
+          <a:ln w="19050">
+            <a:solidFill>
+              <a:srgbClr val="FFFFFF"/>
+            </a:solidFill>
+          </a:ln>
         </p:spPr>
         <p:txBody>
-          <a:bodyPr vert="horz" lIns="91440" tIns="45720" rIns="91440" bIns="45720" rtlCol="0" anchor="ctr"/>
+          <a:bodyPr vert="horz" lIns="9144" tIns="9144" rIns="9144" bIns="9144" rtlCol="0" anchor="ctr">
+            <a:normAutofit/>
+          </a:bodyPr>
           <a:lstStyle>
-            <a:lvl1pPr algn="r">
-              <a:defRPr sz="1200">
+            <a:lvl1pPr algn="ctr">
+              <a:defRPr sz="1650">
                 <a:solidFill>
-                  <a:schemeClr val="tx1">
-                    <a:tint val="75000"/>
-                  </a:schemeClr>
+                  <a:srgbClr val="FFFFFF"/>
                 </a:solidFill>
               </a:defRPr>
             </a:lvl1pPr>
@@ -2827,34 +4497,29 @@
         </p:txBody>
       </p:sp>
     </p:spTree>
-    <p:extLst>
-      <p:ext uri="{BB962C8B-B14F-4D97-AF65-F5344CB8AC3E}">
-        <p14:creationId xmlns:p14="http://schemas.microsoft.com/office/powerpoint/2010/main" val="3903754925"/>
-      </p:ext>
-    </p:extLst>
   </p:cSld>
   <p:clrMap bg1="lt1" tx1="dk1" bg2="lt2" tx2="dk2" accent1="accent1" accent2="accent2" accent3="accent3" accent4="accent4" accent5="accent5" accent6="accent6" hlink="hlink" folHlink="folHlink"/>
   <p:sldLayoutIdLst>
-    <p:sldLayoutId id="2147483649" r:id="rId1"/>
-    <p:sldLayoutId id="2147483650" r:id="rId2"/>
-    <p:sldLayoutId id="2147483651" r:id="rId3"/>
-    <p:sldLayoutId id="2147483652" r:id="rId4"/>
-    <p:sldLayoutId id="2147483653" r:id="rId5"/>
-    <p:sldLayoutId id="2147483654" r:id="rId6"/>
-    <p:sldLayoutId id="2147483655" r:id="rId7"/>
-    <p:sldLayoutId id="2147483656" r:id="rId8"/>
-    <p:sldLayoutId id="2147483657" r:id="rId9"/>
-    <p:sldLayoutId id="2147483658" r:id="rId10"/>
-    <p:sldLayoutId id="2147483659" r:id="rId11"/>
+    <p:sldLayoutId id="2147483745" r:id="rId1"/>
+    <p:sldLayoutId id="2147483746" r:id="rId2"/>
+    <p:sldLayoutId id="2147483747" r:id="rId3"/>
+    <p:sldLayoutId id="2147483748" r:id="rId4"/>
+    <p:sldLayoutId id="2147483749" r:id="rId5"/>
+    <p:sldLayoutId id="2147483750" r:id="rId6"/>
+    <p:sldLayoutId id="2147483751" r:id="rId7"/>
+    <p:sldLayoutId id="2147483752" r:id="rId8"/>
+    <p:sldLayoutId id="2147483753" r:id="rId9"/>
+    <p:sldLayoutId id="2147483754" r:id="rId10"/>
+    <p:sldLayoutId id="2147483755" r:id="rId11"/>
   </p:sldLayoutIdLst>
   <p:txStyles>
     <p:titleStyle>
-      <a:lvl1pPr algn="ctr" defTabSz="914400" rtl="0" eaLnBrk="1" latinLnBrk="0" hangingPunct="1">
+      <a:lvl1pPr algn="l" defTabSz="914400" rtl="0" eaLnBrk="1" latinLnBrk="0" hangingPunct="1">
         <a:spcBef>
           <a:spcPct val="0"/>
         </a:spcBef>
         <a:buNone/>
-        <a:defRPr sz="4400" kern="1200">
+        <a:defRPr sz="2800" kern="1200" cap="all" baseline="0">
           <a:solidFill>
             <a:schemeClr val="tx1"/>
           </a:solidFill>
@@ -2867,11 +4532,11 @@
     <p:bodyStyle>
       <a:lvl1pPr marL="342900" indent="-342900" algn="l" defTabSz="914400" rtl="0" eaLnBrk="1" latinLnBrk="0" hangingPunct="1">
         <a:spcBef>
-          <a:spcPct val="20000"/>
+          <a:spcPts val="800"/>
         </a:spcBef>
-        <a:buFont typeface="Arial" panose="020B0604020202020204" pitchFamily="34" charset="0"/>
-        <a:buChar char="•"/>
-        <a:defRPr sz="3200" kern="1200">
+        <a:buFont typeface="Arial" pitchFamily="34" charset="0"/>
+        <a:buNone/>
+        <a:defRPr sz="1600" b="1" kern="1200">
           <a:solidFill>
             <a:schemeClr val="tx1"/>
           </a:solidFill>
@@ -2880,13 +4545,16 @@
           <a:cs typeface="+mn-cs"/>
         </a:defRPr>
       </a:lvl1pPr>
-      <a:lvl2pPr marL="742950" indent="-285750" algn="l" defTabSz="914400" rtl="0" eaLnBrk="1" latinLnBrk="0" hangingPunct="1">
+      <a:lvl2pPr marL="173736" indent="-173736" algn="l" defTabSz="914400" rtl="0" eaLnBrk="1" latinLnBrk="0" hangingPunct="1">
         <a:spcBef>
-          <a:spcPct val="20000"/>
+          <a:spcPts val="300"/>
         </a:spcBef>
-        <a:buFont typeface="Arial" panose="020B0604020202020204" pitchFamily="34" charset="0"/>
-        <a:buChar char="–"/>
-        <a:defRPr sz="2800" kern="1200">
+        <a:buClr>
+          <a:schemeClr val="accent2"/>
+        </a:buClr>
+        <a:buFont typeface="Wingdings" pitchFamily="2" charset="2"/>
+        <a:buChar char="§"/>
+        <a:defRPr sz="1600" kern="1200">
           <a:solidFill>
             <a:schemeClr val="tx1"/>
           </a:solidFill>
@@ -2895,13 +4563,16 @@
           <a:cs typeface="+mn-cs"/>
         </a:defRPr>
       </a:lvl2pPr>
-      <a:lvl3pPr marL="1143000" indent="-228600" algn="l" defTabSz="914400" rtl="0" eaLnBrk="1" latinLnBrk="0" hangingPunct="1">
+      <a:lvl3pPr marL="402336" indent="-164592" algn="l" defTabSz="914400" rtl="0" eaLnBrk="1" latinLnBrk="0" hangingPunct="1">
         <a:spcBef>
-          <a:spcPct val="20000"/>
+          <a:spcPts val="300"/>
         </a:spcBef>
-        <a:buFont typeface="Arial" panose="020B0604020202020204" pitchFamily="34" charset="0"/>
-        <a:buChar char="•"/>
-        <a:defRPr sz="2400" kern="1200">
+        <a:buClr>
+          <a:schemeClr val="accent2"/>
+        </a:buClr>
+        <a:buFont typeface="Wingdings" pitchFamily="2" charset="2"/>
+        <a:buChar char="§"/>
+        <a:defRPr sz="1600" kern="1200">
           <a:solidFill>
             <a:schemeClr val="tx1"/>
           </a:solidFill>
@@ -2910,13 +4581,16 @@
           <a:cs typeface="+mn-cs"/>
         </a:defRPr>
       </a:lvl3pPr>
-      <a:lvl4pPr marL="1600200" indent="-228600" algn="l" defTabSz="914400" rtl="0" eaLnBrk="1" latinLnBrk="0" hangingPunct="1">
+      <a:lvl4pPr marL="630936" indent="-164592" algn="l" defTabSz="914400" rtl="0" eaLnBrk="1" latinLnBrk="0" hangingPunct="1">
         <a:spcBef>
-          <a:spcPct val="20000"/>
+          <a:spcPts val="300"/>
         </a:spcBef>
-        <a:buFont typeface="Arial" panose="020B0604020202020204" pitchFamily="34" charset="0"/>
-        <a:buChar char="–"/>
-        <a:defRPr sz="2000" kern="1200">
+        <a:buClr>
+          <a:schemeClr val="accent2"/>
+        </a:buClr>
+        <a:buFont typeface="Wingdings" pitchFamily="2" charset="2"/>
+        <a:buChar char="§"/>
+        <a:defRPr sz="1600" kern="1200">
           <a:solidFill>
             <a:schemeClr val="tx1"/>
           </a:solidFill>
@@ -2925,13 +4599,16 @@
           <a:cs typeface="+mn-cs"/>
         </a:defRPr>
       </a:lvl4pPr>
-      <a:lvl5pPr marL="2057400" indent="-228600" algn="l" defTabSz="914400" rtl="0" eaLnBrk="1" latinLnBrk="0" hangingPunct="1">
+      <a:lvl5pPr marL="859536" indent="-173736" algn="l" defTabSz="914400" rtl="0" eaLnBrk="1" latinLnBrk="0" hangingPunct="1">
         <a:spcBef>
-          <a:spcPct val="20000"/>
+          <a:spcPts val="300"/>
         </a:spcBef>
-        <a:buFont typeface="Arial" panose="020B0604020202020204" pitchFamily="34" charset="0"/>
-        <a:buChar char="»"/>
-        <a:defRPr sz="2000" kern="1200">
+        <a:buClr>
+          <a:schemeClr val="accent2"/>
+        </a:buClr>
+        <a:buFont typeface="Wingdings" pitchFamily="2" charset="2"/>
+        <a:buChar char="§"/>
+        <a:defRPr sz="1600" kern="1200">
           <a:solidFill>
             <a:schemeClr val="tx1"/>
           </a:solidFill>
@@ -2940,13 +4617,16 @@
           <a:cs typeface="+mn-cs"/>
         </a:defRPr>
       </a:lvl5pPr>
-      <a:lvl6pPr marL="2514600" indent="-228600" algn="l" defTabSz="914400" rtl="0" eaLnBrk="1" latinLnBrk="0" hangingPunct="1">
+      <a:lvl6pPr marL="1097280" indent="-173736" algn="l" defTabSz="914400" rtl="0" eaLnBrk="1" latinLnBrk="0" hangingPunct="1">
         <a:spcBef>
-          <a:spcPct val="20000"/>
+          <a:spcPts val="300"/>
         </a:spcBef>
-        <a:buFont typeface="Arial" panose="020B0604020202020204" pitchFamily="34" charset="0"/>
-        <a:buChar char="•"/>
-        <a:defRPr sz="2000" kern="1200">
+        <a:buClr>
+          <a:schemeClr val="accent2"/>
+        </a:buClr>
+        <a:buFont typeface="Wingdings" pitchFamily="2" charset="2"/>
+        <a:buChar char="§"/>
+        <a:defRPr sz="1400" kern="1200">
           <a:solidFill>
             <a:schemeClr val="tx1"/>
           </a:solidFill>
@@ -2955,13 +4635,16 @@
           <a:cs typeface="+mn-cs"/>
         </a:defRPr>
       </a:lvl6pPr>
-      <a:lvl7pPr marL="2971800" indent="-228600" algn="l" defTabSz="914400" rtl="0" eaLnBrk="1" latinLnBrk="0" hangingPunct="1">
+      <a:lvl7pPr marL="1353312" indent="-164592" algn="l" defTabSz="914400" rtl="0" eaLnBrk="1" latinLnBrk="0" hangingPunct="1">
         <a:spcBef>
-          <a:spcPct val="20000"/>
+          <a:spcPts val="300"/>
         </a:spcBef>
-        <a:buFont typeface="Arial" panose="020B0604020202020204" pitchFamily="34" charset="0"/>
-        <a:buChar char="•"/>
-        <a:defRPr sz="2000" kern="1200">
+        <a:buClr>
+          <a:schemeClr val="accent2"/>
+        </a:buClr>
+        <a:buFont typeface="Wingdings" pitchFamily="2" charset="2"/>
+        <a:buChar char="§"/>
+        <a:defRPr sz="1400" kern="1200">
           <a:solidFill>
             <a:schemeClr val="tx1"/>
           </a:solidFill>
@@ -2970,13 +4653,16 @@
           <a:cs typeface="+mn-cs"/>
         </a:defRPr>
       </a:lvl7pPr>
-      <a:lvl8pPr marL="3429000" indent="-228600" algn="l" defTabSz="914400" rtl="0" eaLnBrk="1" latinLnBrk="0" hangingPunct="1">
+      <a:lvl8pPr marL="1581912" indent="-164592" algn="l" defTabSz="914400" rtl="0" eaLnBrk="1" latinLnBrk="0" hangingPunct="1">
         <a:spcBef>
-          <a:spcPct val="20000"/>
+          <a:spcPts val="300"/>
         </a:spcBef>
-        <a:buFont typeface="Arial" panose="020B0604020202020204" pitchFamily="34" charset="0"/>
-        <a:buChar char="•"/>
-        <a:defRPr sz="2000" kern="1200">
+        <a:buClr>
+          <a:schemeClr val="accent2"/>
+        </a:buClr>
+        <a:buFont typeface="Wingdings" pitchFamily="2" charset="2"/>
+        <a:buChar char="§"/>
+        <a:defRPr sz="1400" kern="1200">
           <a:solidFill>
             <a:schemeClr val="tx1"/>
           </a:solidFill>
@@ -2985,13 +4671,16 @@
           <a:cs typeface="+mn-cs"/>
         </a:defRPr>
       </a:lvl8pPr>
-      <a:lvl9pPr marL="3886200" indent="-228600" algn="l" defTabSz="914400" rtl="0" eaLnBrk="1" latinLnBrk="0" hangingPunct="1">
+      <a:lvl9pPr marL="1792224" indent="-164592" algn="l" defTabSz="914400" rtl="0" eaLnBrk="1" latinLnBrk="0" hangingPunct="1">
         <a:spcBef>
-          <a:spcPct val="20000"/>
+          <a:spcPts val="300"/>
         </a:spcBef>
-        <a:buFont typeface="Arial" panose="020B0604020202020204" pitchFamily="34" charset="0"/>
-        <a:buChar char="•"/>
-        <a:defRPr sz="2000" kern="1200">
+        <a:buClr>
+          <a:schemeClr val="accent2"/>
+        </a:buClr>
+        <a:buFont typeface="Wingdings" pitchFamily="2" charset="2"/>
+        <a:buChar char="§"/>
+        <a:defRPr sz="1400" kern="1200">
           <a:solidFill>
             <a:schemeClr val="tx1"/>
           </a:solidFill>
@@ -3003,7 +4692,7 @@
     </p:bodyStyle>
     <p:otherStyle>
       <a:defPPr>
-        <a:defRPr lang="pl-PL"/>
+        <a:defRPr lang="en-US"/>
       </a:defPPr>
       <a:lvl1pPr marL="0" algn="l" defTabSz="914400" rtl="0" eaLnBrk="1" latinLnBrk="0" hangingPunct="1">
         <a:defRPr sz="1800" kern="1200">
@@ -3133,10 +4822,10 @@
           <a:lstStyle/>
           <a:p>
             <a:r>
-              <a:rPr lang="pl-PL" dirty="0" smtClean="0"/>
+              <a:rPr lang="pl-PL" sz="4000" dirty="0" smtClean="0"/>
               <a:t>Metody Data Science</a:t>
             </a:r>
-            <a:endParaRPr lang="pl-PL" dirty="0"/>
+            <a:endParaRPr lang="pl-PL" sz="4000" dirty="0"/>
           </a:p>
         </p:txBody>
       </p:sp>
@@ -3160,6 +4849,234 @@
               <a:t>Wypadki drogowe na terenie Wielkiej Brytanii</a:t>
             </a:r>
             <a:endParaRPr lang="pl-PL" dirty="0"/>
+          </a:p>
+        </p:txBody>
+      </p:sp>
+      <p:sp>
+        <p:nvSpPr>
+          <p:cNvPr id="4" name="Podtytuł 2"/>
+          <p:cNvSpPr txBox="1">
+            <a:spLocks/>
+          </p:cNvSpPr>
+          <p:nvPr/>
+        </p:nvSpPr>
+        <p:spPr>
+          <a:xfrm rot="19140000">
+            <a:off x="2128162" y="2654164"/>
+            <a:ext cx="6511131" cy="2008898"/>
+          </a:xfrm>
+          <a:prstGeom prst="rect">
+            <a:avLst/>
+          </a:prstGeom>
+        </p:spPr>
+        <p:txBody>
+          <a:bodyPr vert="horz" lIns="91440" tIns="9144" rIns="91440" bIns="45720" rtlCol="0">
+            <a:normAutofit/>
+          </a:bodyPr>
+          <a:lstStyle>
+            <a:lvl1pPr marL="0" indent="0" algn="l" defTabSz="914400" rtl="0" eaLnBrk="1" latinLnBrk="0" hangingPunct="1">
+              <a:spcBef>
+                <a:spcPts val="800"/>
+              </a:spcBef>
+              <a:buFont typeface="Arial" pitchFamily="34" charset="0"/>
+              <a:buNone/>
+              <a:defRPr kumimoji="0" lang="en-US" sz="1400" b="0" i="0" u="none" strike="noStrike" kern="1200" cap="all" spc="400" normalizeH="0" baseline="0" noProof="0" dirty="0" smtClean="0">
+                <a:ln>
+                  <a:noFill/>
+                </a:ln>
+                <a:solidFill>
+                  <a:schemeClr val="tx1"/>
+                </a:solidFill>
+                <a:effectLst/>
+                <a:uLnTx/>
+                <a:uFillTx/>
+                <a:latin typeface="+mn-lt"/>
+                <a:ea typeface="+mj-ea"/>
+                <a:cs typeface="Tunga" pitchFamily="2"/>
+              </a:defRPr>
+            </a:lvl1pPr>
+            <a:lvl2pPr marL="457200" indent="0" algn="ctr" defTabSz="914400" rtl="0" eaLnBrk="1" latinLnBrk="0" hangingPunct="1">
+              <a:spcBef>
+                <a:spcPts val="300"/>
+              </a:spcBef>
+              <a:buClr>
+                <a:schemeClr val="accent2"/>
+              </a:buClr>
+              <a:buFont typeface="Wingdings" pitchFamily="2" charset="2"/>
+              <a:buNone/>
+              <a:defRPr sz="1600" kern="1200">
+                <a:solidFill>
+                  <a:schemeClr val="tx1">
+                    <a:tint val="75000"/>
+                  </a:schemeClr>
+                </a:solidFill>
+                <a:latin typeface="+mn-lt"/>
+                <a:ea typeface="+mn-ea"/>
+                <a:cs typeface="+mn-cs"/>
+              </a:defRPr>
+            </a:lvl2pPr>
+            <a:lvl3pPr marL="914400" indent="0" algn="ctr" defTabSz="914400" rtl="0" eaLnBrk="1" latinLnBrk="0" hangingPunct="1">
+              <a:spcBef>
+                <a:spcPts val="300"/>
+              </a:spcBef>
+              <a:buClr>
+                <a:schemeClr val="accent2"/>
+              </a:buClr>
+              <a:buFont typeface="Wingdings" pitchFamily="2" charset="2"/>
+              <a:buNone/>
+              <a:defRPr sz="1600" kern="1200">
+                <a:solidFill>
+                  <a:schemeClr val="tx1">
+                    <a:tint val="75000"/>
+                  </a:schemeClr>
+                </a:solidFill>
+                <a:latin typeface="+mn-lt"/>
+                <a:ea typeface="+mn-ea"/>
+                <a:cs typeface="+mn-cs"/>
+              </a:defRPr>
+            </a:lvl3pPr>
+            <a:lvl4pPr marL="1371600" indent="0" algn="ctr" defTabSz="914400" rtl="0" eaLnBrk="1" latinLnBrk="0" hangingPunct="1">
+              <a:spcBef>
+                <a:spcPts val="300"/>
+              </a:spcBef>
+              <a:buClr>
+                <a:schemeClr val="accent2"/>
+              </a:buClr>
+              <a:buFont typeface="Wingdings" pitchFamily="2" charset="2"/>
+              <a:buNone/>
+              <a:defRPr sz="1600" kern="1200">
+                <a:solidFill>
+                  <a:schemeClr val="tx1">
+                    <a:tint val="75000"/>
+                  </a:schemeClr>
+                </a:solidFill>
+                <a:latin typeface="+mn-lt"/>
+                <a:ea typeface="+mn-ea"/>
+                <a:cs typeface="+mn-cs"/>
+              </a:defRPr>
+            </a:lvl4pPr>
+            <a:lvl5pPr marL="1828800" indent="0" algn="ctr" defTabSz="914400" rtl="0" eaLnBrk="1" latinLnBrk="0" hangingPunct="1">
+              <a:spcBef>
+                <a:spcPts val="300"/>
+              </a:spcBef>
+              <a:buClr>
+                <a:schemeClr val="accent2"/>
+              </a:buClr>
+              <a:buFont typeface="Wingdings" pitchFamily="2" charset="2"/>
+              <a:buNone/>
+              <a:defRPr sz="1600" kern="1200">
+                <a:solidFill>
+                  <a:schemeClr val="tx1">
+                    <a:tint val="75000"/>
+                  </a:schemeClr>
+                </a:solidFill>
+                <a:latin typeface="+mn-lt"/>
+                <a:ea typeface="+mn-ea"/>
+                <a:cs typeface="+mn-cs"/>
+              </a:defRPr>
+            </a:lvl5pPr>
+            <a:lvl6pPr marL="2286000" indent="0" algn="ctr" defTabSz="914400" rtl="0" eaLnBrk="1" latinLnBrk="0" hangingPunct="1">
+              <a:spcBef>
+                <a:spcPts val="300"/>
+              </a:spcBef>
+              <a:buClr>
+                <a:schemeClr val="accent2"/>
+              </a:buClr>
+              <a:buFont typeface="Wingdings" pitchFamily="2" charset="2"/>
+              <a:buNone/>
+              <a:defRPr sz="1400" kern="1200">
+                <a:solidFill>
+                  <a:schemeClr val="tx1">
+                    <a:tint val="75000"/>
+                  </a:schemeClr>
+                </a:solidFill>
+                <a:latin typeface="+mn-lt"/>
+                <a:ea typeface="+mn-ea"/>
+                <a:cs typeface="+mn-cs"/>
+              </a:defRPr>
+            </a:lvl6pPr>
+            <a:lvl7pPr marL="2743200" indent="0" algn="ctr" defTabSz="914400" rtl="0" eaLnBrk="1" latinLnBrk="0" hangingPunct="1">
+              <a:spcBef>
+                <a:spcPts val="300"/>
+              </a:spcBef>
+              <a:buClr>
+                <a:schemeClr val="accent2"/>
+              </a:buClr>
+              <a:buFont typeface="Wingdings" pitchFamily="2" charset="2"/>
+              <a:buNone/>
+              <a:defRPr sz="1400" kern="1200">
+                <a:solidFill>
+                  <a:schemeClr val="tx1">
+                    <a:tint val="75000"/>
+                  </a:schemeClr>
+                </a:solidFill>
+                <a:latin typeface="+mn-lt"/>
+                <a:ea typeface="+mn-ea"/>
+                <a:cs typeface="+mn-cs"/>
+              </a:defRPr>
+            </a:lvl7pPr>
+            <a:lvl8pPr marL="3200400" indent="0" algn="ctr" defTabSz="914400" rtl="0" eaLnBrk="1" latinLnBrk="0" hangingPunct="1">
+              <a:spcBef>
+                <a:spcPts val="300"/>
+              </a:spcBef>
+              <a:buClr>
+                <a:schemeClr val="accent2"/>
+              </a:buClr>
+              <a:buFont typeface="Wingdings" pitchFamily="2" charset="2"/>
+              <a:buNone/>
+              <a:defRPr sz="1400" kern="1200">
+                <a:solidFill>
+                  <a:schemeClr val="tx1">
+                    <a:tint val="75000"/>
+                  </a:schemeClr>
+                </a:solidFill>
+                <a:latin typeface="+mn-lt"/>
+                <a:ea typeface="+mn-ea"/>
+                <a:cs typeface="+mn-cs"/>
+              </a:defRPr>
+            </a:lvl8pPr>
+            <a:lvl9pPr marL="3657600" indent="0" algn="ctr" defTabSz="914400" rtl="0" eaLnBrk="1" latinLnBrk="0" hangingPunct="1">
+              <a:spcBef>
+                <a:spcPts val="300"/>
+              </a:spcBef>
+              <a:buClr>
+                <a:schemeClr val="accent2"/>
+              </a:buClr>
+              <a:buFont typeface="Wingdings" pitchFamily="2" charset="2"/>
+              <a:buNone/>
+              <a:defRPr sz="1400" kern="1200">
+                <a:solidFill>
+                  <a:schemeClr val="tx1">
+                    <a:tint val="75000"/>
+                  </a:schemeClr>
+                </a:solidFill>
+                <a:latin typeface="+mn-lt"/>
+                <a:ea typeface="+mn-ea"/>
+                <a:cs typeface="+mn-cs"/>
+              </a:defRPr>
+            </a:lvl9pPr>
+          </a:lstStyle>
+          <a:p>
+            <a:r>
+              <a:rPr lang="pl-PL" dirty="0" err="1" smtClean="0"/>
+              <a:t>Izert</a:t>
+            </a:r>
+            <a:r>
+              <a:rPr lang="pl-PL" dirty="0" smtClean="0"/>
+              <a:t> Piotr</a:t>
+            </a:r>
+          </a:p>
+          <a:p>
+            <a:r>
+              <a:rPr lang="pl-PL" dirty="0" smtClean="0"/>
+              <a:t>Rząd Przemysław</a:t>
+            </a:r>
+          </a:p>
+          <a:p>
+            <a:r>
+              <a:rPr lang="pl-PL" dirty="0" smtClean="0"/>
+              <a:t>Zawadzka Anna</a:t>
+            </a:r>
           </a:p>
         </p:txBody>
       </p:sp>
@@ -3208,11 +5125,12 @@
           <a:bodyPr/>
           <a:lstStyle/>
           <a:p>
-            <a:r>
-              <a:rPr lang="pl-PL" dirty="0" smtClean="0"/>
+            <a:pPr algn="ctr"/>
+            <a:r>
+              <a:rPr lang="pl-PL" sz="3600" dirty="0" smtClean="0"/>
               <a:t>Źródła danych</a:t>
             </a:r>
-            <a:endParaRPr lang="pl-PL" dirty="0"/>
+            <a:endParaRPr lang="pl-PL" sz="3600" dirty="0"/>
           </a:p>
         </p:txBody>
       </p:sp>
@@ -3229,24 +5147,34 @@
         <p:spPr/>
         <p:txBody>
           <a:bodyPr>
-            <a:normAutofit/>
+            <a:normAutofit fontScale="92500" lnSpcReduction="20000"/>
           </a:bodyPr>
           <a:lstStyle/>
           <a:p>
             <a:pPr marL="0" indent="0">
               <a:buNone/>
             </a:pPr>
-            <a:r>
-              <a:rPr lang="pl-PL" sz="2400" dirty="0" smtClean="0"/>
-              <a:t>https://data.gov.uk/dataset/road-accidents-safety-data </a:t>
-            </a:r>
+            <a:endParaRPr lang="pl-PL" sz="2400" b="0" dirty="0" smtClean="0"/>
           </a:p>
           <a:p>
             <a:pPr marL="0" indent="0">
               <a:buNone/>
             </a:pPr>
             <a:r>
-              <a:rPr lang="pl-PL" sz="2400" dirty="0" smtClean="0"/>
+              <a:rPr lang="pl-PL" sz="2400" b="0" dirty="0" smtClean="0"/>
+              <a:t>https</a:t>
+            </a:r>
+            <a:r>
+              <a:rPr lang="pl-PL" sz="2400" b="0" dirty="0" smtClean="0"/>
+              <a:t>://data.gov.uk/dataset/road-accidents-safety-data </a:t>
+            </a:r>
+          </a:p>
+          <a:p>
+            <a:pPr marL="0" indent="0">
+              <a:buNone/>
+            </a:pPr>
+            <a:r>
+              <a:rPr lang="pl-PL" sz="2400" b="0" dirty="0" smtClean="0"/>
               <a:t>https://data.gov.uk/dataset/dft-eng-srn-routes-journey-times</a:t>
             </a:r>
           </a:p>
@@ -3257,30 +5185,50 @@
             <a:endParaRPr lang="pl-PL" sz="2400" dirty="0"/>
           </a:p>
           <a:p>
+            <a:pPr>
+              <a:buFont typeface="Wingdings" panose="05000000000000000000" pitchFamily="2" charset="2"/>
+              <a:buChar char="§"/>
+            </a:pPr>
             <a:r>
               <a:rPr lang="pl-PL" sz="2400" dirty="0" smtClean="0"/>
               <a:t>Wypadki</a:t>
             </a:r>
           </a:p>
           <a:p>
+            <a:pPr>
+              <a:buFont typeface="Wingdings" panose="05000000000000000000" pitchFamily="2" charset="2"/>
+              <a:buChar char="§"/>
+            </a:pPr>
             <a:r>
               <a:rPr lang="pl-PL" sz="2400" dirty="0" smtClean="0"/>
               <a:t>Poszkodowani</a:t>
             </a:r>
           </a:p>
           <a:p>
+            <a:pPr>
+              <a:buFont typeface="Wingdings" panose="05000000000000000000" pitchFamily="2" charset="2"/>
+              <a:buChar char="§"/>
+            </a:pPr>
             <a:r>
               <a:rPr lang="pl-PL" sz="2400" dirty="0" smtClean="0"/>
               <a:t>Samochody</a:t>
             </a:r>
           </a:p>
           <a:p>
+            <a:pPr>
+              <a:buFont typeface="Wingdings" panose="05000000000000000000" pitchFamily="2" charset="2"/>
+              <a:buChar char="§"/>
+            </a:pPr>
             <a:r>
               <a:rPr lang="pl-PL" sz="2400" dirty="0" smtClean="0"/>
               <a:t>Modele i marki samochodów</a:t>
             </a:r>
           </a:p>
           <a:p>
+            <a:pPr>
+              <a:buFont typeface="Wingdings" panose="05000000000000000000" pitchFamily="2" charset="2"/>
+              <a:buChar char="§"/>
+            </a:pPr>
             <a:r>
               <a:rPr lang="pl-PL" sz="2400" dirty="0" smtClean="0"/>
               <a:t>Prędkości przejazdów na odcinkach dróg</a:t>
@@ -3337,15 +5285,16 @@
         <p:spPr/>
         <p:txBody>
           <a:bodyPr>
-            <a:normAutofit/>
+            <a:noAutofit/>
           </a:bodyPr>
           <a:lstStyle/>
           <a:p>
-            <a:r>
-              <a:rPr lang="pl-PL" dirty="0" smtClean="0"/>
+            <a:pPr algn="ctr"/>
+            <a:r>
+              <a:rPr lang="pl-PL" sz="3600" dirty="0" smtClean="0"/>
               <a:t>Narzędzia</a:t>
             </a:r>
-            <a:endParaRPr lang="pl-PL" dirty="0"/>
+            <a:endParaRPr lang="pl-PL" sz="3600" dirty="0"/>
           </a:p>
         </p:txBody>
       </p:sp>
@@ -3364,49 +5313,214 @@
           <a:bodyPr/>
           <a:lstStyle/>
           <a:p>
-            <a:r>
-              <a:rPr lang="pl-PL" dirty="0" smtClean="0"/>
-              <a:t>Maszyna </a:t>
-            </a:r>
-            <a:r>
-              <a:rPr lang="pl-PL" dirty="0" smtClean="0"/>
-              <a:t>wirtualna Hortonworks Sandbox (HDP 2.4) </a:t>
-            </a:r>
-          </a:p>
-          <a:p>
-            <a:r>
-              <a:rPr lang="pl-PL" dirty="0" err="1" smtClean="0"/>
+            <a:pPr>
+              <a:buFont typeface="Wingdings" panose="05000000000000000000" pitchFamily="2" charset="2"/>
+              <a:buChar char="§"/>
+            </a:pPr>
+            <a:r>
+              <a:rPr lang="pl-PL" sz="2400" b="0" dirty="0" smtClean="0"/>
+              <a:t>Maszyna wirtualna Hortonworks Sandbox (HDP 2.4) </a:t>
+            </a:r>
+          </a:p>
+          <a:p>
+            <a:pPr>
+              <a:buFont typeface="Wingdings" panose="05000000000000000000" pitchFamily="2" charset="2"/>
+              <a:buChar char="§"/>
+            </a:pPr>
+            <a:r>
+              <a:rPr lang="pl-PL" sz="2400" b="0" dirty="0" err="1" smtClean="0"/>
               <a:t>Flume</a:t>
             </a:r>
             <a:r>
-              <a:rPr lang="pl-PL" dirty="0" smtClean="0"/>
+              <a:rPr lang="pl-PL" sz="2400" b="0" dirty="0" smtClean="0"/>
               <a:t> </a:t>
             </a:r>
           </a:p>
           <a:p>
-            <a:r>
-              <a:rPr lang="pl-PL" dirty="0" smtClean="0"/>
+            <a:pPr>
+              <a:buFont typeface="Wingdings" panose="05000000000000000000" pitchFamily="2" charset="2"/>
+              <a:buChar char="§"/>
+            </a:pPr>
+            <a:r>
+              <a:rPr lang="pl-PL" sz="2400" b="0" dirty="0" smtClean="0"/>
               <a:t>Spark </a:t>
             </a:r>
           </a:p>
           <a:p>
-            <a:r>
-              <a:rPr lang="pl-PL" dirty="0" smtClean="0"/>
+            <a:pPr>
+              <a:buFont typeface="Wingdings" panose="05000000000000000000" pitchFamily="2" charset="2"/>
+              <a:buChar char="§"/>
+            </a:pPr>
+            <a:r>
+              <a:rPr lang="pl-PL" sz="2400" b="0" dirty="0" smtClean="0"/>
               <a:t>HDFS</a:t>
             </a:r>
           </a:p>
           <a:p>
-            <a:r>
-              <a:rPr lang="pl-PL" dirty="0" smtClean="0"/>
+            <a:pPr>
+              <a:buFont typeface="Wingdings" panose="05000000000000000000" pitchFamily="2" charset="2"/>
+              <a:buChar char="§"/>
+            </a:pPr>
+            <a:r>
+              <a:rPr lang="pl-PL" sz="2400" b="0" dirty="0" smtClean="0"/>
               <a:t>Python</a:t>
             </a:r>
-            <a:endParaRPr lang="pl-PL" dirty="0" smtClean="0"/>
           </a:p>
           <a:p>
             <a:endParaRPr lang="pl-PL" dirty="0"/>
           </a:p>
         </p:txBody>
       </p:sp>
+      <p:pic>
+        <p:nvPicPr>
+          <p:cNvPr id="5" name="Obraz 4"/>
+          <p:cNvPicPr>
+            <a:picLocks noChangeAspect="1"/>
+          </p:cNvPicPr>
+          <p:nvPr/>
+        </p:nvPicPr>
+        <p:blipFill>
+          <a:blip r:embed="rId2">
+            <a:extLst>
+              <a:ext uri="{28A0092B-C50C-407E-A947-70E740481C1C}">
+                <a14:useLocalDpi xmlns:a14="http://schemas.microsoft.com/office/drawing/2010/main" val="0"/>
+              </a:ext>
+            </a:extLst>
+          </a:blip>
+          <a:stretch>
+            <a:fillRect/>
+          </a:stretch>
+        </p:blipFill>
+        <p:spPr>
+          <a:xfrm>
+            <a:off x="5320410" y="1938583"/>
+            <a:ext cx="3240360" cy="1224779"/>
+          </a:xfrm>
+          <a:prstGeom prst="rect">
+            <a:avLst/>
+          </a:prstGeom>
+        </p:spPr>
+      </p:pic>
+      <p:pic>
+        <p:nvPicPr>
+          <p:cNvPr id="6" name="Obraz 5"/>
+          <p:cNvPicPr>
+            <a:picLocks noChangeAspect="1"/>
+          </p:cNvPicPr>
+          <p:nvPr/>
+        </p:nvPicPr>
+        <p:blipFill>
+          <a:blip r:embed="rId3">
+            <a:extLst>
+              <a:ext uri="{28A0092B-C50C-407E-A947-70E740481C1C}">
+                <a14:useLocalDpi xmlns:a14="http://schemas.microsoft.com/office/drawing/2010/main" val="0"/>
+              </a:ext>
+            </a:extLst>
+          </a:blip>
+          <a:stretch>
+            <a:fillRect/>
+          </a:stretch>
+        </p:blipFill>
+        <p:spPr>
+          <a:xfrm>
+            <a:off x="3240781" y="1741348"/>
+            <a:ext cx="1619250" cy="1619250"/>
+          </a:xfrm>
+          <a:prstGeom prst="rect">
+            <a:avLst/>
+          </a:prstGeom>
+        </p:spPr>
+      </p:pic>
+      <p:pic>
+        <p:nvPicPr>
+          <p:cNvPr id="7" name="Obraz 6"/>
+          <p:cNvPicPr>
+            <a:picLocks noChangeAspect="1"/>
+          </p:cNvPicPr>
+          <p:nvPr/>
+        </p:nvPicPr>
+        <p:blipFill>
+          <a:blip r:embed="rId4">
+            <a:extLst>
+              <a:ext uri="{28A0092B-C50C-407E-A947-70E740481C1C}">
+                <a14:useLocalDpi xmlns:a14="http://schemas.microsoft.com/office/drawing/2010/main" val="0"/>
+              </a:ext>
+            </a:extLst>
+          </a:blip>
+          <a:stretch>
+            <a:fillRect/>
+          </a:stretch>
+        </p:blipFill>
+        <p:spPr>
+          <a:xfrm>
+            <a:off x="6516216" y="3599568"/>
+            <a:ext cx="2157221" cy="1094590"/>
+          </a:xfrm>
+          <a:prstGeom prst="rect">
+            <a:avLst/>
+          </a:prstGeom>
+        </p:spPr>
+      </p:pic>
+      <p:pic>
+        <p:nvPicPr>
+          <p:cNvPr id="8" name="Obraz 7"/>
+          <p:cNvPicPr>
+            <a:picLocks noChangeAspect="1"/>
+          </p:cNvPicPr>
+          <p:nvPr/>
+        </p:nvPicPr>
+        <p:blipFill>
+          <a:blip r:embed="rId5">
+            <a:extLst>
+              <a:ext uri="{28A0092B-C50C-407E-A947-70E740481C1C}">
+                <a14:useLocalDpi xmlns:a14="http://schemas.microsoft.com/office/drawing/2010/main" val="0"/>
+              </a:ext>
+            </a:extLst>
+          </a:blip>
+          <a:stretch>
+            <a:fillRect/>
+          </a:stretch>
+        </p:blipFill>
+        <p:spPr>
+          <a:xfrm>
+            <a:off x="3059832" y="3680160"/>
+            <a:ext cx="3089709" cy="952901"/>
+          </a:xfrm>
+          <a:prstGeom prst="rect">
+            <a:avLst/>
+          </a:prstGeom>
+        </p:spPr>
+      </p:pic>
+      <p:pic>
+        <p:nvPicPr>
+          <p:cNvPr id="9" name="Obraz 8"/>
+          <p:cNvPicPr>
+            <a:picLocks noChangeAspect="1"/>
+          </p:cNvPicPr>
+          <p:nvPr/>
+        </p:nvPicPr>
+        <p:blipFill>
+          <a:blip r:embed="rId6">
+            <a:extLst>
+              <a:ext uri="{28A0092B-C50C-407E-A947-70E740481C1C}">
+                <a14:useLocalDpi xmlns:a14="http://schemas.microsoft.com/office/drawing/2010/main" val="0"/>
+              </a:ext>
+            </a:extLst>
+          </a:blip>
+          <a:stretch>
+            <a:fillRect/>
+          </a:stretch>
+        </p:blipFill>
+        <p:spPr>
+          <a:xfrm>
+            <a:off x="353998" y="3757371"/>
+            <a:ext cx="2783452" cy="940168"/>
+          </a:xfrm>
+          <a:prstGeom prst="rect">
+            <a:avLst/>
+          </a:prstGeom>
+        </p:spPr>
+      </p:pic>
     </p:spTree>
     <p:extLst>
       <p:ext uri="{BB962C8B-B14F-4D97-AF65-F5344CB8AC3E}">
@@ -3449,14 +5563,17 @@
         </p:nvSpPr>
         <p:spPr/>
         <p:txBody>
-          <a:bodyPr/>
+          <a:bodyPr>
+            <a:noAutofit/>
+          </a:bodyPr>
           <a:lstStyle/>
           <a:p>
-            <a:r>
-              <a:rPr lang="pl-PL" dirty="0" smtClean="0"/>
+            <a:pPr algn="ctr"/>
+            <a:r>
+              <a:rPr lang="pl-PL" sz="3600" dirty="0" smtClean="0"/>
               <a:t>Model pozyskiwania danych</a:t>
             </a:r>
-            <a:endParaRPr lang="pl-PL" dirty="0"/>
+            <a:endParaRPr lang="pl-PL" sz="3600" dirty="0"/>
           </a:p>
         </p:txBody>
       </p:sp>
@@ -3484,8 +5601,8 @@
         </p:blipFill>
         <p:spPr>
           <a:xfrm>
-            <a:off x="589994" y="2410416"/>
-            <a:ext cx="7964011" cy="2905530"/>
+            <a:off x="179512" y="1412776"/>
+            <a:ext cx="8790769" cy="3207157"/>
           </a:xfrm>
         </p:spPr>
       </p:pic>
@@ -3534,62 +5651,418 @@
           <a:bodyPr/>
           <a:lstStyle/>
           <a:p>
-            <a:r>
-              <a:rPr lang="pl-PL" dirty="0" smtClean="0"/>
+            <a:pPr algn="ctr"/>
+            <a:r>
+              <a:rPr lang="pl-PL" sz="3600" dirty="0" smtClean="0"/>
               <a:t>Skrypt </a:t>
             </a:r>
             <a:r>
-              <a:rPr lang="pl-PL" dirty="0" err="1" smtClean="0"/>
+              <a:rPr lang="pl-PL" sz="3600" dirty="0" err="1" smtClean="0"/>
               <a:t>Python</a:t>
             </a:r>
+            <a:endParaRPr lang="pl-PL" sz="3600" dirty="0"/>
+          </a:p>
+        </p:txBody>
+      </p:sp>
+      <p:sp>
+        <p:nvSpPr>
+          <p:cNvPr id="3" name="Symbol zastępczy zawartości 2"/>
+          <p:cNvSpPr>
+            <a:spLocks noGrp="1"/>
+          </p:cNvSpPr>
+          <p:nvPr>
+            <p:ph idx="1"/>
+          </p:nvPr>
+        </p:nvSpPr>
+        <p:spPr/>
+        <p:txBody>
+          <a:bodyPr>
+            <a:normAutofit/>
+          </a:bodyPr>
+          <a:lstStyle/>
+          <a:p>
             <a:endParaRPr lang="pl-PL" dirty="0"/>
           </a:p>
-        </p:txBody>
-      </p:sp>
-      <p:sp>
-        <p:nvSpPr>
-          <p:cNvPr id="3" name="Symbol zastępczy zawartości 2"/>
-          <p:cNvSpPr>
-            <a:spLocks noGrp="1"/>
-          </p:cNvSpPr>
-          <p:nvPr>
-            <p:ph idx="1"/>
-          </p:nvPr>
-        </p:nvSpPr>
-        <p:spPr/>
-        <p:txBody>
-          <a:bodyPr/>
-          <a:lstStyle/>
-          <a:p>
-            <a:r>
-              <a:rPr lang="pl-PL" dirty="0" smtClean="0"/>
-              <a:t>Tu powiemy coś o </a:t>
-            </a:r>
-            <a:r>
-              <a:rPr lang="pl-PL" dirty="0" err="1" smtClean="0"/>
-              <a:t>joinie</a:t>
-            </a:r>
-            <a:r>
-              <a:rPr lang="pl-PL" dirty="0" smtClean="0"/>
-              <a:t>, może wrzucimy tu tego </a:t>
-            </a:r>
-            <a:r>
-              <a:rPr lang="pl-PL" dirty="0" err="1" smtClean="0"/>
-              <a:t>selecta</a:t>
-            </a:r>
-            <a:r>
-              <a:rPr lang="pl-PL" dirty="0" smtClean="0"/>
-              <a:t> z </a:t>
-            </a:r>
-            <a:r>
-              <a:rPr lang="pl-PL" dirty="0" err="1" smtClean="0"/>
-              <a:t>joinami</a:t>
-            </a:r>
-            <a:r>
-              <a:rPr lang="pl-PL" dirty="0" smtClean="0"/>
-              <a:t>?</a:t>
-            </a:r>
-            <a:endParaRPr lang="pl-PL" dirty="0"/>
+          <a:p>
+            <a:r>
+              <a:rPr lang="pl-PL" sz="1800" b="0" dirty="0" err="1" smtClean="0">
+                <a:latin typeface="Consolas" panose="020B0609020204030204" pitchFamily="49" charset="0"/>
+                <a:cs typeface="Consolas" panose="020B0609020204030204" pitchFamily="49" charset="0"/>
+              </a:rPr>
+              <a:t>select</a:t>
+            </a:r>
+            <a:r>
+              <a:rPr lang="pl-PL" sz="1800" b="0" dirty="0" smtClean="0">
+                <a:latin typeface="Consolas" panose="020B0609020204030204" pitchFamily="49" charset="0"/>
+                <a:cs typeface="Consolas" panose="020B0609020204030204" pitchFamily="49" charset="0"/>
+              </a:rPr>
+              <a:t> </a:t>
+            </a:r>
+            <a:r>
+              <a:rPr lang="pl-PL" sz="1800" b="0" dirty="0">
+                <a:latin typeface="Consolas" panose="020B0609020204030204" pitchFamily="49" charset="0"/>
+                <a:cs typeface="Consolas" panose="020B0609020204030204" pitchFamily="49" charset="0"/>
+              </a:rPr>
+              <a:t>a.*, v</a:t>
+            </a:r>
+            <a:r>
+              <a:rPr lang="pl-PL" sz="1800" b="0" dirty="0" smtClean="0">
+                <a:latin typeface="Consolas" panose="020B0609020204030204" pitchFamily="49" charset="0"/>
+                <a:cs typeface="Consolas" panose="020B0609020204030204" pitchFamily="49" charset="0"/>
+              </a:rPr>
+              <a:t>.*, c.*, </a:t>
+            </a:r>
+            <a:r>
+              <a:rPr lang="pl-PL" sz="1800" b="0" dirty="0" err="1">
+                <a:latin typeface="Consolas" panose="020B0609020204030204" pitchFamily="49" charset="0"/>
+                <a:cs typeface="Consolas" panose="020B0609020204030204" pitchFamily="49" charset="0"/>
+              </a:rPr>
+              <a:t>vm.make</a:t>
+            </a:r>
+            <a:r>
+              <a:rPr lang="pl-PL" sz="1800" b="0" dirty="0">
+                <a:latin typeface="Consolas" panose="020B0609020204030204" pitchFamily="49" charset="0"/>
+                <a:cs typeface="Consolas" panose="020B0609020204030204" pitchFamily="49" charset="0"/>
+              </a:rPr>
+              <a:t>, </a:t>
+            </a:r>
+            <a:r>
+              <a:rPr lang="pl-PL" sz="1800" b="0" dirty="0" err="1" smtClean="0">
+                <a:latin typeface="Consolas" panose="020B0609020204030204" pitchFamily="49" charset="0"/>
+                <a:cs typeface="Consolas" panose="020B0609020204030204" pitchFamily="49" charset="0"/>
+              </a:rPr>
+              <a:t>vm.model</a:t>
+            </a:r>
+            <a:r>
+              <a:rPr lang="pl-PL" sz="1800" b="0" dirty="0" smtClean="0">
+                <a:latin typeface="Consolas" panose="020B0609020204030204" pitchFamily="49" charset="0"/>
+                <a:cs typeface="Consolas" panose="020B0609020204030204" pitchFamily="49" charset="0"/>
+              </a:rPr>
+              <a:t> from </a:t>
+            </a:r>
+            <a:r>
+              <a:rPr lang="pl-PL" sz="1800" b="0" dirty="0" err="1" smtClean="0">
+                <a:latin typeface="Consolas" panose="020B0609020204030204" pitchFamily="49" charset="0"/>
+                <a:cs typeface="Consolas" panose="020B0609020204030204" pitchFamily="49" charset="0"/>
+              </a:rPr>
+              <a:t>Accidents</a:t>
+            </a:r>
+            <a:r>
+              <a:rPr lang="pl-PL" sz="1800" b="0" dirty="0" smtClean="0">
+                <a:latin typeface="Consolas" panose="020B0609020204030204" pitchFamily="49" charset="0"/>
+                <a:cs typeface="Consolas" panose="020B0609020204030204" pitchFamily="49" charset="0"/>
+              </a:rPr>
+              <a:t> a </a:t>
+            </a:r>
+          </a:p>
+          <a:p>
+            <a:r>
+              <a:rPr lang="pl-PL" sz="1800" b="0" dirty="0" err="1">
+                <a:latin typeface="Consolas" panose="020B0609020204030204" pitchFamily="49" charset="0"/>
+                <a:cs typeface="Consolas" panose="020B0609020204030204" pitchFamily="49" charset="0"/>
+              </a:rPr>
+              <a:t>j</a:t>
+            </a:r>
+            <a:r>
+              <a:rPr lang="pl-PL" sz="1800" b="0" dirty="0" err="1" smtClean="0">
+                <a:latin typeface="Consolas" panose="020B0609020204030204" pitchFamily="49" charset="0"/>
+                <a:cs typeface="Consolas" panose="020B0609020204030204" pitchFamily="49" charset="0"/>
+              </a:rPr>
+              <a:t>oin</a:t>
+            </a:r>
+            <a:r>
+              <a:rPr lang="pl-PL" sz="1800" b="0" dirty="0" smtClean="0">
+                <a:latin typeface="Consolas" panose="020B0609020204030204" pitchFamily="49" charset="0"/>
+                <a:cs typeface="Consolas" panose="020B0609020204030204" pitchFamily="49" charset="0"/>
+              </a:rPr>
+              <a:t> </a:t>
+            </a:r>
+            <a:r>
+              <a:rPr lang="pl-PL" sz="1800" b="0" dirty="0" err="1" smtClean="0">
+                <a:latin typeface="Consolas" panose="020B0609020204030204" pitchFamily="49" charset="0"/>
+                <a:cs typeface="Consolas" panose="020B0609020204030204" pitchFamily="49" charset="0"/>
+              </a:rPr>
+              <a:t>Vehicles</a:t>
+            </a:r>
+            <a:r>
+              <a:rPr lang="pl-PL" sz="1800" b="0" dirty="0" smtClean="0">
+                <a:latin typeface="Consolas" panose="020B0609020204030204" pitchFamily="49" charset="0"/>
+                <a:cs typeface="Consolas" panose="020B0609020204030204" pitchFamily="49" charset="0"/>
+              </a:rPr>
+              <a:t> v </a:t>
+            </a:r>
+            <a:r>
+              <a:rPr lang="pl-PL" sz="1800" b="0" dirty="0">
+                <a:latin typeface="Consolas" panose="020B0609020204030204" pitchFamily="49" charset="0"/>
+                <a:cs typeface="Consolas" panose="020B0609020204030204" pitchFamily="49" charset="0"/>
+              </a:rPr>
+              <a:t>on </a:t>
+            </a:r>
+            <a:r>
+              <a:rPr lang="pl-PL" sz="1800" b="0" dirty="0" err="1">
+                <a:latin typeface="Consolas" panose="020B0609020204030204" pitchFamily="49" charset="0"/>
+                <a:cs typeface="Consolas" panose="020B0609020204030204" pitchFamily="49" charset="0"/>
+              </a:rPr>
+              <a:t>a.Accident_Index</a:t>
+            </a:r>
+            <a:r>
+              <a:rPr lang="pl-PL" sz="1800" b="0" dirty="0">
+                <a:latin typeface="Consolas" panose="020B0609020204030204" pitchFamily="49" charset="0"/>
+                <a:cs typeface="Consolas" panose="020B0609020204030204" pitchFamily="49" charset="0"/>
+              </a:rPr>
+              <a:t>=</a:t>
+            </a:r>
+            <a:r>
+              <a:rPr lang="pl-PL" sz="1800" b="0" dirty="0" err="1">
+                <a:latin typeface="Consolas" panose="020B0609020204030204" pitchFamily="49" charset="0"/>
+                <a:cs typeface="Consolas" panose="020B0609020204030204" pitchFamily="49" charset="0"/>
+              </a:rPr>
+              <a:t>v.Acc_Index</a:t>
+            </a:r>
+            <a:r>
+              <a:rPr lang="pl-PL" sz="1800" b="0" dirty="0">
+                <a:latin typeface="Consolas" panose="020B0609020204030204" pitchFamily="49" charset="0"/>
+                <a:cs typeface="Consolas" panose="020B0609020204030204" pitchFamily="49" charset="0"/>
+              </a:rPr>
+              <a:t> </a:t>
+            </a:r>
+            <a:endParaRPr lang="pl-PL" sz="1800" b="0" dirty="0" smtClean="0">
+              <a:latin typeface="Consolas" panose="020B0609020204030204" pitchFamily="49" charset="0"/>
+              <a:cs typeface="Consolas" panose="020B0609020204030204" pitchFamily="49" charset="0"/>
+            </a:endParaRPr>
+          </a:p>
+          <a:p>
+            <a:r>
+              <a:rPr lang="pl-PL" sz="1800" b="0" dirty="0" err="1" smtClean="0">
+                <a:latin typeface="Consolas" panose="020B0609020204030204" pitchFamily="49" charset="0"/>
+                <a:cs typeface="Consolas" panose="020B0609020204030204" pitchFamily="49" charset="0"/>
+              </a:rPr>
+              <a:t>left</a:t>
+            </a:r>
+            <a:r>
+              <a:rPr lang="pl-PL" sz="1800" b="0" dirty="0" smtClean="0">
+                <a:latin typeface="Consolas" panose="020B0609020204030204" pitchFamily="49" charset="0"/>
+                <a:cs typeface="Consolas" panose="020B0609020204030204" pitchFamily="49" charset="0"/>
+              </a:rPr>
+              <a:t> </a:t>
+            </a:r>
+            <a:r>
+              <a:rPr lang="pl-PL" sz="1800" b="0" dirty="0" err="1" smtClean="0">
+                <a:latin typeface="Consolas" panose="020B0609020204030204" pitchFamily="49" charset="0"/>
+                <a:cs typeface="Consolas" panose="020B0609020204030204" pitchFamily="49" charset="0"/>
+              </a:rPr>
+              <a:t>join</a:t>
+            </a:r>
+            <a:r>
+              <a:rPr lang="pl-PL" sz="1800" b="0" dirty="0" smtClean="0">
+                <a:latin typeface="Consolas" panose="020B0609020204030204" pitchFamily="49" charset="0"/>
+                <a:cs typeface="Consolas" panose="020B0609020204030204" pitchFamily="49" charset="0"/>
+              </a:rPr>
+              <a:t> </a:t>
+            </a:r>
+            <a:r>
+              <a:rPr lang="pl-PL" sz="1800" b="0" dirty="0" err="1" smtClean="0">
+                <a:latin typeface="Consolas" panose="020B0609020204030204" pitchFamily="49" charset="0"/>
+                <a:cs typeface="Consolas" panose="020B0609020204030204" pitchFamily="49" charset="0"/>
+              </a:rPr>
+              <a:t>Vehicles_make</a:t>
+            </a:r>
+            <a:r>
+              <a:rPr lang="pl-PL" sz="1800" b="0" dirty="0" smtClean="0">
+                <a:latin typeface="Consolas" panose="020B0609020204030204" pitchFamily="49" charset="0"/>
+                <a:cs typeface="Consolas" panose="020B0609020204030204" pitchFamily="49" charset="0"/>
+              </a:rPr>
+              <a:t> </a:t>
+            </a:r>
+            <a:r>
+              <a:rPr lang="pl-PL" sz="1800" b="0" dirty="0" err="1">
+                <a:latin typeface="Consolas" panose="020B0609020204030204" pitchFamily="49" charset="0"/>
+                <a:cs typeface="Consolas" panose="020B0609020204030204" pitchFamily="49" charset="0"/>
+              </a:rPr>
+              <a:t>vm</a:t>
+            </a:r>
+            <a:r>
+              <a:rPr lang="pl-PL" sz="1800" b="0" dirty="0">
+                <a:latin typeface="Consolas" panose="020B0609020204030204" pitchFamily="49" charset="0"/>
+                <a:cs typeface="Consolas" panose="020B0609020204030204" pitchFamily="49" charset="0"/>
+              </a:rPr>
+              <a:t> on </a:t>
+            </a:r>
+            <a:r>
+              <a:rPr lang="pl-PL" sz="1800" b="0" dirty="0" err="1">
+                <a:latin typeface="Consolas" panose="020B0609020204030204" pitchFamily="49" charset="0"/>
+                <a:cs typeface="Consolas" panose="020B0609020204030204" pitchFamily="49" charset="0"/>
+              </a:rPr>
+              <a:t>v.Acc_Index</a:t>
+            </a:r>
+            <a:r>
+              <a:rPr lang="pl-PL" sz="1800" b="0" dirty="0">
+                <a:latin typeface="Consolas" panose="020B0609020204030204" pitchFamily="49" charset="0"/>
+                <a:cs typeface="Consolas" panose="020B0609020204030204" pitchFamily="49" charset="0"/>
+              </a:rPr>
+              <a:t>=</a:t>
+            </a:r>
+            <a:r>
+              <a:rPr lang="pl-PL" sz="1800" b="0" dirty="0" err="1">
+                <a:latin typeface="Consolas" panose="020B0609020204030204" pitchFamily="49" charset="0"/>
+                <a:cs typeface="Consolas" panose="020B0609020204030204" pitchFamily="49" charset="0"/>
+              </a:rPr>
+              <a:t>vm.Acc_Index</a:t>
+            </a:r>
+            <a:r>
+              <a:rPr lang="pl-PL" sz="1800" b="0" dirty="0">
+                <a:latin typeface="Consolas" panose="020B0609020204030204" pitchFamily="49" charset="0"/>
+                <a:cs typeface="Consolas" panose="020B0609020204030204" pitchFamily="49" charset="0"/>
+              </a:rPr>
+              <a:t> </a:t>
+            </a:r>
+            <a:endParaRPr lang="pl-PL" sz="1800" b="0" dirty="0" smtClean="0">
+              <a:latin typeface="Consolas" panose="020B0609020204030204" pitchFamily="49" charset="0"/>
+              <a:cs typeface="Consolas" panose="020B0609020204030204" pitchFamily="49" charset="0"/>
+            </a:endParaRPr>
+          </a:p>
+          <a:p>
+            <a:r>
+              <a:rPr lang="pl-PL" sz="1800" b="0" dirty="0" smtClean="0">
+                <a:latin typeface="Consolas" panose="020B0609020204030204" pitchFamily="49" charset="0"/>
+                <a:cs typeface="Consolas" panose="020B0609020204030204" pitchFamily="49" charset="0"/>
+              </a:rPr>
+              <a:t>	and </a:t>
+            </a:r>
+            <a:r>
+              <a:rPr lang="pl-PL" sz="1800" b="0" dirty="0" err="1" smtClean="0">
+                <a:latin typeface="Consolas" panose="020B0609020204030204" pitchFamily="49" charset="0"/>
+                <a:cs typeface="Consolas" panose="020B0609020204030204" pitchFamily="49" charset="0"/>
+              </a:rPr>
+              <a:t>v.Vehicle_Reference</a:t>
+            </a:r>
+            <a:r>
+              <a:rPr lang="pl-PL" sz="1800" b="0" dirty="0" smtClean="0">
+                <a:latin typeface="Consolas" panose="020B0609020204030204" pitchFamily="49" charset="0"/>
+                <a:cs typeface="Consolas" panose="020B0609020204030204" pitchFamily="49" charset="0"/>
+              </a:rPr>
+              <a:t>=</a:t>
+            </a:r>
+            <a:r>
+              <a:rPr lang="pl-PL" sz="1800" b="0" dirty="0" err="1" smtClean="0">
+                <a:latin typeface="Consolas" panose="020B0609020204030204" pitchFamily="49" charset="0"/>
+                <a:cs typeface="Consolas" panose="020B0609020204030204" pitchFamily="49" charset="0"/>
+              </a:rPr>
+              <a:t>vm.Vehicle_Reference</a:t>
+            </a:r>
+            <a:r>
+              <a:rPr lang="pl-PL" sz="1800" b="0" dirty="0" smtClean="0">
+                <a:latin typeface="Consolas" panose="020B0609020204030204" pitchFamily="49" charset="0"/>
+                <a:cs typeface="Consolas" panose="020B0609020204030204" pitchFamily="49" charset="0"/>
+              </a:rPr>
+              <a:t> </a:t>
+            </a:r>
+          </a:p>
+          <a:p>
+            <a:r>
+              <a:rPr lang="pl-PL" sz="1800" b="0" dirty="0" err="1" smtClean="0">
+                <a:latin typeface="Consolas" panose="020B0609020204030204" pitchFamily="49" charset="0"/>
+                <a:cs typeface="Consolas" panose="020B0609020204030204" pitchFamily="49" charset="0"/>
+              </a:rPr>
+              <a:t>left</a:t>
+            </a:r>
+            <a:r>
+              <a:rPr lang="pl-PL" sz="1800" b="0" dirty="0" smtClean="0">
+                <a:latin typeface="Consolas" panose="020B0609020204030204" pitchFamily="49" charset="0"/>
+                <a:cs typeface="Consolas" panose="020B0609020204030204" pitchFamily="49" charset="0"/>
+              </a:rPr>
+              <a:t> </a:t>
+            </a:r>
+            <a:r>
+              <a:rPr lang="pl-PL" sz="1800" b="0" dirty="0" err="1">
+                <a:latin typeface="Consolas" panose="020B0609020204030204" pitchFamily="49" charset="0"/>
+                <a:cs typeface="Consolas" panose="020B0609020204030204" pitchFamily="49" charset="0"/>
+              </a:rPr>
+              <a:t>join</a:t>
+            </a:r>
+            <a:r>
+              <a:rPr lang="pl-PL" sz="1800" b="0" dirty="0">
+                <a:latin typeface="Consolas" panose="020B0609020204030204" pitchFamily="49" charset="0"/>
+                <a:cs typeface="Consolas" panose="020B0609020204030204" pitchFamily="49" charset="0"/>
+              </a:rPr>
+              <a:t> </a:t>
+            </a:r>
+            <a:r>
+              <a:rPr lang="pl-PL" sz="1800" b="0" dirty="0" err="1" smtClean="0">
+                <a:latin typeface="Consolas" panose="020B0609020204030204" pitchFamily="49" charset="0"/>
+                <a:cs typeface="Consolas" panose="020B0609020204030204" pitchFamily="49" charset="0"/>
+              </a:rPr>
+              <a:t>Casualties</a:t>
+            </a:r>
+            <a:r>
+              <a:rPr lang="pl-PL" sz="1800" b="0" dirty="0" smtClean="0">
+                <a:latin typeface="Consolas" panose="020B0609020204030204" pitchFamily="49" charset="0"/>
+                <a:cs typeface="Consolas" panose="020B0609020204030204" pitchFamily="49" charset="0"/>
+              </a:rPr>
+              <a:t> c on </a:t>
+            </a:r>
+            <a:r>
+              <a:rPr lang="pl-PL" sz="1800" b="0" dirty="0" err="1" smtClean="0">
+                <a:latin typeface="Consolas" panose="020B0609020204030204" pitchFamily="49" charset="0"/>
+                <a:cs typeface="Consolas" panose="020B0609020204030204" pitchFamily="49" charset="0"/>
+              </a:rPr>
+              <a:t>v.Acc_Index</a:t>
+            </a:r>
+            <a:r>
+              <a:rPr lang="pl-PL" sz="1800" b="0" dirty="0" smtClean="0">
+                <a:latin typeface="Consolas" panose="020B0609020204030204" pitchFamily="49" charset="0"/>
+                <a:cs typeface="Consolas" panose="020B0609020204030204" pitchFamily="49" charset="0"/>
+              </a:rPr>
+              <a:t>=</a:t>
+            </a:r>
+            <a:r>
+              <a:rPr lang="pl-PL" sz="1800" b="0" dirty="0" err="1" smtClean="0">
+                <a:latin typeface="Consolas" panose="020B0609020204030204" pitchFamily="49" charset="0"/>
+                <a:cs typeface="Consolas" panose="020B0609020204030204" pitchFamily="49" charset="0"/>
+              </a:rPr>
+              <a:t>c.Acc_Index</a:t>
+            </a:r>
+            <a:r>
+              <a:rPr lang="pl-PL" sz="1800" b="0" dirty="0" smtClean="0">
+                <a:latin typeface="Consolas" panose="020B0609020204030204" pitchFamily="49" charset="0"/>
+                <a:cs typeface="Consolas" panose="020B0609020204030204" pitchFamily="49" charset="0"/>
+              </a:rPr>
+              <a:t> </a:t>
+            </a:r>
+          </a:p>
+          <a:p>
+            <a:r>
+              <a:rPr lang="pl-PL" sz="1800" b="0" dirty="0" smtClean="0">
+                <a:latin typeface="Consolas" panose="020B0609020204030204" pitchFamily="49" charset="0"/>
+                <a:cs typeface="Consolas" panose="020B0609020204030204" pitchFamily="49" charset="0"/>
+              </a:rPr>
+              <a:t>	and </a:t>
+            </a:r>
+            <a:r>
+              <a:rPr lang="pl-PL" sz="1800" b="0" dirty="0" err="1" smtClean="0">
+                <a:latin typeface="Consolas" panose="020B0609020204030204" pitchFamily="49" charset="0"/>
+                <a:cs typeface="Consolas" panose="020B0609020204030204" pitchFamily="49" charset="0"/>
+              </a:rPr>
+              <a:t>v.Vehicle_Reference</a:t>
+            </a:r>
+            <a:r>
+              <a:rPr lang="pl-PL" sz="1800" b="0" dirty="0" smtClean="0">
+                <a:latin typeface="Consolas" panose="020B0609020204030204" pitchFamily="49" charset="0"/>
+                <a:cs typeface="Consolas" panose="020B0609020204030204" pitchFamily="49" charset="0"/>
+              </a:rPr>
+              <a:t>=</a:t>
+            </a:r>
+            <a:r>
+              <a:rPr lang="pl-PL" sz="1800" b="0" dirty="0" err="1" smtClean="0">
+                <a:latin typeface="Consolas" panose="020B0609020204030204" pitchFamily="49" charset="0"/>
+                <a:cs typeface="Consolas" panose="020B0609020204030204" pitchFamily="49" charset="0"/>
+              </a:rPr>
+              <a:t>c.Vehicle_Reference</a:t>
+            </a:r>
+            <a:endParaRPr lang="pl-PL" sz="1800" b="0" dirty="0">
+              <a:latin typeface="Consolas" panose="020B0609020204030204" pitchFamily="49" charset="0"/>
+              <a:cs typeface="Consolas" panose="020B0609020204030204" pitchFamily="49" charset="0"/>
+            </a:endParaRPr>
           </a:p>
         </p:txBody>
       </p:sp>
@@ -3638,11 +6111,12 @@
           <a:bodyPr/>
           <a:lstStyle/>
           <a:p>
-            <a:r>
-              <a:rPr lang="pl-PL" dirty="0" err="1" smtClean="0"/>
+            <a:pPr algn="ctr"/>
+            <a:r>
+              <a:rPr lang="pl-PL" sz="3600" dirty="0" err="1" smtClean="0"/>
               <a:t>Flume</a:t>
             </a:r>
-            <a:endParaRPr lang="pl-PL" dirty="0"/>
+            <a:endParaRPr lang="pl-PL" sz="3600" dirty="0"/>
           </a:p>
         </p:txBody>
       </p:sp>
@@ -3656,7 +6130,7 @@
             <p:ph idx="1"/>
           </p:nvPr>
         </p:nvPicPr>
-        <p:blipFill>
+        <p:blipFill rotWithShape="1">
           <a:blip r:embed="rId2">
             <a:extLst>
               <a:ext uri="{28A0092B-C50C-407E-A947-70E740481C1C}">
@@ -3664,14 +6138,13 @@
               </a:ext>
             </a:extLst>
           </a:blip>
-          <a:stretch>
-            <a:fillRect/>
-          </a:stretch>
+          <a:srcRect t="2706" b="3598"/>
+          <a:stretch/>
         </p:blipFill>
         <p:spPr>
           <a:xfrm>
-            <a:off x="457200" y="1624444"/>
-            <a:ext cx="8229600" cy="4477475"/>
+            <a:off x="976071" y="980728"/>
+            <a:ext cx="7844401" cy="3998822"/>
           </a:xfrm>
         </p:spPr>
       </p:pic>
@@ -3720,11 +6193,12 @@
           <a:bodyPr/>
           <a:lstStyle/>
           <a:p>
-            <a:r>
-              <a:rPr lang="pl-PL" dirty="0" smtClean="0"/>
+            <a:pPr algn="ctr"/>
+            <a:r>
+              <a:rPr lang="pl-PL" sz="3600" dirty="0" smtClean="0"/>
               <a:t>HDFS</a:t>
             </a:r>
-            <a:endParaRPr lang="pl-PL" dirty="0"/>
+            <a:endParaRPr lang="pl-PL" sz="3600" dirty="0"/>
           </a:p>
         </p:txBody>
       </p:sp>
@@ -3769,9 +6243,9 @@
 </file>
 
 <file path=ppt/theme/theme1.xml><?xml version="1.0" encoding="utf-8"?>
-<a:theme xmlns:a="http://schemas.openxmlformats.org/drawingml/2006/main" name="Motyw pakietu Office">
+<a:theme xmlns:a="http://schemas.openxmlformats.org/drawingml/2006/main" name="Kąty">
   <a:themeElements>
-    <a:clrScheme name="Pakiet Office">
+    <a:clrScheme name="Techniczny">
       <a:dk1>
         <a:sysClr val="windowText" lastClr="000000"/>
       </a:dk1>
@@ -3779,83 +6253,48 @@
         <a:sysClr val="window" lastClr="FFFFFF"/>
       </a:lt1>
       <a:dk2>
-        <a:srgbClr val="1F497D"/>
+        <a:srgbClr val="3B3B3B"/>
       </a:dk2>
       <a:lt2>
-        <a:srgbClr val="EEECE1"/>
+        <a:srgbClr val="D4D2D0"/>
       </a:lt2>
       <a:accent1>
-        <a:srgbClr val="4F81BD"/>
+        <a:srgbClr val="6EA0B0"/>
       </a:accent1>
       <a:accent2>
-        <a:srgbClr val="C0504D"/>
+        <a:srgbClr val="CCAF0A"/>
       </a:accent2>
       <a:accent3>
-        <a:srgbClr val="9BBB59"/>
+        <a:srgbClr val="8D89A4"/>
       </a:accent3>
       <a:accent4>
-        <a:srgbClr val="8064A2"/>
+        <a:srgbClr val="748560"/>
       </a:accent4>
       <a:accent5>
-        <a:srgbClr val="4BACC6"/>
+        <a:srgbClr val="9E9273"/>
       </a:accent5>
       <a:accent6>
-        <a:srgbClr val="F79646"/>
+        <a:srgbClr val="7E848D"/>
       </a:accent6>
       <a:hlink>
-        <a:srgbClr val="0000FF"/>
+        <a:srgbClr val="00C8C3"/>
       </a:hlink>
       <a:folHlink>
-        <a:srgbClr val="800080"/>
+        <a:srgbClr val="A116E0"/>
       </a:folHlink>
     </a:clrScheme>
-    <a:fontScheme name="Pakiet Office">
+    <a:fontScheme name="Kąty">
       <a:majorFont>
-        <a:latin typeface="Calibri"/>
+        <a:latin typeface="Franklin Gothic Medium"/>
         <a:ea typeface=""/>
         <a:cs typeface=""/>
-        <a:font script="Jpan" typeface="ＭＳ Ｐゴシック"/>
-        <a:font script="Hang" typeface="맑은 고딕"/>
-        <a:font script="Hans" typeface="宋体"/>
-        <a:font script="Hant" typeface="新細明體"/>
-        <a:font script="Arab" typeface="Times New Roman"/>
-        <a:font script="Hebr" typeface="Times New Roman"/>
-        <a:font script="Thai" typeface="Angsana New"/>
-        <a:font script="Ethi" typeface="Nyala"/>
-        <a:font script="Beng" typeface="Vrinda"/>
-        <a:font script="Gujr" typeface="Shruti"/>
-        <a:font script="Khmr" typeface="MoolBoran"/>
-        <a:font script="Knda" typeface="Tunga"/>
-        <a:font script="Guru" typeface="Raavi"/>
-        <a:font script="Cans" typeface="Euphemia"/>
-        <a:font script="Cher" typeface="Plantagenet Cherokee"/>
-        <a:font script="Yiii" typeface="Microsoft Yi Baiti"/>
-        <a:font script="Tibt" typeface="Microsoft Himalaya"/>
-        <a:font script="Thaa" typeface="MV Boli"/>
-        <a:font script="Deva" typeface="Mangal"/>
-        <a:font script="Telu" typeface="Gautami"/>
-        <a:font script="Taml" typeface="Latha"/>
-        <a:font script="Syrc" typeface="Estrangelo Edessa"/>
-        <a:font script="Orya" typeface="Kalinga"/>
-        <a:font script="Mlym" typeface="Kartika"/>
-        <a:font script="Laoo" typeface="DokChampa"/>
-        <a:font script="Sinh" typeface="Iskoola Pota"/>
-        <a:font script="Mong" typeface="Mongolian Baiti"/>
-        <a:font script="Viet" typeface="Times New Roman"/>
-        <a:font script="Uigh" typeface="Microsoft Uighur"/>
-        <a:font script="Geor" typeface="Sylfaen"/>
-      </a:majorFont>
-      <a:minorFont>
-        <a:latin typeface="Calibri"/>
-        <a:ea typeface=""/>
-        <a:cs typeface=""/>
-        <a:font script="Jpan" typeface="ＭＳ Ｐゴシック"/>
-        <a:font script="Hang" typeface="맑은 고딕"/>
-        <a:font script="Hans" typeface="宋体"/>
-        <a:font script="Hant" typeface="新細明體"/>
-        <a:font script="Arab" typeface="Arial"/>
-        <a:font script="Hebr" typeface="Arial"/>
-        <a:font script="Thai" typeface="Cordia New"/>
+        <a:font script="Jpan" typeface="HG創英角ｺﾞｼｯｸUB"/>
+        <a:font script="Hang" typeface="돋움"/>
+        <a:font script="Hans" typeface="微软雅黑"/>
+        <a:font script="Hant" typeface="微軟正黑體"/>
+        <a:font script="Arab" typeface="Tahoma"/>
+        <a:font script="Hebr" typeface="Aharoni"/>
+        <a:font script="Thai" typeface="LilyUPC"/>
         <a:font script="Ethi" typeface="Nyala"/>
         <a:font script="Beng" typeface="Vrinda"/>
         <a:font script="Gujr" typeface="Shruti"/>
@@ -3879,9 +6318,44 @@
         <a:font script="Viet" typeface="Arial"/>
         <a:font script="Uigh" typeface="Microsoft Uighur"/>
         <a:font script="Geor" typeface="Sylfaen"/>
+      </a:majorFont>
+      <a:minorFont>
+        <a:latin typeface="Franklin Gothic Book"/>
+        <a:ea typeface=""/>
+        <a:cs typeface=""/>
+        <a:font script="Jpan" typeface="ＭＳ Ｐゴシック"/>
+        <a:font script="Hang" typeface="맑은 고딕"/>
+        <a:font script="Hans" typeface="隶书"/>
+        <a:font script="Hant" typeface="新細明體"/>
+        <a:font script="Arab" typeface="Arial"/>
+        <a:font script="Hebr" typeface="Arial"/>
+        <a:font script="Thai" typeface="Cordia New"/>
+        <a:font script="Ethi" typeface="Nyala"/>
+        <a:font script="Beng" typeface="Vrinda"/>
+        <a:font script="Gujr" typeface="Shruti"/>
+        <a:font script="Khmr" typeface="MoolBoran"/>
+        <a:font script="Knda" typeface="Tunga"/>
+        <a:font script="Guru" typeface="Raavi"/>
+        <a:font script="Cans" typeface="Euphemia"/>
+        <a:font script="Cher" typeface="Plantagenet Cherokee"/>
+        <a:font script="Yiii" typeface="Microsoft Yi Baiti"/>
+        <a:font script="Tibt" typeface="Microsoft Himalaya"/>
+        <a:font script="Thaa" typeface="MV Boli"/>
+        <a:font script="Deva" typeface="Mangal"/>
+        <a:font script="Telu" typeface="Gautami"/>
+        <a:font script="Taml" typeface="Latha"/>
+        <a:font script="Syrc" typeface="Estrangelo Edessa"/>
+        <a:font script="Orya" typeface="Kalinga"/>
+        <a:font script="Mlym" typeface="Kartika"/>
+        <a:font script="Laoo" typeface="DokChampa"/>
+        <a:font script="Sinh" typeface="Iskoola Pota"/>
+        <a:font script="Mong" typeface="Mongolian Baiti"/>
+        <a:font script="Viet" typeface="Arial"/>
+        <a:font script="Uigh" typeface="Microsoft Uighur"/>
+        <a:font script="Geor" typeface="Sylfaen"/>
       </a:minorFont>
     </a:fontScheme>
-    <a:fmtScheme name="Pakiet Office">
+    <a:fmtScheme name="Kąty">
       <a:fillStyleLst>
         <a:solidFill>
           <a:schemeClr val="phClr"/>
@@ -3988,11 +6462,17 @@
               <a:rot lat="0" lon="0" rev="0"/>
             </a:camera>
             <a:lightRig rig="threePt" dir="t">
-              <a:rot lat="0" lon="0" rev="1200000"/>
+              <a:rot lat="0" lon="0" rev="20400000"/>
             </a:lightRig>
           </a:scene3d>
-          <a:sp3d>
-            <a:bevelT w="63500" h="25400"/>
+          <a:sp3d contourW="6350">
+            <a:bevelT w="41275" h="19050" prst="angle"/>
+            <a:contourClr>
+              <a:schemeClr val="phClr">
+                <a:shade val="25000"/>
+                <a:satMod val="150000"/>
+              </a:schemeClr>
+            </a:contourClr>
           </a:sp3d>
         </a:effectStyle>
       </a:effectStyleLst>
@@ -4000,51 +6480,36 @@
         <a:solidFill>
           <a:schemeClr val="phClr"/>
         </a:solidFill>
-        <a:gradFill rotWithShape="1">
-          <a:gsLst>
-            <a:gs pos="0">
+        <a:blipFill rotWithShape="1">
+          <a:blip xmlns:r="http://schemas.openxmlformats.org/officeDocument/2006/relationships" r:embed="rId1">
+            <a:duotone>
               <a:schemeClr val="phClr">
-                <a:tint val="40000"/>
-                <a:satMod val="350000"/>
+                <a:tint val="90000"/>
+                <a:shade val="85000"/>
               </a:schemeClr>
-            </a:gs>
-            <a:gs pos="40000">
               <a:schemeClr val="phClr">
-                <a:tint val="45000"/>
+                <a:tint val="95000"/>
                 <a:shade val="99000"/>
-                <a:satMod val="350000"/>
               </a:schemeClr>
-            </a:gs>
-            <a:gs pos="100000">
+            </a:duotone>
+          </a:blip>
+          <a:tile tx="0" ty="0" sx="100000" sy="100000" flip="none" algn="tl"/>
+        </a:blipFill>
+        <a:blipFill rotWithShape="1">
+          <a:blip xmlns:r="http://schemas.openxmlformats.org/officeDocument/2006/relationships" r:embed="rId2">
+            <a:duotone>
               <a:schemeClr val="phClr">
-                <a:shade val="20000"/>
-                <a:satMod val="255000"/>
+                <a:tint val="93000"/>
+                <a:shade val="85000"/>
               </a:schemeClr>
-            </a:gs>
-          </a:gsLst>
-          <a:path path="circle">
-            <a:fillToRect l="50000" t="-80000" r="50000" b="180000"/>
-          </a:path>
-        </a:gradFill>
-        <a:gradFill rotWithShape="1">
-          <a:gsLst>
-            <a:gs pos="0">
               <a:schemeClr val="phClr">
-                <a:tint val="80000"/>
-                <a:satMod val="300000"/>
+                <a:tint val="96000"/>
+                <a:shade val="99000"/>
               </a:schemeClr>
-            </a:gs>
-            <a:gs pos="100000">
-              <a:schemeClr val="phClr">
-                <a:shade val="30000"/>
-                <a:satMod val="200000"/>
-              </a:schemeClr>
-            </a:gs>
-          </a:gsLst>
-          <a:path path="circle">
-            <a:fillToRect l="50000" t="50000" r="50000" b="50000"/>
-          </a:path>
-        </a:gradFill>
+            </a:duotone>
+          </a:blip>
+          <a:tile tx="0" ty="0" sx="90000" sy="90000" flip="none" algn="tl"/>
+        </a:blipFill>
       </a:bgFillStyleLst>
     </a:fmtScheme>
   </a:themeElements>

--- a/PozyskiwanieDanych/prezentacja szablon.pptx
+++ b/PozyskiwanieDanych/prezentacja szablon.pptx
@@ -112,7 +112,7 @@
   </p:defaultTextStyle>
   <p:extLst>
     <p:ext uri="{EFAFB233-063F-42B5-8137-9DF3F51BA10A}">
-      <p15:sldGuideLst xmlns:p15="http://schemas.microsoft.com/office/powerpoint/2012/main" xmlns="">
+      <p15:sldGuideLst xmlns:p15="http://schemas.microsoft.com/office/powerpoint/2012/main">
         <p15:guide id="1" orient="horz" pos="2160">
           <p15:clr>
             <a:srgbClr val="A4A3A4"/>
@@ -597,7 +597,7 @@
           <a:p>
             <a:fld id="{3F1FA79C-4120-4505-8F11-45E07EB53152}" type="datetimeFigureOut">
               <a:rPr lang="pl-PL" smtClean="0"/>
-              <a:t>2016-04-10</a:t>
+              <a:t>10.04.2016</a:t>
             </a:fld>
             <a:endParaRPr lang="pl-PL"/>
           </a:p>
@@ -762,7 +762,7 @@
           <a:p>
             <a:fld id="{3F1FA79C-4120-4505-8F11-45E07EB53152}" type="datetimeFigureOut">
               <a:rPr lang="pl-PL" smtClean="0"/>
-              <a:t>2016-04-10</a:t>
+              <a:t>10.04.2016</a:t>
             </a:fld>
             <a:endParaRPr lang="pl-PL"/>
           </a:p>
@@ -937,7 +937,7 @@
           <a:p>
             <a:fld id="{3F1FA79C-4120-4505-8F11-45E07EB53152}" type="datetimeFigureOut">
               <a:rPr lang="pl-PL" smtClean="0"/>
-              <a:t>2016-04-10</a:t>
+              <a:t>10.04.2016</a:t>
             </a:fld>
             <a:endParaRPr lang="pl-PL"/>
           </a:p>
@@ -1102,7 +1102,7 @@
           <a:p>
             <a:fld id="{3F1FA79C-4120-4505-8F11-45E07EB53152}" type="datetimeFigureOut">
               <a:rPr lang="pl-PL" smtClean="0"/>
-              <a:t>2016-04-10</a:t>
+              <a:t>10.04.2016</a:t>
             </a:fld>
             <a:endParaRPr lang="pl-PL"/>
           </a:p>
@@ -1655,7 +1655,7 @@
           <a:p>
             <a:fld id="{3F1FA79C-4120-4505-8F11-45E07EB53152}" type="datetimeFigureOut">
               <a:rPr lang="pl-PL" smtClean="0"/>
-              <a:t>2016-04-10</a:t>
+              <a:t>10.04.2016</a:t>
             </a:fld>
             <a:endParaRPr lang="pl-PL"/>
           </a:p>
@@ -1915,7 +1915,7 @@
           <a:p>
             <a:fld id="{3F1FA79C-4120-4505-8F11-45E07EB53152}" type="datetimeFigureOut">
               <a:rPr lang="pl-PL" smtClean="0"/>
-              <a:t>2016-04-10</a:t>
+              <a:t>10.04.2016</a:t>
             </a:fld>
             <a:endParaRPr lang="pl-PL"/>
           </a:p>
@@ -2403,7 +2403,7 @@
           <a:p>
             <a:fld id="{3F1FA79C-4120-4505-8F11-45E07EB53152}" type="datetimeFigureOut">
               <a:rPr lang="pl-PL" smtClean="0"/>
-              <a:t>2016-04-10</a:t>
+              <a:t>10.04.2016</a:t>
             </a:fld>
             <a:endParaRPr lang="pl-PL"/>
           </a:p>
@@ -2516,7 +2516,7 @@
           <a:p>
             <a:fld id="{3F1FA79C-4120-4505-8F11-45E07EB53152}" type="datetimeFigureOut">
               <a:rPr lang="pl-PL" smtClean="0"/>
-              <a:t>2016-04-10</a:t>
+              <a:t>10.04.2016</a:t>
             </a:fld>
             <a:endParaRPr lang="pl-PL"/>
           </a:p>
@@ -2606,7 +2606,7 @@
           <a:p>
             <a:fld id="{3F1FA79C-4120-4505-8F11-45E07EB53152}" type="datetimeFigureOut">
               <a:rPr lang="pl-PL" smtClean="0"/>
-              <a:t>2016-04-10</a:t>
+              <a:t>10.04.2016</a:t>
             </a:fld>
             <a:endParaRPr lang="pl-PL"/>
           </a:p>
@@ -3036,7 +3036,7 @@
           <a:p>
             <a:fld id="{3F1FA79C-4120-4505-8F11-45E07EB53152}" type="datetimeFigureOut">
               <a:rPr lang="pl-PL" smtClean="0"/>
-              <a:t>2016-04-10</a:t>
+              <a:t>10.04.2016</a:t>
             </a:fld>
             <a:endParaRPr lang="pl-PL"/>
           </a:p>
@@ -3569,7 +3569,7 @@
           <a:p>
             <a:fld id="{3F1FA79C-4120-4505-8F11-45E07EB53152}" type="datetimeFigureOut">
               <a:rPr lang="pl-PL" smtClean="0"/>
-              <a:t>2016-04-10</a:t>
+              <a:t>10.04.2016</a:t>
             </a:fld>
             <a:endParaRPr lang="pl-PL"/>
           </a:p>
@@ -4409,7 +4409,7 @@
           <a:p>
             <a:fld id="{3F1FA79C-4120-4505-8F11-45E07EB53152}" type="datetimeFigureOut">
               <a:rPr lang="pl-PL" smtClean="0"/>
-              <a:t>2016-04-10</a:t>
+              <a:t>10.04.2016</a:t>
             </a:fld>
             <a:endParaRPr lang="pl-PL"/>
           </a:p>
@@ -4841,7 +4841,9 @@
         </p:nvSpPr>
         <p:spPr/>
         <p:txBody>
-          <a:bodyPr/>
+          <a:bodyPr>
+            <a:normAutofit fontScale="85000" lnSpcReduction="10000"/>
+          </a:bodyPr>
           <a:lstStyle/>
           <a:p>
             <a:r>
@@ -5162,11 +5164,7 @@
             </a:pPr>
             <a:r>
               <a:rPr lang="pl-PL" sz="2400" b="0" dirty="0" smtClean="0"/>
-              <a:t>https</a:t>
-            </a:r>
-            <a:r>
-              <a:rPr lang="pl-PL" sz="2400" b="0" dirty="0" smtClean="0"/>
-              <a:t>://data.gov.uk/dataset/road-accidents-safety-data </a:t>
+              <a:t>https://data.gov.uk/dataset/road-accidents-safety-data </a:t>
             </a:r>
           </a:p>
           <a:p>
@@ -6202,33 +6200,35 @@
           </a:p>
         </p:txBody>
       </p:sp>
-      <p:sp>
-        <p:nvSpPr>
-          <p:cNvPr id="3" name="Symbol zastępczy zawartości 2"/>
-          <p:cNvSpPr>
-            <a:spLocks noGrp="1"/>
-          </p:cNvSpPr>
+      <p:pic>
+        <p:nvPicPr>
+          <p:cNvPr id="5" name="Content Placeholder 4"/>
+          <p:cNvPicPr>
+            <a:picLocks noGrp="1" noChangeAspect="1"/>
+          </p:cNvPicPr>
           <p:nvPr>
             <p:ph idx="1"/>
           </p:nvPr>
-        </p:nvSpPr>
-        <p:spPr/>
-        <p:txBody>
-          <a:bodyPr/>
-          <a:lstStyle/>
-          <a:p>
-            <a:r>
-              <a:rPr lang="pl-PL" dirty="0" err="1" smtClean="0"/>
-              <a:t>Screeny</a:t>
-            </a:r>
-            <a:r>
-              <a:rPr lang="pl-PL" dirty="0" smtClean="0"/>
-              <a:t> z katalogami i coś jeszcze?</a:t>
-            </a:r>
-            <a:endParaRPr lang="pl-PL" dirty="0"/>
-          </a:p>
-        </p:txBody>
-      </p:sp>
+        </p:nvPicPr>
+        <p:blipFill>
+          <a:blip r:embed="rId2">
+            <a:extLst>
+              <a:ext uri="{28A0092B-C50C-407E-A947-70E740481C1C}">
+                <a14:useLocalDpi xmlns:a14="http://schemas.microsoft.com/office/drawing/2010/main" val="0"/>
+              </a:ext>
+            </a:extLst>
+          </a:blip>
+          <a:stretch>
+            <a:fillRect/>
+          </a:stretch>
+        </p:blipFill>
+        <p:spPr>
+          <a:xfrm>
+            <a:off x="822325" y="1895194"/>
+            <a:ext cx="7521575" cy="1989700"/>
+          </a:xfrm>
+        </p:spPr>
+      </p:pic>
     </p:spTree>
     <p:extLst>
       <p:ext uri="{BB962C8B-B14F-4D97-AF65-F5344CB8AC3E}">

--- a/PozyskiwanieDanych/prezentacja szablon.pptx
+++ b/PozyskiwanieDanych/prezentacja szablon.pptx
@@ -6120,7 +6120,7 @@
       </p:sp>
       <p:pic>
         <p:nvPicPr>
-          <p:cNvPr id="5" name="Content Placeholder 4"/>
+          <p:cNvPr id="4" name="Content Placeholder 3"/>
           <p:cNvPicPr>
             <a:picLocks noGrp="1" noChangeAspect="1"/>
           </p:cNvPicPr>
@@ -6128,7 +6128,7 @@
             <p:ph idx="1"/>
           </p:nvPr>
         </p:nvPicPr>
-        <p:blipFill rotWithShape="1">
+        <p:blipFill>
           <a:blip r:embed="rId2">
             <a:extLst>
               <a:ext uri="{28A0092B-C50C-407E-A947-70E740481C1C}">
@@ -6136,13 +6136,14 @@
               </a:ext>
             </a:extLst>
           </a:blip>
-          <a:srcRect t="2706" b="3598"/>
-          <a:stretch/>
+          <a:stretch>
+            <a:fillRect/>
+          </a:stretch>
         </p:blipFill>
         <p:spPr>
           <a:xfrm>
-            <a:off x="976071" y="980728"/>
-            <a:ext cx="7844401" cy="3998822"/>
+            <a:off x="1351238" y="1100138"/>
+            <a:ext cx="6463749" cy="3579812"/>
           </a:xfrm>
         </p:spPr>
       </p:pic>

--- a/PozyskiwanieDanych/prezentacja szablon.pptx
+++ b/PozyskiwanieDanych/prezentacja szablon.pptx
@@ -6120,7 +6120,7 @@
       </p:sp>
       <p:pic>
         <p:nvPicPr>
-          <p:cNvPr id="4" name="Content Placeholder 3"/>
+          <p:cNvPr id="5" name="Content Placeholder 4"/>
           <p:cNvPicPr>
             <a:picLocks noGrp="1" noChangeAspect="1"/>
           </p:cNvPicPr>
@@ -6142,8 +6142,8 @@
         </p:blipFill>
         <p:spPr>
           <a:xfrm>
-            <a:off x="1351238" y="1100138"/>
-            <a:ext cx="6463749" cy="3579812"/>
+            <a:off x="1210552" y="1100138"/>
+            <a:ext cx="6745120" cy="3579812"/>
           </a:xfrm>
         </p:spPr>
       </p:pic>

--- a/PozyskiwanieDanych/prezentacja szablon.pptx
+++ b/PozyskiwanieDanych/prezentacja szablon.pptx
@@ -112,7 +112,7 @@
   </p:defaultTextStyle>
   <p:extLst>
     <p:ext uri="{EFAFB233-063F-42B5-8137-9DF3F51BA10A}">
-      <p15:sldGuideLst xmlns:p15="http://schemas.microsoft.com/office/powerpoint/2012/main">
+      <p15:sldGuideLst xmlns:p15="http://schemas.microsoft.com/office/powerpoint/2012/main" xmlns="">
         <p15:guide id="1" orient="horz" pos="2160">
           <p15:clr>
             <a:srgbClr val="A4A3A4"/>
@@ -597,7 +597,7 @@
           <a:p>
             <a:fld id="{3F1FA79C-4120-4505-8F11-45E07EB53152}" type="datetimeFigureOut">
               <a:rPr lang="pl-PL" smtClean="0"/>
-              <a:t>10.04.2016</a:t>
+              <a:t>2016-04-10</a:t>
             </a:fld>
             <a:endParaRPr lang="pl-PL"/>
           </a:p>
@@ -762,7 +762,7 @@
           <a:p>
             <a:fld id="{3F1FA79C-4120-4505-8F11-45E07EB53152}" type="datetimeFigureOut">
               <a:rPr lang="pl-PL" smtClean="0"/>
-              <a:t>10.04.2016</a:t>
+              <a:t>2016-04-10</a:t>
             </a:fld>
             <a:endParaRPr lang="pl-PL"/>
           </a:p>
@@ -937,7 +937,7 @@
           <a:p>
             <a:fld id="{3F1FA79C-4120-4505-8F11-45E07EB53152}" type="datetimeFigureOut">
               <a:rPr lang="pl-PL" smtClean="0"/>
-              <a:t>10.04.2016</a:t>
+              <a:t>2016-04-10</a:t>
             </a:fld>
             <a:endParaRPr lang="pl-PL"/>
           </a:p>
@@ -1102,7 +1102,7 @@
           <a:p>
             <a:fld id="{3F1FA79C-4120-4505-8F11-45E07EB53152}" type="datetimeFigureOut">
               <a:rPr lang="pl-PL" smtClean="0"/>
-              <a:t>10.04.2016</a:t>
+              <a:t>2016-04-10</a:t>
             </a:fld>
             <a:endParaRPr lang="pl-PL"/>
           </a:p>
@@ -1655,7 +1655,7 @@
           <a:p>
             <a:fld id="{3F1FA79C-4120-4505-8F11-45E07EB53152}" type="datetimeFigureOut">
               <a:rPr lang="pl-PL" smtClean="0"/>
-              <a:t>10.04.2016</a:t>
+              <a:t>2016-04-10</a:t>
             </a:fld>
             <a:endParaRPr lang="pl-PL"/>
           </a:p>
@@ -1915,7 +1915,7 @@
           <a:p>
             <a:fld id="{3F1FA79C-4120-4505-8F11-45E07EB53152}" type="datetimeFigureOut">
               <a:rPr lang="pl-PL" smtClean="0"/>
-              <a:t>10.04.2016</a:t>
+              <a:t>2016-04-10</a:t>
             </a:fld>
             <a:endParaRPr lang="pl-PL"/>
           </a:p>
@@ -2403,7 +2403,7 @@
           <a:p>
             <a:fld id="{3F1FA79C-4120-4505-8F11-45E07EB53152}" type="datetimeFigureOut">
               <a:rPr lang="pl-PL" smtClean="0"/>
-              <a:t>10.04.2016</a:t>
+              <a:t>2016-04-10</a:t>
             </a:fld>
             <a:endParaRPr lang="pl-PL"/>
           </a:p>
@@ -2516,7 +2516,7 @@
           <a:p>
             <a:fld id="{3F1FA79C-4120-4505-8F11-45E07EB53152}" type="datetimeFigureOut">
               <a:rPr lang="pl-PL" smtClean="0"/>
-              <a:t>10.04.2016</a:t>
+              <a:t>2016-04-10</a:t>
             </a:fld>
             <a:endParaRPr lang="pl-PL"/>
           </a:p>
@@ -2606,7 +2606,7 @@
           <a:p>
             <a:fld id="{3F1FA79C-4120-4505-8F11-45E07EB53152}" type="datetimeFigureOut">
               <a:rPr lang="pl-PL" smtClean="0"/>
-              <a:t>10.04.2016</a:t>
+              <a:t>2016-04-10</a:t>
             </a:fld>
             <a:endParaRPr lang="pl-PL"/>
           </a:p>
@@ -3036,7 +3036,7 @@
           <a:p>
             <a:fld id="{3F1FA79C-4120-4505-8F11-45E07EB53152}" type="datetimeFigureOut">
               <a:rPr lang="pl-PL" smtClean="0"/>
-              <a:t>10.04.2016</a:t>
+              <a:t>2016-04-10</a:t>
             </a:fld>
             <a:endParaRPr lang="pl-PL"/>
           </a:p>
@@ -3569,7 +3569,7 @@
           <a:p>
             <a:fld id="{3F1FA79C-4120-4505-8F11-45E07EB53152}" type="datetimeFigureOut">
               <a:rPr lang="pl-PL" smtClean="0"/>
-              <a:t>10.04.2016</a:t>
+              <a:t>2016-04-10</a:t>
             </a:fld>
             <a:endParaRPr lang="pl-PL"/>
           </a:p>
@@ -4409,7 +4409,7 @@
           <a:p>
             <a:fld id="{3F1FA79C-4120-4505-8F11-45E07EB53152}" type="datetimeFigureOut">
               <a:rPr lang="pl-PL" smtClean="0"/>
-              <a:t>10.04.2016</a:t>
+              <a:t>2016-04-10</a:t>
             </a:fld>
             <a:endParaRPr lang="pl-PL"/>
           </a:p>
@@ -4842,7 +4842,7 @@
         <p:spPr/>
         <p:txBody>
           <a:bodyPr>
-            <a:normAutofit fontScale="85000" lnSpcReduction="10000"/>
+            <a:normAutofit/>
           </a:bodyPr>
           <a:lstStyle/>
           <a:p>
@@ -6128,7 +6128,7 @@
             <p:ph idx="1"/>
           </p:nvPr>
         </p:nvPicPr>
-        <p:blipFill>
+        <p:blipFill rotWithShape="1">
           <a:blip r:embed="rId2">
             <a:extLst>
               <a:ext uri="{28A0092B-C50C-407E-A947-70E740481C1C}">
@@ -6136,14 +6136,13 @@
               </a:ext>
             </a:extLst>
           </a:blip>
-          <a:stretch>
-            <a:fillRect/>
-          </a:stretch>
+          <a:srcRect t="3629" b="4537"/>
+          <a:stretch/>
         </p:blipFill>
         <p:spPr>
           <a:xfrm>
-            <a:off x="1210552" y="1100138"/>
-            <a:ext cx="6745120" cy="3579812"/>
+            <a:off x="899592" y="1124744"/>
+            <a:ext cx="7704856" cy="3755248"/>
           </a:xfrm>
         </p:spPr>
       </p:pic>

--- a/PozyskiwanieDanych/prezentacja szablon.pptx
+++ b/PozyskiwanieDanych/prezentacja szablon.pptx
@@ -6,15 +6,20 @@
   </p:sldMasterIdLst>
   <p:sldIdLst>
     <p:sldId id="256" r:id="rId2"/>
-    <p:sldId id="257" r:id="rId3"/>
-    <p:sldId id="258" r:id="rId4"/>
-    <p:sldId id="259" r:id="rId5"/>
-    <p:sldId id="261" r:id="rId6"/>
-    <p:sldId id="260" r:id="rId7"/>
-    <p:sldId id="262" r:id="rId8"/>
+    <p:sldId id="263" r:id="rId3"/>
+    <p:sldId id="257" r:id="rId4"/>
+    <p:sldId id="264" r:id="rId5"/>
+    <p:sldId id="258" r:id="rId6"/>
+    <p:sldId id="259" r:id="rId7"/>
+    <p:sldId id="261" r:id="rId8"/>
+    <p:sldId id="260" r:id="rId9"/>
+    <p:sldId id="262" r:id="rId10"/>
   </p:sldIdLst>
   <p:sldSz cx="9144000" cy="6858000" type="screen4x3"/>
   <p:notesSz cx="6858000" cy="9144000"/>
+  <p:custDataLst>
+    <p:tags r:id="rId11"/>
+  </p:custDataLst>
   <p:defaultTextStyle>
     <a:defPPr>
       <a:defRPr lang="pl-PL"/>
@@ -112,7 +117,7 @@
   </p:defaultTextStyle>
   <p:extLst>
     <p:ext uri="{EFAFB233-063F-42B5-8137-9DF3F51BA10A}">
-      <p15:sldGuideLst xmlns:p15="http://schemas.microsoft.com/office/powerpoint/2012/main" xmlns="">
+      <p15:sldGuideLst xmlns="" xmlns:p15="http://schemas.microsoft.com/office/powerpoint/2012/main">
         <p15:guide id="1" orient="horz" pos="2160">
           <p15:clr>
             <a:srgbClr val="A4A3A4"/>
@@ -597,7 +602,7 @@
           <a:p>
             <a:fld id="{3F1FA79C-4120-4505-8F11-45E07EB53152}" type="datetimeFigureOut">
               <a:rPr lang="pl-PL" smtClean="0"/>
-              <a:t>2016-04-10</a:t>
+              <a:t>2016-04-14</a:t>
             </a:fld>
             <a:endParaRPr lang="pl-PL"/>
           </a:p>
@@ -762,7 +767,7 @@
           <a:p>
             <a:fld id="{3F1FA79C-4120-4505-8F11-45E07EB53152}" type="datetimeFigureOut">
               <a:rPr lang="pl-PL" smtClean="0"/>
-              <a:t>2016-04-10</a:t>
+              <a:t>2016-04-14</a:t>
             </a:fld>
             <a:endParaRPr lang="pl-PL"/>
           </a:p>
@@ -937,7 +942,7 @@
           <a:p>
             <a:fld id="{3F1FA79C-4120-4505-8F11-45E07EB53152}" type="datetimeFigureOut">
               <a:rPr lang="pl-PL" smtClean="0"/>
-              <a:t>2016-04-10</a:t>
+              <a:t>2016-04-14</a:t>
             </a:fld>
             <a:endParaRPr lang="pl-PL"/>
           </a:p>
@@ -1102,7 +1107,7 @@
           <a:p>
             <a:fld id="{3F1FA79C-4120-4505-8F11-45E07EB53152}" type="datetimeFigureOut">
               <a:rPr lang="pl-PL" smtClean="0"/>
-              <a:t>2016-04-10</a:t>
+              <a:t>2016-04-14</a:t>
             </a:fld>
             <a:endParaRPr lang="pl-PL"/>
           </a:p>
@@ -1655,7 +1660,7 @@
           <a:p>
             <a:fld id="{3F1FA79C-4120-4505-8F11-45E07EB53152}" type="datetimeFigureOut">
               <a:rPr lang="pl-PL" smtClean="0"/>
-              <a:t>2016-04-10</a:t>
+              <a:t>2016-04-14</a:t>
             </a:fld>
             <a:endParaRPr lang="pl-PL"/>
           </a:p>
@@ -1915,7 +1920,7 @@
           <a:p>
             <a:fld id="{3F1FA79C-4120-4505-8F11-45E07EB53152}" type="datetimeFigureOut">
               <a:rPr lang="pl-PL" smtClean="0"/>
-              <a:t>2016-04-10</a:t>
+              <a:t>2016-04-14</a:t>
             </a:fld>
             <a:endParaRPr lang="pl-PL"/>
           </a:p>
@@ -2403,7 +2408,7 @@
           <a:p>
             <a:fld id="{3F1FA79C-4120-4505-8F11-45E07EB53152}" type="datetimeFigureOut">
               <a:rPr lang="pl-PL" smtClean="0"/>
-              <a:t>2016-04-10</a:t>
+              <a:t>2016-04-14</a:t>
             </a:fld>
             <a:endParaRPr lang="pl-PL"/>
           </a:p>
@@ -2516,7 +2521,7 @@
           <a:p>
             <a:fld id="{3F1FA79C-4120-4505-8F11-45E07EB53152}" type="datetimeFigureOut">
               <a:rPr lang="pl-PL" smtClean="0"/>
-              <a:t>2016-04-10</a:t>
+              <a:t>2016-04-14</a:t>
             </a:fld>
             <a:endParaRPr lang="pl-PL"/>
           </a:p>
@@ -2606,7 +2611,7 @@
           <a:p>
             <a:fld id="{3F1FA79C-4120-4505-8F11-45E07EB53152}" type="datetimeFigureOut">
               <a:rPr lang="pl-PL" smtClean="0"/>
-              <a:t>2016-04-10</a:t>
+              <a:t>2016-04-14</a:t>
             </a:fld>
             <a:endParaRPr lang="pl-PL"/>
           </a:p>
@@ -3036,7 +3041,7 @@
           <a:p>
             <a:fld id="{3F1FA79C-4120-4505-8F11-45E07EB53152}" type="datetimeFigureOut">
               <a:rPr lang="pl-PL" smtClean="0"/>
-              <a:t>2016-04-10</a:t>
+              <a:t>2016-04-14</a:t>
             </a:fld>
             <a:endParaRPr lang="pl-PL"/>
           </a:p>
@@ -3569,7 +3574,7 @@
           <a:p>
             <a:fld id="{3F1FA79C-4120-4505-8F11-45E07EB53152}" type="datetimeFigureOut">
               <a:rPr lang="pl-PL" smtClean="0"/>
-              <a:t>2016-04-10</a:t>
+              <a:t>2016-04-14</a:t>
             </a:fld>
             <a:endParaRPr lang="pl-PL"/>
           </a:p>
@@ -4409,7 +4414,7 @@
           <a:p>
             <a:fld id="{3F1FA79C-4120-4505-8F11-45E07EB53152}" type="datetimeFigureOut">
               <a:rPr lang="pl-PL" smtClean="0"/>
-              <a:t>2016-04-10</a:t>
+              <a:t>2016-04-14</a:t>
             </a:fld>
             <a:endParaRPr lang="pl-PL"/>
           </a:p>
@@ -4842,7 +4847,7 @@
         <p:spPr/>
         <p:txBody>
           <a:bodyPr>
-            <a:normAutofit/>
+            <a:normAutofit fontScale="85000" lnSpcReduction="10000"/>
           </a:bodyPr>
           <a:lstStyle/>
           <a:p>
@@ -5114,6 +5119,161 @@
       </p:grpSpPr>
       <p:sp>
         <p:nvSpPr>
+          <p:cNvPr id="2" name="Title 1"/>
+          <p:cNvSpPr>
+            <a:spLocks noGrp="1"/>
+          </p:cNvSpPr>
+          <p:nvPr>
+            <p:ph type="title"/>
+          </p:nvPr>
+        </p:nvSpPr>
+        <p:spPr/>
+        <p:txBody>
+          <a:bodyPr/>
+          <a:lstStyle/>
+          <a:p>
+            <a:pPr algn="ctr"/>
+            <a:r>
+              <a:rPr lang="pl-PL" sz="3600" dirty="0" smtClean="0"/>
+              <a:t>Cele i korzyści projektu</a:t>
+            </a:r>
+            <a:endParaRPr lang="pl-PL" sz="3600" dirty="0"/>
+          </a:p>
+        </p:txBody>
+      </p:sp>
+      <p:sp>
+        <p:nvSpPr>
+          <p:cNvPr id="3" name="Content Placeholder 2"/>
+          <p:cNvSpPr>
+            <a:spLocks noGrp="1"/>
+          </p:cNvSpPr>
+          <p:nvPr>
+            <p:ph idx="1"/>
+          </p:nvPr>
+        </p:nvSpPr>
+        <p:spPr>
+          <a:xfrm>
+            <a:off x="827584" y="1268760"/>
+            <a:ext cx="7520940" cy="3579849"/>
+          </a:xfrm>
+        </p:spPr>
+        <p:txBody>
+          <a:bodyPr>
+            <a:normAutofit/>
+          </a:bodyPr>
+          <a:lstStyle/>
+          <a:p>
+            <a:pPr>
+              <a:buFont typeface="Arial" panose="020B0604020202020204" pitchFamily="34" charset="0"/>
+              <a:buChar char="•"/>
+            </a:pPr>
+            <a:r>
+              <a:rPr lang="pl-PL" sz="2000" b="0" dirty="0" smtClean="0"/>
+              <a:t>Generowanie </a:t>
+            </a:r>
+            <a:r>
+              <a:rPr lang="pl-PL" sz="2000" b="0" dirty="0"/>
+              <a:t>okresowych prognoz liczby wypadków w danym </a:t>
+            </a:r>
+            <a:r>
+              <a:rPr lang="pl-PL" sz="2000" b="0" dirty="0" smtClean="0"/>
+              <a:t>rejonie</a:t>
+            </a:r>
+          </a:p>
+          <a:p>
+            <a:pPr>
+              <a:buFont typeface="Arial" panose="020B0604020202020204" pitchFamily="34" charset="0"/>
+              <a:buChar char="•"/>
+            </a:pPr>
+            <a:r>
+              <a:rPr lang="pl-PL" sz="2000" b="0" dirty="0" smtClean="0"/>
+              <a:t>Przewidywanie </a:t>
+            </a:r>
+            <a:r>
+              <a:rPr lang="pl-PL" sz="2000" b="0" dirty="0"/>
+              <a:t>w </a:t>
+            </a:r>
+            <a:r>
+              <a:rPr lang="pl-PL" sz="2000" b="0" dirty="0" smtClean="0"/>
+              <a:t>trybie on-line </a:t>
+            </a:r>
+            <a:r>
+              <a:rPr lang="pl-PL" sz="2000" b="0" dirty="0"/>
+              <a:t>liczby ofiar i rodzaju ich obrażeń na podstawie danych o zdarzeniu </a:t>
+            </a:r>
+            <a:r>
+              <a:rPr lang="pl-PL" sz="2000" b="0" dirty="0" smtClean="0"/>
+              <a:t>drogowym</a:t>
+            </a:r>
+          </a:p>
+          <a:p>
+            <a:pPr>
+              <a:buFont typeface="Arial" panose="020B0604020202020204" pitchFamily="34" charset="0"/>
+              <a:buChar char="•"/>
+            </a:pPr>
+            <a:endParaRPr lang="pl-PL" sz="2000" b="0" dirty="0"/>
+          </a:p>
+          <a:p>
+            <a:pPr>
+              <a:buFont typeface="Arial" panose="020B0604020202020204" pitchFamily="34" charset="0"/>
+              <a:buChar char="•"/>
+            </a:pPr>
+            <a:r>
+              <a:rPr lang="pl-PL" sz="2000" b="0" dirty="0" smtClean="0"/>
+              <a:t>Dzięki takiemu rozwiązaniu możliwe będzie skoordynowanie </a:t>
+            </a:r>
+            <a:r>
+              <a:rPr lang="pl-PL" sz="2000" b="0" dirty="0"/>
+              <a:t>rozmieszczenia  patroli policji </a:t>
+            </a:r>
+            <a:r>
+              <a:rPr lang="pl-PL" sz="2000" b="0" dirty="0" smtClean="0"/>
+              <a:t>i innych służb porządkowych zgodnie </a:t>
+            </a:r>
+            <a:r>
+              <a:rPr lang="pl-PL" sz="2000" b="0" dirty="0"/>
+              <a:t>z </a:t>
+            </a:r>
+            <a:r>
+              <a:rPr lang="pl-PL" sz="2000" b="0" dirty="0" smtClean="0"/>
+              <a:t>przewidywaniami</a:t>
+            </a:r>
+            <a:endParaRPr lang="pl-PL" sz="2000" b="0" dirty="0"/>
+          </a:p>
+        </p:txBody>
+      </p:sp>
+    </p:spTree>
+    <p:extLst>
+      <p:ext uri="{BB962C8B-B14F-4D97-AF65-F5344CB8AC3E}">
+        <p14:creationId xmlns:p14="http://schemas.microsoft.com/office/powerpoint/2010/main" val="962288521"/>
+      </p:ext>
+    </p:extLst>
+  </p:cSld>
+  <p:clrMapOvr>
+    <a:masterClrMapping/>
+  </p:clrMapOvr>
+</p:sld>
+</file>
+
+<file path=ppt/slides/slide3.xml><?xml version="1.0" encoding="utf-8"?>
+<p:sld xmlns:a="http://schemas.openxmlformats.org/drawingml/2006/main" xmlns:r="http://schemas.openxmlformats.org/officeDocument/2006/relationships" xmlns:p="http://schemas.openxmlformats.org/presentationml/2006/main">
+  <p:cSld>
+    <p:spTree>
+      <p:nvGrpSpPr>
+        <p:cNvPr id="1" name=""/>
+        <p:cNvGrpSpPr/>
+        <p:nvPr/>
+      </p:nvGrpSpPr>
+      <p:grpSpPr>
+        <a:xfrm>
+          <a:off x="0" y="0"/>
+          <a:ext cx="0" cy="0"/>
+          <a:chOff x="0" y="0"/>
+          <a:chExt cx="0" cy="0"/>
+        </a:xfrm>
+      </p:grpSpPr>
+      <p:sp>
+        <p:nvSpPr>
           <p:cNvPr id="2" name="Tytuł 1"/>
           <p:cNvSpPr>
             <a:spLocks noGrp="1"/>
@@ -5253,7 +5413,617 @@
 </p:sld>
 </file>
 
-<file path=ppt/slides/slide3.xml><?xml version="1.0" encoding="utf-8"?>
+<file path=ppt/slides/slide4.xml><?xml version="1.0" encoding="utf-8"?>
+<p:sld xmlns:a="http://schemas.openxmlformats.org/drawingml/2006/main" xmlns:r="http://schemas.openxmlformats.org/officeDocument/2006/relationships" xmlns:p="http://schemas.openxmlformats.org/presentationml/2006/main">
+  <p:cSld>
+    <p:spTree>
+      <p:nvGrpSpPr>
+        <p:cNvPr id="1" name=""/>
+        <p:cNvGrpSpPr/>
+        <p:nvPr/>
+      </p:nvGrpSpPr>
+      <p:grpSpPr>
+        <a:xfrm>
+          <a:off x="0" y="0"/>
+          <a:ext cx="0" cy="0"/>
+          <a:chOff x="0" y="0"/>
+          <a:chExt cx="0" cy="0"/>
+        </a:xfrm>
+      </p:grpSpPr>
+      <p:sp>
+        <p:nvSpPr>
+          <p:cNvPr id="2" name="Title 1"/>
+          <p:cNvSpPr>
+            <a:spLocks noGrp="1"/>
+          </p:cNvSpPr>
+          <p:nvPr>
+            <p:ph type="title"/>
+          </p:nvPr>
+        </p:nvSpPr>
+        <p:spPr/>
+        <p:txBody>
+          <a:bodyPr/>
+          <a:lstStyle/>
+          <a:p>
+            <a:pPr algn="ctr"/>
+            <a:r>
+              <a:rPr lang="pl-PL" sz="3600" dirty="0" smtClean="0"/>
+              <a:t>Zmienne niezależne i zależne</a:t>
+            </a:r>
+            <a:endParaRPr lang="pl-PL" sz="3600" dirty="0"/>
+          </a:p>
+        </p:txBody>
+      </p:sp>
+      <p:graphicFrame>
+        <p:nvGraphicFramePr>
+          <p:cNvPr id="4" name="Content Placeholder 3"/>
+          <p:cNvGraphicFramePr>
+            <a:graphicFrameLocks noGrp="1"/>
+          </p:cNvGraphicFramePr>
+          <p:nvPr>
+            <p:ph idx="1"/>
+            <p:extLst>
+              <p:ext uri="{D42A27DB-BD31-4B8C-83A1-F6EECF244321}">
+                <p14:modId xmlns:p14="http://schemas.microsoft.com/office/powerpoint/2010/main" val="954018045"/>
+              </p:ext>
+            </p:extLst>
+          </p:nvPr>
+        </p:nvGraphicFramePr>
+        <p:xfrm>
+          <a:off x="827584" y="1628800"/>
+          <a:ext cx="7632846" cy="1752600"/>
+        </p:xfrm>
+        <a:graphic>
+          <a:graphicData uri="http://schemas.openxmlformats.org/drawingml/2006/table">
+            <a:tbl>
+              <a:tblPr firstRow="1" bandRow="1">
+                <a:effectLst>
+                  <a:outerShdw blurRad="50800" dist="50800" dir="5400000" algn="ctr" rotWithShape="0">
+                    <a:schemeClr val="bg1">
+                      <a:lumMod val="75000"/>
+                    </a:schemeClr>
+                  </a:outerShdw>
+                </a:effectLst>
+                <a:tableStyleId>{5C22544A-7EE6-4342-B048-85BDC9FD1C3A}</a:tableStyleId>
+              </a:tblPr>
+              <a:tblGrid>
+                <a:gridCol w="1272141"/>
+                <a:gridCol w="1272141"/>
+                <a:gridCol w="1272141"/>
+                <a:gridCol w="1272141"/>
+                <a:gridCol w="1248140"/>
+                <a:gridCol w="1296142"/>
+              </a:tblGrid>
+              <a:tr h="370840">
+                <a:tc>
+                  <a:txBody>
+                    <a:bodyPr/>
+                    <a:lstStyle/>
+                    <a:p>
+                      <a:pPr algn="ctr"/>
+                      <a:r>
+                        <a:rPr lang="pl-PL" dirty="0" smtClean="0"/>
+                        <a:t>Zmienne/kategorie</a:t>
+                      </a:r>
+                      <a:endParaRPr lang="pl-PL" dirty="0"/>
+                    </a:p>
+                  </a:txBody>
+                  <a:tcPr anchor="ctr">
+                    <a:solidFill>
+                      <a:schemeClr val="bg1">
+                        <a:lumMod val="50000"/>
+                      </a:schemeClr>
+                    </a:solidFill>
+                  </a:tcPr>
+                </a:tc>
+                <a:tc>
+                  <a:txBody>
+                    <a:bodyPr/>
+                    <a:lstStyle/>
+                    <a:p>
+                      <a:pPr algn="ctr"/>
+                      <a:r>
+                        <a:rPr lang="pl-PL" dirty="0" smtClean="0"/>
+                        <a:t>Wypadki</a:t>
+                      </a:r>
+                      <a:endParaRPr lang="pl-PL" dirty="0"/>
+                    </a:p>
+                  </a:txBody>
+                  <a:tcPr anchor="ctr">
+                    <a:solidFill>
+                      <a:schemeClr val="bg1">
+                        <a:lumMod val="50000"/>
+                      </a:schemeClr>
+                    </a:solidFill>
+                  </a:tcPr>
+                </a:tc>
+                <a:tc>
+                  <a:txBody>
+                    <a:bodyPr/>
+                    <a:lstStyle/>
+                    <a:p>
+                      <a:pPr algn="ctr"/>
+                      <a:r>
+                        <a:rPr lang="pl-PL" dirty="0" smtClean="0"/>
+                        <a:t>Pojazdy</a:t>
+                      </a:r>
+                      <a:endParaRPr lang="pl-PL" dirty="0"/>
+                    </a:p>
+                  </a:txBody>
+                  <a:tcPr anchor="ctr">
+                    <a:solidFill>
+                      <a:schemeClr val="bg1">
+                        <a:lumMod val="50000"/>
+                      </a:schemeClr>
+                    </a:solidFill>
+                  </a:tcPr>
+                </a:tc>
+                <a:tc>
+                  <a:txBody>
+                    <a:bodyPr/>
+                    <a:lstStyle/>
+                    <a:p>
+                      <a:pPr algn="ctr"/>
+                      <a:r>
+                        <a:rPr lang="pl-PL" dirty="0" smtClean="0"/>
+                        <a:t>Ofiary</a:t>
+                      </a:r>
+                      <a:endParaRPr lang="pl-PL" dirty="0"/>
+                    </a:p>
+                  </a:txBody>
+                  <a:tcPr anchor="ctr">
+                    <a:solidFill>
+                      <a:schemeClr val="bg1">
+                        <a:lumMod val="50000"/>
+                      </a:schemeClr>
+                    </a:solidFill>
+                  </a:tcPr>
+                </a:tc>
+                <a:tc>
+                  <a:txBody>
+                    <a:bodyPr/>
+                    <a:lstStyle/>
+                    <a:p>
+                      <a:pPr algn="ctr"/>
+                      <a:r>
+                        <a:rPr lang="pl-PL" dirty="0" smtClean="0"/>
+                        <a:t>Marki pojazdów</a:t>
+                      </a:r>
+                      <a:endParaRPr lang="pl-PL" dirty="0"/>
+                    </a:p>
+                  </a:txBody>
+                  <a:tcPr anchor="ctr">
+                    <a:solidFill>
+                      <a:schemeClr val="bg1">
+                        <a:lumMod val="50000"/>
+                      </a:schemeClr>
+                    </a:solidFill>
+                  </a:tcPr>
+                </a:tc>
+                <a:tc>
+                  <a:txBody>
+                    <a:bodyPr/>
+                    <a:lstStyle/>
+                    <a:p>
+                      <a:pPr algn="ctr"/>
+                      <a:r>
+                        <a:rPr lang="pl-PL" dirty="0" smtClean="0"/>
+                        <a:t>Prędkości</a:t>
+                      </a:r>
+                      <a:endParaRPr lang="pl-PL" dirty="0"/>
+                    </a:p>
+                  </a:txBody>
+                  <a:tcPr anchor="ctr">
+                    <a:solidFill>
+                      <a:schemeClr val="bg1">
+                        <a:lumMod val="50000"/>
+                      </a:schemeClr>
+                    </a:solidFill>
+                  </a:tcPr>
+                </a:tc>
+              </a:tr>
+              <a:tr h="370840">
+                <a:tc>
+                  <a:txBody>
+                    <a:bodyPr/>
+                    <a:lstStyle/>
+                    <a:p>
+                      <a:pPr algn="ctr"/>
+                      <a:r>
+                        <a:rPr lang="pl-PL" sz="1600" dirty="0" smtClean="0"/>
+                        <a:t>Wszystkie</a:t>
+                      </a:r>
+                      <a:endParaRPr lang="pl-PL" sz="1600" dirty="0"/>
+                    </a:p>
+                  </a:txBody>
+                  <a:tcPr anchor="ctr">
+                    <a:solidFill>
+                      <a:schemeClr val="bg1">
+                        <a:lumMod val="85000"/>
+                      </a:schemeClr>
+                    </a:solidFill>
+                  </a:tcPr>
+                </a:tc>
+                <a:tc>
+                  <a:txBody>
+                    <a:bodyPr/>
+                    <a:lstStyle/>
+                    <a:p>
+                      <a:pPr algn="ctr"/>
+                      <a:r>
+                        <a:rPr lang="pl-PL" dirty="0" smtClean="0"/>
+                        <a:t>32</a:t>
+                      </a:r>
+                      <a:endParaRPr lang="pl-PL" dirty="0"/>
+                    </a:p>
+                  </a:txBody>
+                  <a:tcPr anchor="ctr">
+                    <a:solidFill>
+                      <a:schemeClr val="bg1">
+                        <a:lumMod val="85000"/>
+                      </a:schemeClr>
+                    </a:solidFill>
+                  </a:tcPr>
+                </a:tc>
+                <a:tc>
+                  <a:txBody>
+                    <a:bodyPr/>
+                    <a:lstStyle/>
+                    <a:p>
+                      <a:pPr algn="ctr"/>
+                      <a:r>
+                        <a:rPr lang="pl-PL" dirty="0" smtClean="0"/>
+                        <a:t>21</a:t>
+                      </a:r>
+                      <a:endParaRPr lang="pl-PL" dirty="0"/>
+                    </a:p>
+                  </a:txBody>
+                  <a:tcPr anchor="ctr">
+                    <a:solidFill>
+                      <a:schemeClr val="bg1">
+                        <a:lumMod val="85000"/>
+                      </a:schemeClr>
+                    </a:solidFill>
+                  </a:tcPr>
+                </a:tc>
+                <a:tc>
+                  <a:txBody>
+                    <a:bodyPr/>
+                    <a:lstStyle/>
+                    <a:p>
+                      <a:pPr algn="ctr"/>
+                      <a:r>
+                        <a:rPr lang="pl-PL" dirty="0" smtClean="0"/>
+                        <a:t>14</a:t>
+                      </a:r>
+                      <a:endParaRPr lang="pl-PL" dirty="0"/>
+                    </a:p>
+                  </a:txBody>
+                  <a:tcPr anchor="ctr">
+                    <a:solidFill>
+                      <a:schemeClr val="bg1">
+                        <a:lumMod val="85000"/>
+                      </a:schemeClr>
+                    </a:solidFill>
+                  </a:tcPr>
+                </a:tc>
+                <a:tc>
+                  <a:txBody>
+                    <a:bodyPr/>
+                    <a:lstStyle/>
+                    <a:p>
+                      <a:pPr algn="ctr"/>
+                      <a:r>
+                        <a:rPr lang="pl-PL" dirty="0" smtClean="0"/>
+                        <a:t>24</a:t>
+                      </a:r>
+                      <a:endParaRPr lang="pl-PL" dirty="0"/>
+                    </a:p>
+                  </a:txBody>
+                  <a:tcPr anchor="ctr">
+                    <a:solidFill>
+                      <a:schemeClr val="bg1">
+                        <a:lumMod val="85000"/>
+                      </a:schemeClr>
+                    </a:solidFill>
+                  </a:tcPr>
+                </a:tc>
+                <a:tc>
+                  <a:txBody>
+                    <a:bodyPr/>
+                    <a:lstStyle/>
+                    <a:p>
+                      <a:pPr algn="ctr"/>
+                      <a:r>
+                        <a:rPr lang="pl-PL" dirty="0" smtClean="0"/>
+                        <a:t>9</a:t>
+                      </a:r>
+                      <a:endParaRPr lang="pl-PL" dirty="0"/>
+                    </a:p>
+                  </a:txBody>
+                  <a:tcPr anchor="ctr">
+                    <a:solidFill>
+                      <a:schemeClr val="bg1">
+                        <a:lumMod val="85000"/>
+                      </a:schemeClr>
+                    </a:solidFill>
+                  </a:tcPr>
+                </a:tc>
+              </a:tr>
+              <a:tr h="370840">
+                <a:tc>
+                  <a:txBody>
+                    <a:bodyPr/>
+                    <a:lstStyle/>
+                    <a:p>
+                      <a:pPr algn="ctr"/>
+                      <a:r>
+                        <a:rPr lang="pl-PL" sz="1600" dirty="0" smtClean="0"/>
+                        <a:t>Niezależne</a:t>
+                      </a:r>
+                      <a:endParaRPr lang="pl-PL" sz="1600" dirty="0"/>
+                    </a:p>
+                  </a:txBody>
+                  <a:tcPr anchor="ctr">
+                    <a:solidFill>
+                      <a:schemeClr val="bg1">
+                        <a:lumMod val="95000"/>
+                      </a:schemeClr>
+                    </a:solidFill>
+                  </a:tcPr>
+                </a:tc>
+                <a:tc>
+                  <a:txBody>
+                    <a:bodyPr/>
+                    <a:lstStyle/>
+                    <a:p>
+                      <a:pPr algn="ctr"/>
+                      <a:r>
+                        <a:rPr lang="pl-PL" dirty="0" smtClean="0"/>
+                        <a:t>27</a:t>
+                      </a:r>
+                      <a:endParaRPr lang="pl-PL" dirty="0"/>
+                    </a:p>
+                  </a:txBody>
+                  <a:tcPr anchor="ctr">
+                    <a:solidFill>
+                      <a:schemeClr val="bg1">
+                        <a:lumMod val="95000"/>
+                      </a:schemeClr>
+                    </a:solidFill>
+                  </a:tcPr>
+                </a:tc>
+                <a:tc>
+                  <a:txBody>
+                    <a:bodyPr/>
+                    <a:lstStyle/>
+                    <a:p>
+                      <a:pPr algn="ctr"/>
+                      <a:r>
+                        <a:rPr lang="pl-PL" dirty="0" smtClean="0"/>
+                        <a:t>21</a:t>
+                      </a:r>
+                      <a:endParaRPr lang="pl-PL" dirty="0"/>
+                    </a:p>
+                  </a:txBody>
+                  <a:tcPr anchor="ctr">
+                    <a:solidFill>
+                      <a:schemeClr val="bg1">
+                        <a:lumMod val="95000"/>
+                      </a:schemeClr>
+                    </a:solidFill>
+                  </a:tcPr>
+                </a:tc>
+                <a:tc>
+                  <a:txBody>
+                    <a:bodyPr/>
+                    <a:lstStyle/>
+                    <a:p>
+                      <a:pPr algn="ctr"/>
+                      <a:r>
+                        <a:rPr lang="pl-PL" dirty="0" smtClean="0"/>
+                        <a:t>14</a:t>
+                      </a:r>
+                      <a:endParaRPr lang="pl-PL" dirty="0"/>
+                    </a:p>
+                  </a:txBody>
+                  <a:tcPr anchor="ctr">
+                    <a:solidFill>
+                      <a:schemeClr val="bg1">
+                        <a:lumMod val="95000"/>
+                      </a:schemeClr>
+                    </a:solidFill>
+                  </a:tcPr>
+                </a:tc>
+                <a:tc>
+                  <a:txBody>
+                    <a:bodyPr/>
+                    <a:lstStyle/>
+                    <a:p>
+                      <a:pPr algn="ctr"/>
+                      <a:r>
+                        <a:rPr lang="pl-PL" dirty="0" smtClean="0"/>
+                        <a:t>23</a:t>
+                      </a:r>
+                      <a:endParaRPr lang="pl-PL" dirty="0"/>
+                    </a:p>
+                  </a:txBody>
+                  <a:tcPr anchor="ctr">
+                    <a:solidFill>
+                      <a:schemeClr val="bg1">
+                        <a:lumMod val="95000"/>
+                      </a:schemeClr>
+                    </a:solidFill>
+                  </a:tcPr>
+                </a:tc>
+                <a:tc>
+                  <a:txBody>
+                    <a:bodyPr/>
+                    <a:lstStyle/>
+                    <a:p>
+                      <a:pPr algn="ctr"/>
+                      <a:r>
+                        <a:rPr lang="pl-PL" dirty="0" smtClean="0"/>
+                        <a:t>8</a:t>
+                      </a:r>
+                      <a:endParaRPr lang="pl-PL" dirty="0"/>
+                    </a:p>
+                  </a:txBody>
+                  <a:tcPr anchor="ctr">
+                    <a:solidFill>
+                      <a:schemeClr val="bg1">
+                        <a:lumMod val="95000"/>
+                      </a:schemeClr>
+                    </a:solidFill>
+                  </a:tcPr>
+                </a:tc>
+              </a:tr>
+              <a:tr h="370840">
+                <a:tc>
+                  <a:txBody>
+                    <a:bodyPr/>
+                    <a:lstStyle/>
+                    <a:p>
+                      <a:pPr algn="ctr"/>
+                      <a:r>
+                        <a:rPr lang="pl-PL" sz="1600" dirty="0" smtClean="0"/>
+                        <a:t>Zależne</a:t>
+                      </a:r>
+                      <a:endParaRPr lang="pl-PL" sz="1600" dirty="0"/>
+                    </a:p>
+                  </a:txBody>
+                  <a:tcPr anchor="ctr">
+                    <a:solidFill>
+                      <a:schemeClr val="bg1">
+                        <a:lumMod val="85000"/>
+                      </a:schemeClr>
+                    </a:solidFill>
+                  </a:tcPr>
+                </a:tc>
+                <a:tc>
+                  <a:txBody>
+                    <a:bodyPr/>
+                    <a:lstStyle/>
+                    <a:p>
+                      <a:pPr algn="ctr"/>
+                      <a:r>
+                        <a:rPr lang="pl-PL" dirty="0" smtClean="0"/>
+                        <a:t>5</a:t>
+                      </a:r>
+                      <a:endParaRPr lang="pl-PL" dirty="0"/>
+                    </a:p>
+                  </a:txBody>
+                  <a:tcPr anchor="ctr">
+                    <a:solidFill>
+                      <a:schemeClr val="bg1">
+                        <a:lumMod val="85000"/>
+                      </a:schemeClr>
+                    </a:solidFill>
+                  </a:tcPr>
+                </a:tc>
+                <a:tc>
+                  <a:txBody>
+                    <a:bodyPr/>
+                    <a:lstStyle/>
+                    <a:p>
+                      <a:pPr algn="ctr"/>
+                      <a:r>
+                        <a:rPr lang="pl-PL" dirty="0" smtClean="0"/>
+                        <a:t>0</a:t>
+                      </a:r>
+                      <a:endParaRPr lang="pl-PL" dirty="0"/>
+                    </a:p>
+                  </a:txBody>
+                  <a:tcPr anchor="ctr">
+                    <a:solidFill>
+                      <a:schemeClr val="bg1">
+                        <a:lumMod val="85000"/>
+                      </a:schemeClr>
+                    </a:solidFill>
+                  </a:tcPr>
+                </a:tc>
+                <a:tc>
+                  <a:txBody>
+                    <a:bodyPr/>
+                    <a:lstStyle/>
+                    <a:p>
+                      <a:pPr algn="ctr"/>
+                      <a:r>
+                        <a:rPr lang="pl-PL" dirty="0" smtClean="0"/>
+                        <a:t>0</a:t>
+                      </a:r>
+                      <a:endParaRPr lang="pl-PL" dirty="0"/>
+                    </a:p>
+                  </a:txBody>
+                  <a:tcPr anchor="ctr">
+                    <a:solidFill>
+                      <a:schemeClr val="bg1">
+                        <a:lumMod val="85000"/>
+                      </a:schemeClr>
+                    </a:solidFill>
+                  </a:tcPr>
+                </a:tc>
+                <a:tc>
+                  <a:txBody>
+                    <a:bodyPr/>
+                    <a:lstStyle/>
+                    <a:p>
+                      <a:pPr algn="ctr"/>
+                      <a:r>
+                        <a:rPr lang="pl-PL" dirty="0" smtClean="0"/>
+                        <a:t>1</a:t>
+                      </a:r>
+                      <a:endParaRPr lang="pl-PL" dirty="0"/>
+                    </a:p>
+                  </a:txBody>
+                  <a:tcPr anchor="ctr">
+                    <a:solidFill>
+                      <a:schemeClr val="bg1">
+                        <a:lumMod val="85000"/>
+                      </a:schemeClr>
+                    </a:solidFill>
+                  </a:tcPr>
+                </a:tc>
+                <a:tc>
+                  <a:txBody>
+                    <a:bodyPr/>
+                    <a:lstStyle/>
+                    <a:p>
+                      <a:pPr algn="ctr"/>
+                      <a:r>
+                        <a:rPr lang="pl-PL" dirty="0" smtClean="0"/>
+                        <a:t>1</a:t>
+                      </a:r>
+                      <a:endParaRPr lang="pl-PL" dirty="0"/>
+                    </a:p>
+                  </a:txBody>
+                  <a:tcPr anchor="ctr">
+                    <a:solidFill>
+                      <a:schemeClr val="bg1">
+                        <a:lumMod val="85000"/>
+                      </a:schemeClr>
+                    </a:solidFill>
+                  </a:tcPr>
+                </a:tc>
+              </a:tr>
+            </a:tbl>
+          </a:graphicData>
+        </a:graphic>
+      </p:graphicFrame>
+    </p:spTree>
+    <p:extLst>
+      <p:ext uri="{BB962C8B-B14F-4D97-AF65-F5344CB8AC3E}">
+        <p14:creationId xmlns:p14="http://schemas.microsoft.com/office/powerpoint/2010/main" val="3890627265"/>
+      </p:ext>
+    </p:extLst>
+  </p:cSld>
+  <p:clrMapOvr>
+    <a:masterClrMapping/>
+  </p:clrMapOvr>
+</p:sld>
+</file>
+
+<file path=ppt/slides/slide5.xml><?xml version="1.0" encoding="utf-8"?>
 <p:sld xmlns:a="http://schemas.openxmlformats.org/drawingml/2006/main" xmlns:r="http://schemas.openxmlformats.org/officeDocument/2006/relationships" xmlns:p="http://schemas.openxmlformats.org/presentationml/2006/main">
   <p:cSld>
     <p:spTree>
@@ -5532,7 +6302,7 @@
 </p:sld>
 </file>
 
-<file path=ppt/slides/slide4.xml><?xml version="1.0" encoding="utf-8"?>
+<file path=ppt/slides/slide6.xml><?xml version="1.0" encoding="utf-8"?>
 <p:sld xmlns:a="http://schemas.openxmlformats.org/drawingml/2006/main" xmlns:r="http://schemas.openxmlformats.org/officeDocument/2006/relationships" xmlns:p="http://schemas.openxmlformats.org/presentationml/2006/main">
   <p:cSld>
     <p:spTree>
@@ -5617,7 +6387,7 @@
 </p:sld>
 </file>
 
-<file path=ppt/slides/slide5.xml><?xml version="1.0" encoding="utf-8"?>
+<file path=ppt/slides/slide7.xml><?xml version="1.0" encoding="utf-8"?>
 <p:sld xmlns:a="http://schemas.openxmlformats.org/drawingml/2006/main" xmlns:r="http://schemas.openxmlformats.org/officeDocument/2006/relationships" xmlns:p="http://schemas.openxmlformats.org/presentationml/2006/main">
   <p:cSld>
     <p:spTree>
@@ -6077,7 +6847,7 @@
 </p:sld>
 </file>
 
-<file path=ppt/slides/slide6.xml><?xml version="1.0" encoding="utf-8"?>
+<file path=ppt/slides/slide8.xml><?xml version="1.0" encoding="utf-8"?>
 <p:sld xmlns:a="http://schemas.openxmlformats.org/drawingml/2006/main" xmlns:r="http://schemas.openxmlformats.org/officeDocument/2006/relationships" xmlns:p="http://schemas.openxmlformats.org/presentationml/2006/main">
   <p:cSld>
     <p:spTree>
@@ -6159,7 +6929,7 @@
 </p:sld>
 </file>
 
-<file path=ppt/slides/slide7.xml><?xml version="1.0" encoding="utf-8"?>
+<file path=ppt/slides/slide9.xml><?xml version="1.0" encoding="utf-8"?>
 <p:sld xmlns:a="http://schemas.openxmlformats.org/drawingml/2006/main" xmlns:r="http://schemas.openxmlformats.org/officeDocument/2006/relationships" xmlns:p="http://schemas.openxmlformats.org/presentationml/2006/main">
   <p:cSld>
     <p:spTree>
@@ -6240,6 +7010,13 @@
     <a:masterClrMapping/>
   </p:clrMapOvr>
 </p:sld>
+</file>
+
+<file path=ppt/tags/tag1.xml><?xml version="1.0" encoding="utf-8"?>
+<p:tagLst xmlns:a="http://schemas.openxmlformats.org/drawingml/2006/main" xmlns:r="http://schemas.openxmlformats.org/officeDocument/2006/relationships" xmlns:p="http://schemas.openxmlformats.org/presentationml/2006/main">
+  <p:tag name="_AMO_REPORTCONTROLSVISIBLE" val="Empty"/>
+  <p:tag name="_AMO_UNIQUEIDENTIFIER" val="9a4031a5-3458-4a3d-ae69-15ddeaa10cbe"/>
+</p:tagLst>
 </file>
 
 <file path=ppt/theme/theme1.xml><?xml version="1.0" encoding="utf-8"?>
